--- a/lectures/Cerebras SDK walkthrough.pptx
+++ b/lectures/Cerebras SDK walkthrough.pptx
@@ -5,21 +5,26 @@
     <p:sldMasterId id="2147483660" r:id="rId1"/>
   </p:sldMasterIdLst>
   <p:notesMasterIdLst>
-    <p:notesMasterId r:id="rId11"/>
+    <p:notesMasterId r:id="rId16"/>
   </p:notesMasterIdLst>
   <p:handoutMasterIdLst>
-    <p:handoutMasterId r:id="rId12"/>
+    <p:handoutMasterId r:id="rId17"/>
   </p:handoutMasterIdLst>
   <p:sldIdLst>
     <p:sldId id="286" r:id="rId2"/>
-    <p:sldId id="287" r:id="rId3"/>
-    <p:sldId id="288" r:id="rId4"/>
-    <p:sldId id="289" r:id="rId5"/>
-    <p:sldId id="290" r:id="rId6"/>
-    <p:sldId id="291" r:id="rId7"/>
-    <p:sldId id="292" r:id="rId8"/>
-    <p:sldId id="293" r:id="rId9"/>
-    <p:sldId id="294" r:id="rId10"/>
+    <p:sldId id="4761" r:id="rId3"/>
+    <p:sldId id="2147469259" r:id="rId4"/>
+    <p:sldId id="2147469260" r:id="rId5"/>
+    <p:sldId id="2147469261" r:id="rId6"/>
+    <p:sldId id="2147469262" r:id="rId7"/>
+    <p:sldId id="287" r:id="rId8"/>
+    <p:sldId id="288" r:id="rId9"/>
+    <p:sldId id="289" r:id="rId10"/>
+    <p:sldId id="290" r:id="rId11"/>
+    <p:sldId id="291" r:id="rId12"/>
+    <p:sldId id="292" r:id="rId13"/>
+    <p:sldId id="293" r:id="rId14"/>
+    <p:sldId id="294" r:id="rId15"/>
   </p:sldIdLst>
   <p:sldSz cx="12192000" cy="6858000"/>
   <p:notesSz cx="6858000" cy="9144000"/>
@@ -143,8 +148,7 @@
 <file path=ppt/revisionInfo.xml><?xml version="1.0" encoding="utf-8"?>
 <p1510:revInfo xmlns:a="http://schemas.openxmlformats.org/drawingml/2006/main" xmlns:r="http://schemas.openxmlformats.org/officeDocument/2006/relationships" xmlns:p1510="http://schemas.microsoft.com/office/powerpoint/2015/10/main">
   <p1510:revLst>
-    <p1510:client id="{891C23FC-4921-4A15-A87B-40242AC8901F}" v="68" dt="2023-11-30T18:40:15.027"/>
-    <p1510:client id="{FC271AF9-2AEA-492D-BBE0-1C724531AF59}" v="66" dt="2023-11-30T22:51:33.232"/>
+    <p1510:client id="{FC271AF9-2AEA-492D-BBE0-1C724531AF59}" v="67" dt="2023-12-03T18:30:11.512"/>
   </p1510:revLst>
 </p1510:revInfo>
 </file>
@@ -206,7 +210,7 @@
           <a:p>
             <a:fld id="{237A3326-6BE8-4DE2-A526-66D6DC5DC342}" type="datetimeFigureOut">
               <a:rPr lang="en-GB" smtClean="0"/>
-              <a:t>30/11/2023</a:t>
+              <a:t>03/12/2023</a:t>
             </a:fld>
             <a:endParaRPr lang="en-GB"/>
           </a:p>
@@ -383,7 +387,7 @@
           <a:p>
             <a:fld id="{198E9702-0021-4473-93B9-41638846F4C4}" type="datetimeFigureOut">
               <a:rPr lang="en-GB" smtClean="0"/>
-              <a:t>30/11/2023</a:t>
+              <a:t>03/12/2023</a:t>
             </a:fld>
             <a:endParaRPr lang="en-GB"/>
           </a:p>
@@ -735,6 +739,447 @@
 </p:notes>
 </file>
 
+<file path=ppt/notesSlides/notesSlide2.xml><?xml version="1.0" encoding="utf-8"?>
+<p:notes xmlns:a="http://schemas.openxmlformats.org/drawingml/2006/main" xmlns:r="http://schemas.openxmlformats.org/officeDocument/2006/relationships" xmlns:p="http://schemas.openxmlformats.org/presentationml/2006/main">
+  <p:cSld>
+    <p:spTree>
+      <p:nvGrpSpPr>
+        <p:cNvPr id="1" name=""/>
+        <p:cNvGrpSpPr/>
+        <p:nvPr/>
+      </p:nvGrpSpPr>
+      <p:grpSpPr>
+        <a:xfrm>
+          <a:off x="0" y="0"/>
+          <a:ext cx="0" cy="0"/>
+          <a:chOff x="0" y="0"/>
+          <a:chExt cx="0" cy="0"/>
+        </a:xfrm>
+      </p:grpSpPr>
+      <p:sp>
+        <p:nvSpPr>
+          <p:cNvPr id="2" name="Slide Image Placeholder 1"/>
+          <p:cNvSpPr>
+            <a:spLocks noGrp="1" noRot="1" noChangeAspect="1"/>
+          </p:cNvSpPr>
+          <p:nvPr>
+            <p:ph type="sldImg"/>
+          </p:nvPr>
+        </p:nvSpPr>
+        <p:spPr/>
+      </p:sp>
+      <p:sp>
+        <p:nvSpPr>
+          <p:cNvPr id="3" name="Notes Placeholder 2"/>
+          <p:cNvSpPr>
+            <a:spLocks noGrp="1"/>
+          </p:cNvSpPr>
+          <p:nvPr>
+            <p:ph type="body" idx="1"/>
+          </p:nvPr>
+        </p:nvSpPr>
+        <p:spPr/>
+        <p:txBody>
+          <a:bodyPr/>
+          <a:lstStyle/>
+          <a:p>
+            <a:r>
+              <a:rPr lang="en-US"/>
+              <a:t>When programming the CS-2 device, you’ll leverage our new CSL programming language</a:t>
+            </a:r>
+          </a:p>
+          <a:p>
+            <a:r>
+              <a:rPr lang="en-US"/>
+              <a:t>CSL contains common constructs familiar to most programmers and CSL-specific constructs</a:t>
+            </a:r>
+          </a:p>
+          <a:p>
+            <a:r>
+              <a:rPr lang="en-US"/>
+              <a:t>We’ll cover what some of these look like, </a:t>
+            </a:r>
+          </a:p>
+          <a:p>
+            <a:r>
+              <a:rPr lang="en-US"/>
+              <a:t>But most users who have written C or C++ should be very comfortable using CSL</a:t>
+            </a:r>
+          </a:p>
+        </p:txBody>
+      </p:sp>
+      <p:sp>
+        <p:nvSpPr>
+          <p:cNvPr id="4" name="Slide Number Placeholder 3"/>
+          <p:cNvSpPr>
+            <a:spLocks noGrp="1"/>
+          </p:cNvSpPr>
+          <p:nvPr>
+            <p:ph type="sldNum" sz="quarter" idx="5"/>
+          </p:nvPr>
+        </p:nvSpPr>
+        <p:spPr/>
+        <p:txBody>
+          <a:bodyPr/>
+          <a:lstStyle/>
+          <a:p>
+            <a:fld id="{BB11C354-30B1-BA44-B517-A5A88A902768}" type="slidenum">
+              <a:rPr lang="en-US" smtClean="0"/>
+              <a:t>2</a:t>
+            </a:fld>
+            <a:endParaRPr lang="en-US"/>
+          </a:p>
+        </p:txBody>
+      </p:sp>
+    </p:spTree>
+    <p:extLst>
+      <p:ext uri="{BB962C8B-B14F-4D97-AF65-F5344CB8AC3E}">
+        <p14:creationId xmlns:p14="http://schemas.microsoft.com/office/powerpoint/2010/main" val="2853448858"/>
+      </p:ext>
+    </p:extLst>
+  </p:cSld>
+  <p:clrMapOvr>
+    <a:masterClrMapping/>
+  </p:clrMapOvr>
+</p:notes>
+</file>
+
+<file path=ppt/notesSlides/notesSlide3.xml><?xml version="1.0" encoding="utf-8"?>
+<p:notes xmlns:a="http://schemas.openxmlformats.org/drawingml/2006/main" xmlns:r="http://schemas.openxmlformats.org/officeDocument/2006/relationships" xmlns:p="http://schemas.openxmlformats.org/presentationml/2006/main">
+  <p:cSld>
+    <p:spTree>
+      <p:nvGrpSpPr>
+        <p:cNvPr id="1" name=""/>
+        <p:cNvGrpSpPr/>
+        <p:nvPr/>
+      </p:nvGrpSpPr>
+      <p:grpSpPr>
+        <a:xfrm>
+          <a:off x="0" y="0"/>
+          <a:ext cx="0" cy="0"/>
+          <a:chOff x="0" y="0"/>
+          <a:chExt cx="0" cy="0"/>
+        </a:xfrm>
+      </p:grpSpPr>
+      <p:sp>
+        <p:nvSpPr>
+          <p:cNvPr id="2" name="Slide Image Placeholder 1"/>
+          <p:cNvSpPr>
+            <a:spLocks noGrp="1" noRot="1" noChangeAspect="1"/>
+          </p:cNvSpPr>
+          <p:nvPr>
+            <p:ph type="sldImg"/>
+          </p:nvPr>
+        </p:nvSpPr>
+        <p:spPr/>
+      </p:sp>
+      <p:sp>
+        <p:nvSpPr>
+          <p:cNvPr id="3" name="Notes Placeholder 2"/>
+          <p:cNvSpPr>
+            <a:spLocks noGrp="1"/>
+          </p:cNvSpPr>
+          <p:nvPr>
+            <p:ph type="body" idx="1"/>
+          </p:nvPr>
+        </p:nvSpPr>
+        <p:spPr/>
+        <p:txBody>
+          <a:bodyPr/>
+          <a:lstStyle/>
+          <a:p>
+            <a:endParaRPr lang="en-US"/>
+          </a:p>
+        </p:txBody>
+      </p:sp>
+      <p:sp>
+        <p:nvSpPr>
+          <p:cNvPr id="4" name="Slide Number Placeholder 3"/>
+          <p:cNvSpPr>
+            <a:spLocks noGrp="1"/>
+          </p:cNvSpPr>
+          <p:nvPr>
+            <p:ph type="sldNum" sz="quarter" idx="5"/>
+          </p:nvPr>
+        </p:nvSpPr>
+        <p:spPr/>
+        <p:txBody>
+          <a:bodyPr/>
+          <a:lstStyle/>
+          <a:p>
+            <a:fld id="{BB11C354-30B1-BA44-B517-A5A88A902768}" type="slidenum">
+              <a:rPr lang="en-US" smtClean="0"/>
+              <a:t>3</a:t>
+            </a:fld>
+            <a:endParaRPr lang="en-US"/>
+          </a:p>
+        </p:txBody>
+      </p:sp>
+    </p:spTree>
+    <p:extLst>
+      <p:ext uri="{BB962C8B-B14F-4D97-AF65-F5344CB8AC3E}">
+        <p14:creationId xmlns:p14="http://schemas.microsoft.com/office/powerpoint/2010/main" val="3280921749"/>
+      </p:ext>
+    </p:extLst>
+  </p:cSld>
+  <p:clrMapOvr>
+    <a:masterClrMapping/>
+  </p:clrMapOvr>
+</p:notes>
+</file>
+
+<file path=ppt/notesSlides/notesSlide4.xml><?xml version="1.0" encoding="utf-8"?>
+<p:notes xmlns:a="http://schemas.openxmlformats.org/drawingml/2006/main" xmlns:r="http://schemas.openxmlformats.org/officeDocument/2006/relationships" xmlns:p="http://schemas.openxmlformats.org/presentationml/2006/main">
+  <p:cSld>
+    <p:spTree>
+      <p:nvGrpSpPr>
+        <p:cNvPr id="1" name=""/>
+        <p:cNvGrpSpPr/>
+        <p:nvPr/>
+      </p:nvGrpSpPr>
+      <p:grpSpPr>
+        <a:xfrm>
+          <a:off x="0" y="0"/>
+          <a:ext cx="0" cy="0"/>
+          <a:chOff x="0" y="0"/>
+          <a:chExt cx="0" cy="0"/>
+        </a:xfrm>
+      </p:grpSpPr>
+      <p:sp>
+        <p:nvSpPr>
+          <p:cNvPr id="2" name="Slide Image Placeholder 1"/>
+          <p:cNvSpPr>
+            <a:spLocks noGrp="1" noRot="1" noChangeAspect="1"/>
+          </p:cNvSpPr>
+          <p:nvPr>
+            <p:ph type="sldImg"/>
+          </p:nvPr>
+        </p:nvSpPr>
+        <p:spPr/>
+      </p:sp>
+      <p:sp>
+        <p:nvSpPr>
+          <p:cNvPr id="3" name="Notes Placeholder 2"/>
+          <p:cNvSpPr>
+            <a:spLocks noGrp="1"/>
+          </p:cNvSpPr>
+          <p:nvPr>
+            <p:ph type="body" idx="1"/>
+          </p:nvPr>
+        </p:nvSpPr>
+        <p:spPr/>
+        <p:txBody>
+          <a:bodyPr/>
+          <a:lstStyle/>
+          <a:p>
+            <a:endParaRPr lang="en-US"/>
+          </a:p>
+        </p:txBody>
+      </p:sp>
+      <p:sp>
+        <p:nvSpPr>
+          <p:cNvPr id="4" name="Slide Number Placeholder 3"/>
+          <p:cNvSpPr>
+            <a:spLocks noGrp="1"/>
+          </p:cNvSpPr>
+          <p:nvPr>
+            <p:ph type="sldNum" sz="quarter" idx="5"/>
+          </p:nvPr>
+        </p:nvSpPr>
+        <p:spPr/>
+        <p:txBody>
+          <a:bodyPr/>
+          <a:lstStyle/>
+          <a:p>
+            <a:fld id="{BB11C354-30B1-BA44-B517-A5A88A902768}" type="slidenum">
+              <a:rPr lang="en-US" smtClean="0"/>
+              <a:t>4</a:t>
+            </a:fld>
+            <a:endParaRPr lang="en-US"/>
+          </a:p>
+        </p:txBody>
+      </p:sp>
+    </p:spTree>
+    <p:extLst>
+      <p:ext uri="{BB962C8B-B14F-4D97-AF65-F5344CB8AC3E}">
+        <p14:creationId xmlns:p14="http://schemas.microsoft.com/office/powerpoint/2010/main" val="660693636"/>
+      </p:ext>
+    </p:extLst>
+  </p:cSld>
+  <p:clrMapOvr>
+    <a:masterClrMapping/>
+  </p:clrMapOvr>
+</p:notes>
+</file>
+
+<file path=ppt/notesSlides/notesSlide5.xml><?xml version="1.0" encoding="utf-8"?>
+<p:notes xmlns:a="http://schemas.openxmlformats.org/drawingml/2006/main" xmlns:r="http://schemas.openxmlformats.org/officeDocument/2006/relationships" xmlns:p="http://schemas.openxmlformats.org/presentationml/2006/main">
+  <p:cSld>
+    <p:spTree>
+      <p:nvGrpSpPr>
+        <p:cNvPr id="1" name=""/>
+        <p:cNvGrpSpPr/>
+        <p:nvPr/>
+      </p:nvGrpSpPr>
+      <p:grpSpPr>
+        <a:xfrm>
+          <a:off x="0" y="0"/>
+          <a:ext cx="0" cy="0"/>
+          <a:chOff x="0" y="0"/>
+          <a:chExt cx="0" cy="0"/>
+        </a:xfrm>
+      </p:grpSpPr>
+      <p:sp>
+        <p:nvSpPr>
+          <p:cNvPr id="2" name="Slide Image Placeholder 1"/>
+          <p:cNvSpPr>
+            <a:spLocks noGrp="1" noRot="1" noChangeAspect="1"/>
+          </p:cNvSpPr>
+          <p:nvPr>
+            <p:ph type="sldImg"/>
+          </p:nvPr>
+        </p:nvSpPr>
+        <p:spPr/>
+      </p:sp>
+      <p:sp>
+        <p:nvSpPr>
+          <p:cNvPr id="3" name="Notes Placeholder 2"/>
+          <p:cNvSpPr>
+            <a:spLocks noGrp="1"/>
+          </p:cNvSpPr>
+          <p:nvPr>
+            <p:ph type="body" idx="1"/>
+          </p:nvPr>
+        </p:nvSpPr>
+        <p:spPr/>
+        <p:txBody>
+          <a:bodyPr/>
+          <a:lstStyle/>
+          <a:p>
+            <a:endParaRPr lang="en-US"/>
+          </a:p>
+        </p:txBody>
+      </p:sp>
+      <p:sp>
+        <p:nvSpPr>
+          <p:cNvPr id="4" name="Slide Number Placeholder 3"/>
+          <p:cNvSpPr>
+            <a:spLocks noGrp="1"/>
+          </p:cNvSpPr>
+          <p:nvPr>
+            <p:ph type="sldNum" sz="quarter" idx="5"/>
+          </p:nvPr>
+        </p:nvSpPr>
+        <p:spPr/>
+        <p:txBody>
+          <a:bodyPr/>
+          <a:lstStyle/>
+          <a:p>
+            <a:fld id="{BB11C354-30B1-BA44-B517-A5A88A902768}" type="slidenum">
+              <a:rPr lang="en-US" smtClean="0"/>
+              <a:t>5</a:t>
+            </a:fld>
+            <a:endParaRPr lang="en-US"/>
+          </a:p>
+        </p:txBody>
+      </p:sp>
+    </p:spTree>
+    <p:extLst>
+      <p:ext uri="{BB962C8B-B14F-4D97-AF65-F5344CB8AC3E}">
+        <p14:creationId xmlns:p14="http://schemas.microsoft.com/office/powerpoint/2010/main" val="18715056"/>
+      </p:ext>
+    </p:extLst>
+  </p:cSld>
+  <p:clrMapOvr>
+    <a:masterClrMapping/>
+  </p:clrMapOvr>
+</p:notes>
+</file>
+
+<file path=ppt/notesSlides/notesSlide6.xml><?xml version="1.0" encoding="utf-8"?>
+<p:notes xmlns:a="http://schemas.openxmlformats.org/drawingml/2006/main" xmlns:r="http://schemas.openxmlformats.org/officeDocument/2006/relationships" xmlns:p="http://schemas.openxmlformats.org/presentationml/2006/main">
+  <p:cSld>
+    <p:spTree>
+      <p:nvGrpSpPr>
+        <p:cNvPr id="1" name=""/>
+        <p:cNvGrpSpPr/>
+        <p:nvPr/>
+      </p:nvGrpSpPr>
+      <p:grpSpPr>
+        <a:xfrm>
+          <a:off x="0" y="0"/>
+          <a:ext cx="0" cy="0"/>
+          <a:chOff x="0" y="0"/>
+          <a:chExt cx="0" cy="0"/>
+        </a:xfrm>
+      </p:grpSpPr>
+      <p:sp>
+        <p:nvSpPr>
+          <p:cNvPr id="2" name="Slide Image Placeholder 1"/>
+          <p:cNvSpPr>
+            <a:spLocks noGrp="1" noRot="1" noChangeAspect="1"/>
+          </p:cNvSpPr>
+          <p:nvPr>
+            <p:ph type="sldImg"/>
+          </p:nvPr>
+        </p:nvSpPr>
+        <p:spPr/>
+      </p:sp>
+      <p:sp>
+        <p:nvSpPr>
+          <p:cNvPr id="3" name="Notes Placeholder 2"/>
+          <p:cNvSpPr>
+            <a:spLocks noGrp="1"/>
+          </p:cNvSpPr>
+          <p:nvPr>
+            <p:ph type="body" idx="1"/>
+          </p:nvPr>
+        </p:nvSpPr>
+        <p:spPr/>
+        <p:txBody>
+          <a:bodyPr/>
+          <a:lstStyle/>
+          <a:p>
+            <a:endParaRPr lang="en-US"/>
+          </a:p>
+        </p:txBody>
+      </p:sp>
+      <p:sp>
+        <p:nvSpPr>
+          <p:cNvPr id="4" name="Slide Number Placeholder 3"/>
+          <p:cNvSpPr>
+            <a:spLocks noGrp="1"/>
+          </p:cNvSpPr>
+          <p:nvPr>
+            <p:ph type="sldNum" sz="quarter" idx="5"/>
+          </p:nvPr>
+        </p:nvSpPr>
+        <p:spPr/>
+        <p:txBody>
+          <a:bodyPr/>
+          <a:lstStyle/>
+          <a:p>
+            <a:fld id="{BB11C354-30B1-BA44-B517-A5A88A902768}" type="slidenum">
+              <a:rPr lang="en-US" smtClean="0"/>
+              <a:t>6</a:t>
+            </a:fld>
+            <a:endParaRPr lang="en-US"/>
+          </a:p>
+        </p:txBody>
+      </p:sp>
+    </p:spTree>
+    <p:extLst>
+      <p:ext uri="{BB962C8B-B14F-4D97-AF65-F5344CB8AC3E}">
+        <p14:creationId xmlns:p14="http://schemas.microsoft.com/office/powerpoint/2010/main" val="3699950009"/>
+      </p:ext>
+    </p:extLst>
+  </p:cSld>
+  <p:clrMapOvr>
+    <a:masterClrMapping/>
+  </p:clrMapOvr>
+</p:notes>
+</file>
+
 <file path=ppt/slideLayouts/slideLayout1.xml><?xml version="1.0" encoding="utf-8"?>
 <p:sldLayout xmlns:a="http://schemas.openxmlformats.org/drawingml/2006/main" xmlns:r="http://schemas.openxmlformats.org/officeDocument/2006/relationships" xmlns:p="http://schemas.openxmlformats.org/presentationml/2006/main" preserve="1" userDrawn="1">
   <p:cSld name="Title Slide">
@@ -895,7 +1340,7 @@
           <a:p>
             <a:fld id="{B1836D41-3C4D-1D49-AA54-4231464E6415}" type="datetimeFigureOut">
               <a:rPr lang="en-US" smtClean="0"/>
-              <a:t>11/30/2023</a:t>
+              <a:t>12/3/2023</a:t>
             </a:fld>
             <a:endParaRPr lang="en-US"/>
           </a:p>
@@ -1099,7 +1544,7 @@
           <a:p>
             <a:fld id="{B1836D41-3C4D-1D49-AA54-4231464E6415}" type="datetimeFigureOut">
               <a:rPr lang="en-US" smtClean="0"/>
-              <a:t>11/30/2023</a:t>
+              <a:t>12/3/2023</a:t>
             </a:fld>
             <a:endParaRPr lang="en-US"/>
           </a:p>
@@ -1280,7 +1725,7 @@
           <a:p>
             <a:fld id="{B1836D41-3C4D-1D49-AA54-4231464E6415}" type="datetimeFigureOut">
               <a:rPr lang="en-US" smtClean="0"/>
-              <a:t>11/30/2023</a:t>
+              <a:t>12/3/2023</a:t>
             </a:fld>
             <a:endParaRPr lang="en-US"/>
           </a:p>
@@ -1455,7 +1900,7 @@
           <a:p>
             <a:fld id="{B1836D41-3C4D-1D49-AA54-4231464E6415}" type="datetimeFigureOut">
               <a:rPr lang="en-US" smtClean="0"/>
-              <a:t>11/30/2023</a:t>
+              <a:t>12/3/2023</a:t>
             </a:fld>
             <a:endParaRPr lang="en-US"/>
           </a:p>
@@ -1703,7 +2148,7 @@
           <a:p>
             <a:fld id="{B1836D41-3C4D-1D49-AA54-4231464E6415}" type="datetimeFigureOut">
               <a:rPr lang="en-US" smtClean="0"/>
-              <a:t>11/30/2023</a:t>
+              <a:t>12/3/2023</a:t>
             </a:fld>
             <a:endParaRPr lang="en-US"/>
           </a:p>
@@ -2020,7 +2465,7 @@
           <a:p>
             <a:fld id="{B1836D41-3C4D-1D49-AA54-4231464E6415}" type="datetimeFigureOut">
               <a:rPr lang="en-US" smtClean="0"/>
-              <a:t>11/30/2023</a:t>
+              <a:t>12/3/2023</a:t>
             </a:fld>
             <a:endParaRPr lang="en-US"/>
           </a:p>
@@ -2486,7 +2931,7 @@
           <a:p>
             <a:fld id="{B1836D41-3C4D-1D49-AA54-4231464E6415}" type="datetimeFigureOut">
               <a:rPr lang="en-US" smtClean="0"/>
-              <a:t>11/30/2023</a:t>
+              <a:t>12/3/2023</a:t>
             </a:fld>
             <a:endParaRPr lang="en-US"/>
           </a:p>
@@ -2633,7 +3078,7 @@
           <a:p>
             <a:fld id="{B1836D41-3C4D-1D49-AA54-4231464E6415}" type="datetimeFigureOut">
               <a:rPr lang="en-US" smtClean="0"/>
-              <a:t>11/30/2023</a:t>
+              <a:t>12/3/2023</a:t>
             </a:fld>
             <a:endParaRPr lang="en-US"/>
           </a:p>
@@ -2723,7 +3168,7 @@
           <a:p>
             <a:fld id="{B1836D41-3C4D-1D49-AA54-4231464E6415}" type="datetimeFigureOut">
               <a:rPr lang="en-US" smtClean="0"/>
-              <a:t>11/30/2023</a:t>
+              <a:t>12/3/2023</a:t>
             </a:fld>
             <a:endParaRPr lang="en-US"/>
           </a:p>
@@ -2997,7 +3442,7 @@
           <a:p>
             <a:fld id="{B1836D41-3C4D-1D49-AA54-4231464E6415}" type="datetimeFigureOut">
               <a:rPr lang="en-US" smtClean="0"/>
-              <a:t>11/30/2023</a:t>
+              <a:t>12/3/2023</a:t>
             </a:fld>
             <a:endParaRPr lang="en-US"/>
           </a:p>
@@ -3302,7 +3747,7 @@
           <a:p>
             <a:fld id="{B1836D41-3C4D-1D49-AA54-4231464E6415}" type="datetimeFigureOut">
               <a:rPr lang="en-US" smtClean="0"/>
-              <a:t>11/30/2023</a:t>
+              <a:t>12/3/2023</a:t>
             </a:fld>
             <a:endParaRPr lang="en-US"/>
           </a:p>
@@ -3599,7 +4044,7 @@
           <a:p>
             <a:fld id="{B1836D41-3C4D-1D49-AA54-4231464E6415}" type="datetimeFigureOut">
               <a:rPr lang="en-US" smtClean="0"/>
-              <a:t>11/30/2023</a:t>
+              <a:t>12/3/2023</a:t>
             </a:fld>
             <a:endParaRPr lang="en-US"/>
           </a:p>
@@ -4241,1449 +4686,7 @@
 </p:sld>
 </file>
 
-<file path=ppt/slides/slide2.xml><?xml version="1.0" encoding="utf-8"?>
-<p:sld xmlns:a="http://schemas.openxmlformats.org/drawingml/2006/main" xmlns:r="http://schemas.openxmlformats.org/officeDocument/2006/relationships" xmlns:p="http://schemas.openxmlformats.org/presentationml/2006/main">
-  <p:cSld>
-    <p:spTree>
-      <p:nvGrpSpPr>
-        <p:cNvPr id="1" name=""/>
-        <p:cNvGrpSpPr/>
-        <p:nvPr/>
-      </p:nvGrpSpPr>
-      <p:grpSpPr>
-        <a:xfrm>
-          <a:off x="0" y="0"/>
-          <a:ext cx="0" cy="0"/>
-          <a:chOff x="0" y="0"/>
-          <a:chExt cx="0" cy="0"/>
-        </a:xfrm>
-      </p:grpSpPr>
-      <p:sp>
-        <p:nvSpPr>
-          <p:cNvPr id="2" name="Title 1">
-            <a:extLst>
-              <a:ext uri="{FF2B5EF4-FFF2-40B4-BE49-F238E27FC236}">
-                <a16:creationId xmlns:a16="http://schemas.microsoft.com/office/drawing/2014/main" id="{049770CC-295A-8645-5D1F-9DD564BF9CC7}"/>
-              </a:ext>
-            </a:extLst>
-          </p:cNvPr>
-          <p:cNvSpPr>
-            <a:spLocks noGrp="1"/>
-          </p:cNvSpPr>
-          <p:nvPr>
-            <p:ph type="title"/>
-          </p:nvPr>
-        </p:nvSpPr>
-        <p:spPr/>
-        <p:txBody>
-          <a:bodyPr/>
-          <a:lstStyle/>
-          <a:p>
-            <a:r>
-              <a:rPr lang="en-GB" dirty="0"/>
-              <a:t>Let’s get to programming the machine….</a:t>
-            </a:r>
-          </a:p>
-        </p:txBody>
-      </p:sp>
-      <p:sp>
-        <p:nvSpPr>
-          <p:cNvPr id="3" name="Content Placeholder 2">
-            <a:extLst>
-              <a:ext uri="{FF2B5EF4-FFF2-40B4-BE49-F238E27FC236}">
-                <a16:creationId xmlns:a16="http://schemas.microsoft.com/office/drawing/2014/main" id="{B0D4D97A-D25F-5DDB-7DFB-9A6AD6A7AF07}"/>
-              </a:ext>
-            </a:extLst>
-          </p:cNvPr>
-          <p:cNvSpPr>
-            <a:spLocks noGrp="1"/>
-          </p:cNvSpPr>
-          <p:nvPr>
-            <p:ph idx="1"/>
-          </p:nvPr>
-        </p:nvSpPr>
-        <p:spPr>
-          <a:xfrm>
-            <a:off x="609600" y="1600200"/>
-            <a:ext cx="10972800" cy="846304"/>
-          </a:xfrm>
-        </p:spPr>
-        <p:txBody>
-          <a:bodyPr/>
-          <a:lstStyle/>
-          <a:p>
-            <a:r>
-              <a:rPr lang="en-GB" dirty="0"/>
-              <a:t>Step one – using the visitor account assigned to you, login to our CS-2 host machine</a:t>
-            </a:r>
-          </a:p>
-        </p:txBody>
-      </p:sp>
-      <p:sp>
-        <p:nvSpPr>
-          <p:cNvPr id="4" name="TextBox 3">
-            <a:extLst>
-              <a:ext uri="{FF2B5EF4-FFF2-40B4-BE49-F238E27FC236}">
-                <a16:creationId xmlns:a16="http://schemas.microsoft.com/office/drawing/2014/main" id="{72F8C03D-ED7A-5ACD-65A5-FABE3A3E9FEF}"/>
-              </a:ext>
-            </a:extLst>
-          </p:cNvPr>
-          <p:cNvSpPr txBox="1"/>
-          <p:nvPr/>
-        </p:nvSpPr>
-        <p:spPr>
-          <a:xfrm>
-            <a:off x="609600" y="2564904"/>
-            <a:ext cx="10972800" cy="338554"/>
-          </a:xfrm>
-          <a:prstGeom prst="rect">
-            <a:avLst/>
-          </a:prstGeom>
-          <a:solidFill>
-            <a:schemeClr val="tx1"/>
-          </a:solidFill>
-        </p:spPr>
-        <p:txBody>
-          <a:bodyPr wrap="square" rtlCol="0">
-            <a:spAutoFit/>
-          </a:bodyPr>
-          <a:lstStyle/>
-          <a:p>
-            <a:r>
-              <a:rPr lang="en-GB" sz="1600" dirty="0" err="1">
-                <a:solidFill>
-                  <a:schemeClr val="bg1"/>
-                </a:solidFill>
-                <a:latin typeface="Courier New" panose="02070309020205020404" pitchFamily="49" charset="0"/>
-                <a:cs typeface="Courier New" panose="02070309020205020404" pitchFamily="49" charset="0"/>
-              </a:rPr>
-              <a:t>ssh</a:t>
-            </a:r>
-            <a:r>
-              <a:rPr lang="en-GB" sz="1600" dirty="0">
-                <a:solidFill>
-                  <a:schemeClr val="bg1"/>
-                </a:solidFill>
-                <a:latin typeface="Courier New" panose="02070309020205020404" pitchFamily="49" charset="0"/>
-                <a:cs typeface="Courier New" panose="02070309020205020404" pitchFamily="49" charset="0"/>
-              </a:rPr>
-              <a:t> vistor01@sdf-cs1.epcc.ed.ac.uk</a:t>
-            </a:r>
-          </a:p>
-        </p:txBody>
-      </p:sp>
-      <p:sp>
-        <p:nvSpPr>
-          <p:cNvPr id="5" name="Content Placeholder 2">
-            <a:extLst>
-              <a:ext uri="{FF2B5EF4-FFF2-40B4-BE49-F238E27FC236}">
-                <a16:creationId xmlns:a16="http://schemas.microsoft.com/office/drawing/2014/main" id="{32EF770B-1839-AC38-FB6E-38AF13500129}"/>
-              </a:ext>
-            </a:extLst>
-          </p:cNvPr>
-          <p:cNvSpPr txBox="1">
-            <a:spLocks/>
-          </p:cNvSpPr>
-          <p:nvPr/>
-        </p:nvSpPr>
-        <p:spPr>
-          <a:xfrm>
-            <a:off x="609600" y="3240869"/>
-            <a:ext cx="10972800" cy="1302998"/>
-          </a:xfrm>
-          <a:prstGeom prst="rect">
-            <a:avLst/>
-          </a:prstGeom>
-        </p:spPr>
-        <p:txBody>
-          <a:bodyPr vert="horz" lIns="91440" tIns="45720" rIns="91440" bIns="45720" rtlCol="0">
-            <a:normAutofit/>
-          </a:bodyPr>
-          <a:lstStyle>
-            <a:lvl1pPr marL="182880" indent="-182880" algn="l" defTabSz="914400" rtl="0" eaLnBrk="1" latinLnBrk="0" hangingPunct="1">
-              <a:spcBef>
-                <a:spcPct val="20000"/>
-              </a:spcBef>
-              <a:buClr>
-                <a:schemeClr val="accent1"/>
-              </a:buClr>
-              <a:buSzPct val="85000"/>
-              <a:buFont typeface="Arial" pitchFamily="34" charset="0"/>
-              <a:buChar char="•"/>
-              <a:defRPr sz="2400" kern="1200">
-                <a:solidFill>
-                  <a:schemeClr val="tx1"/>
-                </a:solidFill>
-                <a:latin typeface="+mn-lt"/>
-                <a:ea typeface="+mn-ea"/>
-                <a:cs typeface="+mn-cs"/>
-              </a:defRPr>
-            </a:lvl1pPr>
-            <a:lvl2pPr marL="457200" indent="-182880" algn="l" defTabSz="914400" rtl="0" eaLnBrk="1" latinLnBrk="0" hangingPunct="1">
-              <a:spcBef>
-                <a:spcPct val="20000"/>
-              </a:spcBef>
-              <a:buClr>
-                <a:schemeClr val="accent1"/>
-              </a:buClr>
-              <a:buSzPct val="85000"/>
-              <a:buFont typeface="Arial" pitchFamily="34" charset="0"/>
-              <a:buChar char="•"/>
-              <a:defRPr sz="2000" kern="1200">
-                <a:solidFill>
-                  <a:schemeClr val="tx1"/>
-                </a:solidFill>
-                <a:latin typeface="+mn-lt"/>
-                <a:ea typeface="+mn-ea"/>
-                <a:cs typeface="+mn-cs"/>
-              </a:defRPr>
-            </a:lvl2pPr>
-            <a:lvl3pPr marL="731520" indent="-182880" algn="l" defTabSz="914400" rtl="0" eaLnBrk="1" latinLnBrk="0" hangingPunct="1">
-              <a:spcBef>
-                <a:spcPct val="20000"/>
-              </a:spcBef>
-              <a:buClr>
-                <a:schemeClr val="accent1"/>
-              </a:buClr>
-              <a:buSzPct val="90000"/>
-              <a:buFont typeface="Arial" pitchFamily="34" charset="0"/>
-              <a:buChar char="•"/>
-              <a:defRPr sz="1800" kern="1200">
-                <a:solidFill>
-                  <a:schemeClr val="tx1"/>
-                </a:solidFill>
-                <a:latin typeface="+mn-lt"/>
-                <a:ea typeface="+mn-ea"/>
-                <a:cs typeface="+mn-cs"/>
-              </a:defRPr>
-            </a:lvl3pPr>
-            <a:lvl4pPr marL="1005840" indent="-182880" algn="l" defTabSz="914400" rtl="0" eaLnBrk="1" latinLnBrk="0" hangingPunct="1">
-              <a:spcBef>
-                <a:spcPct val="20000"/>
-              </a:spcBef>
-              <a:buClr>
-                <a:schemeClr val="accent1"/>
-              </a:buClr>
-              <a:buFont typeface="Arial" pitchFamily="34" charset="0"/>
-              <a:buChar char="•"/>
-              <a:defRPr sz="1600" kern="1200">
-                <a:solidFill>
-                  <a:schemeClr val="tx1"/>
-                </a:solidFill>
-                <a:latin typeface="+mn-lt"/>
-                <a:ea typeface="+mn-ea"/>
-                <a:cs typeface="+mn-cs"/>
-              </a:defRPr>
-            </a:lvl4pPr>
-            <a:lvl5pPr marL="1188720" indent="-137160" algn="l" defTabSz="914400" rtl="0" eaLnBrk="1" latinLnBrk="0" hangingPunct="1">
-              <a:spcBef>
-                <a:spcPct val="20000"/>
-              </a:spcBef>
-              <a:buClr>
-                <a:schemeClr val="accent1"/>
-              </a:buClr>
-              <a:buSzPct val="100000"/>
-              <a:buFont typeface="Arial" pitchFamily="34" charset="0"/>
-              <a:buChar char="•"/>
-              <a:defRPr sz="1400" kern="1200" baseline="0">
-                <a:solidFill>
-                  <a:schemeClr val="tx1"/>
-                </a:solidFill>
-                <a:latin typeface="+mn-lt"/>
-                <a:ea typeface="+mn-ea"/>
-                <a:cs typeface="+mn-cs"/>
-              </a:defRPr>
-            </a:lvl5pPr>
-            <a:lvl6pPr marL="1371600" indent="-182880" algn="l" defTabSz="914400" rtl="0" eaLnBrk="1" latinLnBrk="0" hangingPunct="1">
-              <a:spcBef>
-                <a:spcPct val="20000"/>
-              </a:spcBef>
-              <a:buClr>
-                <a:schemeClr val="accent1"/>
-              </a:buClr>
-              <a:buFont typeface="Arial" pitchFamily="34" charset="0"/>
-              <a:buChar char="•"/>
-              <a:defRPr sz="1300" kern="1200">
-                <a:solidFill>
-                  <a:schemeClr val="tx1"/>
-                </a:solidFill>
-                <a:latin typeface="+mn-lt"/>
-                <a:ea typeface="+mn-ea"/>
-                <a:cs typeface="+mn-cs"/>
-              </a:defRPr>
-            </a:lvl6pPr>
-            <a:lvl7pPr marL="1554480" indent="-182880" algn="l" defTabSz="914400" rtl="0" eaLnBrk="1" latinLnBrk="0" hangingPunct="1">
-              <a:spcBef>
-                <a:spcPct val="20000"/>
-              </a:spcBef>
-              <a:buClr>
-                <a:schemeClr val="accent1"/>
-              </a:buClr>
-              <a:buFont typeface="Arial" pitchFamily="34" charset="0"/>
-              <a:buChar char="•"/>
-              <a:defRPr sz="1300" kern="1200">
-                <a:solidFill>
-                  <a:schemeClr val="tx1"/>
-                </a:solidFill>
-                <a:latin typeface="+mn-lt"/>
-                <a:ea typeface="+mn-ea"/>
-                <a:cs typeface="+mn-cs"/>
-              </a:defRPr>
-            </a:lvl7pPr>
-            <a:lvl8pPr marL="1737360" indent="-182880" algn="l" defTabSz="914400" rtl="0" eaLnBrk="1" latinLnBrk="0" hangingPunct="1">
-              <a:spcBef>
-                <a:spcPct val="20000"/>
-              </a:spcBef>
-              <a:buClr>
-                <a:schemeClr val="accent1"/>
-              </a:buClr>
-              <a:buFont typeface="Arial" pitchFamily="34" charset="0"/>
-              <a:buChar char="•"/>
-              <a:defRPr sz="1300" kern="1200">
-                <a:solidFill>
-                  <a:schemeClr val="tx1"/>
-                </a:solidFill>
-                <a:latin typeface="+mn-lt"/>
-                <a:ea typeface="+mn-ea"/>
-                <a:cs typeface="+mn-cs"/>
-              </a:defRPr>
-            </a:lvl8pPr>
-            <a:lvl9pPr marL="1920240" indent="-182880" algn="l" defTabSz="914400" rtl="0" eaLnBrk="1" latinLnBrk="0" hangingPunct="1">
-              <a:spcBef>
-                <a:spcPct val="20000"/>
-              </a:spcBef>
-              <a:buClr>
-                <a:schemeClr val="accent1"/>
-              </a:buClr>
-              <a:buFont typeface="Arial" pitchFamily="34" charset="0"/>
-              <a:buChar char="•"/>
-              <a:defRPr sz="1300" kern="1200">
-                <a:solidFill>
-                  <a:schemeClr val="tx1"/>
-                </a:solidFill>
-                <a:latin typeface="+mn-lt"/>
-                <a:ea typeface="+mn-ea"/>
-                <a:cs typeface="+mn-cs"/>
-              </a:defRPr>
-            </a:lvl9pPr>
-          </a:lstStyle>
-          <a:p>
-            <a:r>
-              <a:rPr lang="en-GB" dirty="0"/>
-              <a:t>We are now logged into the host machine that connects to the CS-2</a:t>
-            </a:r>
-          </a:p>
-          <a:p>
-            <a:r>
-              <a:rPr lang="en-GB" dirty="0"/>
-              <a:t>Step two – cd into the </a:t>
-            </a:r>
-            <a:r>
-              <a:rPr lang="en-GB" i="1" dirty="0"/>
-              <a:t>cs2-sdk-training/</a:t>
-            </a:r>
-            <a:r>
-              <a:rPr lang="en-GB" i="1" dirty="0" err="1"/>
-              <a:t>practicals</a:t>
-            </a:r>
-            <a:r>
-              <a:rPr lang="en-GB" i="1" dirty="0"/>
-              <a:t>/walk-through </a:t>
-            </a:r>
-            <a:r>
-              <a:rPr lang="en-GB" dirty="0"/>
-              <a:t>which we will be working in for this part of the tutorial</a:t>
-            </a:r>
-            <a:endParaRPr lang="en-GB" i="1" dirty="0"/>
-          </a:p>
-        </p:txBody>
-      </p:sp>
-      <p:sp>
-        <p:nvSpPr>
-          <p:cNvPr id="6" name="TextBox 5">
-            <a:extLst>
-              <a:ext uri="{FF2B5EF4-FFF2-40B4-BE49-F238E27FC236}">
-                <a16:creationId xmlns:a16="http://schemas.microsoft.com/office/drawing/2014/main" id="{8B3B549C-4FAC-A1D1-CBB7-5B1A93F94F62}"/>
-              </a:ext>
-            </a:extLst>
-          </p:cNvPr>
-          <p:cNvSpPr txBox="1"/>
-          <p:nvPr/>
-        </p:nvSpPr>
-        <p:spPr>
-          <a:xfrm>
-            <a:off x="609600" y="4662527"/>
-            <a:ext cx="10972800" cy="1077218"/>
-          </a:xfrm>
-          <a:prstGeom prst="rect">
-            <a:avLst/>
-          </a:prstGeom>
-          <a:solidFill>
-            <a:schemeClr val="tx1"/>
-          </a:solidFill>
-        </p:spPr>
-        <p:txBody>
-          <a:bodyPr wrap="square" rtlCol="0">
-            <a:spAutoFit/>
-          </a:bodyPr>
-          <a:lstStyle/>
-          <a:p>
-            <a:r>
-              <a:rPr lang="en-GB" sz="1600" dirty="0">
-                <a:solidFill>
-                  <a:schemeClr val="bg1"/>
-                </a:solidFill>
-                <a:latin typeface="Courier New" panose="02070309020205020404" pitchFamily="49" charset="0"/>
-                <a:cs typeface="Courier New" panose="02070309020205020404" pitchFamily="49" charset="0"/>
-              </a:rPr>
-              <a:t>[vistor01@sdf-cs1 ~]$ cd cs2-sdk-training/</a:t>
-            </a:r>
-            <a:r>
-              <a:rPr lang="en-GB" sz="1600" dirty="0" err="1">
-                <a:solidFill>
-                  <a:schemeClr val="bg1"/>
-                </a:solidFill>
-                <a:latin typeface="Courier New" panose="02070309020205020404" pitchFamily="49" charset="0"/>
-                <a:cs typeface="Courier New" panose="02070309020205020404" pitchFamily="49" charset="0"/>
-              </a:rPr>
-              <a:t>practicals</a:t>
-            </a:r>
-            <a:r>
-              <a:rPr lang="en-GB" sz="1600" dirty="0">
-                <a:solidFill>
-                  <a:schemeClr val="bg1"/>
-                </a:solidFill>
-                <a:latin typeface="Courier New" panose="02070309020205020404" pitchFamily="49" charset="0"/>
-                <a:cs typeface="Courier New" panose="02070309020205020404" pitchFamily="49" charset="0"/>
-              </a:rPr>
-              <a:t>/walk-through</a:t>
-            </a:r>
-          </a:p>
-          <a:p>
-            <a:r>
-              <a:rPr lang="en-GB" sz="1600" dirty="0">
-                <a:solidFill>
-                  <a:schemeClr val="bg1"/>
-                </a:solidFill>
-                <a:latin typeface="Courier New" panose="02070309020205020404" pitchFamily="49" charset="0"/>
-                <a:cs typeface="Courier New" panose="02070309020205020404" pitchFamily="49" charset="0"/>
-              </a:rPr>
-              <a:t>[vistor01@sdf-cs1 walk-through]$ ls</a:t>
-            </a:r>
-          </a:p>
-          <a:p>
-            <a:r>
-              <a:rPr lang="en-GB" sz="1600" dirty="0">
-                <a:solidFill>
-                  <a:schemeClr val="bg1"/>
-                </a:solidFill>
-                <a:latin typeface="Courier New" panose="02070309020205020404" pitchFamily="49" charset="0"/>
-                <a:cs typeface="Courier New" panose="02070309020205020404" pitchFamily="49" charset="0"/>
-              </a:rPr>
-              <a:t>wt1-getting-started  wt2-basic-syntax  wt3-memcpy  wt4-memoryDSDs  </a:t>
-            </a:r>
-          </a:p>
-          <a:p>
-            <a:r>
-              <a:rPr lang="en-GB" sz="1600" dirty="0">
-                <a:solidFill>
-                  <a:schemeClr val="bg1"/>
-                </a:solidFill>
-                <a:latin typeface="Courier New" panose="02070309020205020404" pitchFamily="49" charset="0"/>
-                <a:cs typeface="Courier New" panose="02070309020205020404" pitchFamily="49" charset="0"/>
-              </a:rPr>
-              <a:t>wt5-multiple-PEs  wt6-routes-fabricDSDs  wt7-optimisation  wt8-debugging</a:t>
-            </a:r>
-          </a:p>
-        </p:txBody>
-      </p:sp>
-      <p:sp>
-        <p:nvSpPr>
-          <p:cNvPr id="7" name="TextBox 6">
-            <a:extLst>
-              <a:ext uri="{FF2B5EF4-FFF2-40B4-BE49-F238E27FC236}">
-                <a16:creationId xmlns:a16="http://schemas.microsoft.com/office/drawing/2014/main" id="{AF9533DE-19DF-DA0D-DA79-923A27AC4573}"/>
-              </a:ext>
-            </a:extLst>
-          </p:cNvPr>
-          <p:cNvSpPr txBox="1"/>
-          <p:nvPr/>
-        </p:nvSpPr>
-        <p:spPr>
-          <a:xfrm>
-            <a:off x="695400" y="5965525"/>
-            <a:ext cx="10225136" cy="369332"/>
-          </a:xfrm>
-          <a:prstGeom prst="rect">
-            <a:avLst/>
-          </a:prstGeom>
-          <a:noFill/>
-        </p:spPr>
-        <p:txBody>
-          <a:bodyPr wrap="square" rtlCol="0">
-            <a:spAutoFit/>
-          </a:bodyPr>
-          <a:lstStyle/>
-          <a:p>
-            <a:pPr algn="ctr"/>
-            <a:r>
-              <a:rPr lang="en-GB" i="1" dirty="0">
-                <a:solidFill>
-                  <a:srgbClr val="FF0000"/>
-                </a:solidFill>
-              </a:rPr>
-              <a:t>Let one of the tutors know if you are struggling with this</a:t>
-            </a:r>
-          </a:p>
-        </p:txBody>
-      </p:sp>
-    </p:spTree>
-    <p:extLst>
-      <p:ext uri="{BB962C8B-B14F-4D97-AF65-F5344CB8AC3E}">
-        <p14:creationId xmlns:p14="http://schemas.microsoft.com/office/powerpoint/2010/main" val="965051851"/>
-      </p:ext>
-    </p:extLst>
-  </p:cSld>
-  <p:clrMapOvr>
-    <a:masterClrMapping/>
-  </p:clrMapOvr>
-</p:sld>
-</file>
-
-<file path=ppt/slides/slide3.xml><?xml version="1.0" encoding="utf-8"?>
-<p:sld xmlns:a="http://schemas.openxmlformats.org/drawingml/2006/main" xmlns:r="http://schemas.openxmlformats.org/officeDocument/2006/relationships" xmlns:p="http://schemas.openxmlformats.org/presentationml/2006/main">
-  <p:cSld>
-    <p:spTree>
-      <p:nvGrpSpPr>
-        <p:cNvPr id="1" name=""/>
-        <p:cNvGrpSpPr/>
-        <p:nvPr/>
-      </p:nvGrpSpPr>
-      <p:grpSpPr>
-        <a:xfrm>
-          <a:off x="0" y="0"/>
-          <a:ext cx="0" cy="0"/>
-          <a:chOff x="0" y="0"/>
-          <a:chExt cx="0" cy="0"/>
-        </a:xfrm>
-      </p:grpSpPr>
-      <p:sp>
-        <p:nvSpPr>
-          <p:cNvPr id="2" name="Title 1">
-            <a:extLst>
-              <a:ext uri="{FF2B5EF4-FFF2-40B4-BE49-F238E27FC236}">
-                <a16:creationId xmlns:a16="http://schemas.microsoft.com/office/drawing/2014/main" id="{D334002C-9726-255F-B908-BB704A79B83C}"/>
-              </a:ext>
-            </a:extLst>
-          </p:cNvPr>
-          <p:cNvSpPr>
-            <a:spLocks noGrp="1"/>
-          </p:cNvSpPr>
-          <p:nvPr>
-            <p:ph type="title"/>
-          </p:nvPr>
-        </p:nvSpPr>
-        <p:spPr/>
-        <p:txBody>
-          <a:bodyPr/>
-          <a:lstStyle/>
-          <a:p>
-            <a:r>
-              <a:rPr lang="en-GB" dirty="0"/>
-              <a:t>Running my first CSL program</a:t>
-            </a:r>
-          </a:p>
-        </p:txBody>
-      </p:sp>
-      <p:sp>
-        <p:nvSpPr>
-          <p:cNvPr id="3" name="Content Placeholder 2">
-            <a:extLst>
-              <a:ext uri="{FF2B5EF4-FFF2-40B4-BE49-F238E27FC236}">
-                <a16:creationId xmlns:a16="http://schemas.microsoft.com/office/drawing/2014/main" id="{AA23FFD8-57EF-751D-3222-A3860630DD71}"/>
-              </a:ext>
-            </a:extLst>
-          </p:cNvPr>
-          <p:cNvSpPr>
-            <a:spLocks noGrp="1"/>
-          </p:cNvSpPr>
-          <p:nvPr>
-            <p:ph idx="1"/>
-          </p:nvPr>
-        </p:nvSpPr>
-        <p:spPr>
-          <a:xfrm>
-            <a:off x="609600" y="1481800"/>
-            <a:ext cx="10972800" cy="948401"/>
-          </a:xfrm>
-        </p:spPr>
-        <p:txBody>
-          <a:bodyPr/>
-          <a:lstStyle/>
-          <a:p>
-            <a:r>
-              <a:rPr lang="en-GB" dirty="0"/>
-              <a:t>Change into the </a:t>
-            </a:r>
-            <a:r>
-              <a:rPr lang="en-GB" i="1" dirty="0"/>
-              <a:t>wt1-getting-started </a:t>
-            </a:r>
-            <a:r>
-              <a:rPr lang="en-GB" dirty="0"/>
-              <a:t>directory</a:t>
-            </a:r>
-          </a:p>
-          <a:p>
-            <a:r>
-              <a:rPr lang="en-GB" dirty="0"/>
-              <a:t>Compile the code using the </a:t>
-            </a:r>
-            <a:r>
-              <a:rPr lang="en-GB" i="1" dirty="0" err="1"/>
-              <a:t>cslc</a:t>
-            </a:r>
-            <a:r>
-              <a:rPr lang="en-GB" i="1" dirty="0"/>
-              <a:t> </a:t>
-            </a:r>
-            <a:r>
-              <a:rPr lang="en-GB" dirty="0"/>
-              <a:t>command </a:t>
-            </a:r>
-          </a:p>
-        </p:txBody>
-      </p:sp>
-      <p:sp>
-        <p:nvSpPr>
-          <p:cNvPr id="5" name="TextBox 4">
-            <a:extLst>
-              <a:ext uri="{FF2B5EF4-FFF2-40B4-BE49-F238E27FC236}">
-                <a16:creationId xmlns:a16="http://schemas.microsoft.com/office/drawing/2014/main" id="{52C65D66-B875-E723-BD5B-F05B9025BD72}"/>
-              </a:ext>
-            </a:extLst>
-          </p:cNvPr>
-          <p:cNvSpPr txBox="1"/>
-          <p:nvPr/>
-        </p:nvSpPr>
-        <p:spPr>
-          <a:xfrm>
-            <a:off x="609600" y="2430201"/>
-            <a:ext cx="10972800" cy="2308324"/>
-          </a:xfrm>
-          <a:prstGeom prst="rect">
-            <a:avLst/>
-          </a:prstGeom>
-          <a:solidFill>
-            <a:schemeClr val="tx1"/>
-          </a:solidFill>
-        </p:spPr>
-        <p:txBody>
-          <a:bodyPr wrap="square" rtlCol="0">
-            <a:spAutoFit/>
-          </a:bodyPr>
-          <a:lstStyle/>
-          <a:p>
-            <a:r>
-              <a:rPr lang="en-GB" sz="1600" dirty="0">
-                <a:solidFill>
-                  <a:schemeClr val="bg1"/>
-                </a:solidFill>
-                <a:latin typeface="Courier New" panose="02070309020205020404" pitchFamily="49" charset="0"/>
-                <a:cs typeface="Courier New" panose="02070309020205020404" pitchFamily="49" charset="0"/>
-              </a:rPr>
-              <a:t>[vistor01@sdf-cs1 walk-through]$ cd wt1-getting-started</a:t>
-            </a:r>
-          </a:p>
-          <a:p>
-            <a:r>
-              <a:rPr lang="en-GB" sz="1600" dirty="0">
-                <a:solidFill>
-                  <a:schemeClr val="bg1"/>
-                </a:solidFill>
-                <a:latin typeface="Courier New" panose="02070309020205020404" pitchFamily="49" charset="0"/>
-                <a:cs typeface="Courier New" panose="02070309020205020404" pitchFamily="49" charset="0"/>
-              </a:rPr>
-              <a:t>[vistor01@sdf-cs1 wt1-getting-started]$ </a:t>
-            </a:r>
-            <a:r>
-              <a:rPr lang="en-GB" sz="1600" dirty="0" err="1">
-                <a:solidFill>
-                  <a:schemeClr val="bg1"/>
-                </a:solidFill>
-                <a:latin typeface="Courier New" panose="02070309020205020404" pitchFamily="49" charset="0"/>
-                <a:cs typeface="Courier New" panose="02070309020205020404" pitchFamily="49" charset="0"/>
-              </a:rPr>
-              <a:t>cslc</a:t>
-            </a:r>
-            <a:r>
-              <a:rPr lang="en-GB" sz="1600" dirty="0">
-                <a:solidFill>
-                  <a:schemeClr val="bg1"/>
-                </a:solidFill>
-                <a:latin typeface="Courier New" panose="02070309020205020404" pitchFamily="49" charset="0"/>
-                <a:cs typeface="Courier New" panose="02070309020205020404" pitchFamily="49" charset="0"/>
-              </a:rPr>
-              <a:t> </a:t>
-            </a:r>
-            <a:r>
-              <a:rPr lang="en-GB" sz="1600" dirty="0" err="1">
-                <a:solidFill>
-                  <a:schemeClr val="bg1"/>
-                </a:solidFill>
-                <a:latin typeface="Courier New" panose="02070309020205020404" pitchFamily="49" charset="0"/>
-                <a:cs typeface="Courier New" panose="02070309020205020404" pitchFamily="49" charset="0"/>
-              </a:rPr>
-              <a:t>layout.csl</a:t>
-            </a:r>
-            <a:r>
-              <a:rPr lang="en-GB" sz="1600" dirty="0">
-                <a:solidFill>
-                  <a:schemeClr val="bg1"/>
-                </a:solidFill>
-                <a:latin typeface="Courier New" panose="02070309020205020404" pitchFamily="49" charset="0"/>
-                <a:cs typeface="Courier New" panose="02070309020205020404" pitchFamily="49" charset="0"/>
-              </a:rPr>
-              <a:t> --fabric-dims=8,3 --fabric-offsets=4,1 --</a:t>
-            </a:r>
-            <a:r>
-              <a:rPr lang="en-GB" sz="1600" dirty="0" err="1">
-                <a:solidFill>
-                  <a:schemeClr val="bg1"/>
-                </a:solidFill>
-                <a:latin typeface="Courier New" panose="02070309020205020404" pitchFamily="49" charset="0"/>
-                <a:cs typeface="Courier New" panose="02070309020205020404" pitchFamily="49" charset="0"/>
-              </a:rPr>
-              <a:t>memcpy</a:t>
-            </a:r>
-            <a:r>
-              <a:rPr lang="en-GB" sz="1600" dirty="0">
-                <a:solidFill>
-                  <a:schemeClr val="bg1"/>
-                </a:solidFill>
-                <a:latin typeface="Courier New" panose="02070309020205020404" pitchFamily="49" charset="0"/>
-                <a:cs typeface="Courier New" panose="02070309020205020404" pitchFamily="49" charset="0"/>
-              </a:rPr>
-              <a:t> --channels=1 -o out</a:t>
-            </a:r>
-          </a:p>
-          <a:p>
-            <a:r>
-              <a:rPr lang="en-GB" sz="1600" dirty="0">
-                <a:solidFill>
-                  <a:schemeClr val="bg1"/>
-                </a:solidFill>
-                <a:latin typeface="Courier New" panose="02070309020205020404" pitchFamily="49" charset="0"/>
-                <a:cs typeface="Courier New" panose="02070309020205020404" pitchFamily="49" charset="0"/>
-              </a:rPr>
-              <a:t>INFO: Using SIF: /home/y26/shared/cs_sdk-1.0.0/cbcore_sdk-202311111408-10-4a54bce5.sif</a:t>
-            </a:r>
-          </a:p>
-          <a:p>
-            <a:r>
-              <a:rPr lang="en-GB" sz="1600" dirty="0">
-                <a:solidFill>
-                  <a:schemeClr val="bg1"/>
-                </a:solidFill>
-                <a:latin typeface="Courier New" panose="02070309020205020404" pitchFamily="49" charset="0"/>
-                <a:cs typeface="Courier New" panose="02070309020205020404" pitchFamily="49" charset="0"/>
-              </a:rPr>
-              <a:t>compile successful</a:t>
-            </a:r>
-          </a:p>
-          <a:p>
-            <a:r>
-              <a:rPr lang="en-GB" sz="1600" dirty="0">
-                <a:solidFill>
-                  <a:schemeClr val="bg1"/>
-                </a:solidFill>
-                <a:latin typeface="Courier New" panose="02070309020205020404" pitchFamily="49" charset="0"/>
-                <a:cs typeface="Courier New" panose="02070309020205020404" pitchFamily="49" charset="0"/>
-              </a:rPr>
-              <a:t>[nebcs1@sdf-cs1 wt1-getting-started]$ ls out/</a:t>
-            </a:r>
-          </a:p>
-          <a:p>
-            <a:r>
-              <a:rPr lang="en-GB" sz="1600" dirty="0">
-                <a:solidFill>
-                  <a:schemeClr val="bg1"/>
-                </a:solidFill>
-                <a:latin typeface="Courier New" panose="02070309020205020404" pitchFamily="49" charset="0"/>
-                <a:cs typeface="Courier New" panose="02070309020205020404" pitchFamily="49" charset="0"/>
-              </a:rPr>
-              <a:t>bin  east  </a:t>
-            </a:r>
-            <a:r>
-              <a:rPr lang="en-GB" sz="1600" dirty="0" err="1">
-                <a:solidFill>
-                  <a:schemeClr val="bg1"/>
-                </a:solidFill>
-                <a:latin typeface="Courier New" panose="02070309020205020404" pitchFamily="49" charset="0"/>
-                <a:cs typeface="Courier New" panose="02070309020205020404" pitchFamily="49" charset="0"/>
-              </a:rPr>
-              <a:t>out.json</a:t>
-            </a:r>
-            <a:r>
-              <a:rPr lang="en-GB" sz="1600" dirty="0">
-                <a:solidFill>
-                  <a:schemeClr val="bg1"/>
-                </a:solidFill>
-                <a:latin typeface="Courier New" panose="02070309020205020404" pitchFamily="49" charset="0"/>
-                <a:cs typeface="Courier New" panose="02070309020205020404" pitchFamily="49" charset="0"/>
-              </a:rPr>
-              <a:t>  west</a:t>
-            </a:r>
-          </a:p>
-          <a:p>
-            <a:r>
-              <a:rPr lang="en-GB" sz="1600" dirty="0">
-                <a:solidFill>
-                  <a:schemeClr val="bg1"/>
-                </a:solidFill>
-                <a:latin typeface="Courier New" panose="02070309020205020404" pitchFamily="49" charset="0"/>
-                <a:cs typeface="Courier New" panose="02070309020205020404" pitchFamily="49" charset="0"/>
-              </a:rPr>
-              <a:t>[nebcs1@sdf-cs1 wt1-getting-started]$ ls out/bin/</a:t>
-            </a:r>
-          </a:p>
-          <a:p>
-            <a:r>
-              <a:rPr lang="en-GB" sz="1600" dirty="0">
-                <a:solidFill>
-                  <a:schemeClr val="bg1"/>
-                </a:solidFill>
-                <a:latin typeface="Courier New" panose="02070309020205020404" pitchFamily="49" charset="0"/>
-                <a:cs typeface="Courier New" panose="02070309020205020404" pitchFamily="49" charset="0"/>
-              </a:rPr>
-              <a:t>out_0_0.elf  </a:t>
-            </a:r>
-            <a:r>
-              <a:rPr lang="en-GB" sz="1600" dirty="0" err="1">
-                <a:solidFill>
-                  <a:schemeClr val="bg1"/>
-                </a:solidFill>
-                <a:latin typeface="Courier New" panose="02070309020205020404" pitchFamily="49" charset="0"/>
-                <a:cs typeface="Courier New" panose="02070309020205020404" pitchFamily="49" charset="0"/>
-              </a:rPr>
-              <a:t>out_rpc.json</a:t>
-            </a:r>
-            <a:endParaRPr lang="en-GB" sz="1600" dirty="0">
-              <a:solidFill>
-                <a:schemeClr val="bg1"/>
-              </a:solidFill>
-              <a:latin typeface="Courier New" panose="02070309020205020404" pitchFamily="49" charset="0"/>
-              <a:cs typeface="Courier New" panose="02070309020205020404" pitchFamily="49" charset="0"/>
-            </a:endParaRPr>
-          </a:p>
-        </p:txBody>
-      </p:sp>
-      <p:sp>
-        <p:nvSpPr>
-          <p:cNvPr id="6" name="Content Placeholder 2">
-            <a:extLst>
-              <a:ext uri="{FF2B5EF4-FFF2-40B4-BE49-F238E27FC236}">
-                <a16:creationId xmlns:a16="http://schemas.microsoft.com/office/drawing/2014/main" id="{F93E213F-EA3A-0917-DC67-2FB7376D71EE}"/>
-              </a:ext>
-            </a:extLst>
-          </p:cNvPr>
-          <p:cNvSpPr txBox="1">
-            <a:spLocks/>
-          </p:cNvSpPr>
-          <p:nvPr/>
-        </p:nvSpPr>
-        <p:spPr>
-          <a:xfrm>
-            <a:off x="609600" y="4901999"/>
-            <a:ext cx="10972800" cy="948401"/>
-          </a:xfrm>
-          <a:prstGeom prst="rect">
-            <a:avLst/>
-          </a:prstGeom>
-        </p:spPr>
-        <p:txBody>
-          <a:bodyPr vert="horz" lIns="91440" tIns="45720" rIns="91440" bIns="45720" rtlCol="0">
-            <a:normAutofit/>
-          </a:bodyPr>
-          <a:lstStyle>
-            <a:lvl1pPr marL="182880" indent="-182880" algn="l" defTabSz="914400" rtl="0" eaLnBrk="1" latinLnBrk="0" hangingPunct="1">
-              <a:spcBef>
-                <a:spcPct val="20000"/>
-              </a:spcBef>
-              <a:buClr>
-                <a:schemeClr val="accent1"/>
-              </a:buClr>
-              <a:buSzPct val="85000"/>
-              <a:buFont typeface="Arial" pitchFamily="34" charset="0"/>
-              <a:buChar char="•"/>
-              <a:defRPr sz="2400" kern="1200">
-                <a:solidFill>
-                  <a:schemeClr val="tx1"/>
-                </a:solidFill>
-                <a:latin typeface="+mn-lt"/>
-                <a:ea typeface="+mn-ea"/>
-                <a:cs typeface="+mn-cs"/>
-              </a:defRPr>
-            </a:lvl1pPr>
-            <a:lvl2pPr marL="457200" indent="-182880" algn="l" defTabSz="914400" rtl="0" eaLnBrk="1" latinLnBrk="0" hangingPunct="1">
-              <a:spcBef>
-                <a:spcPct val="20000"/>
-              </a:spcBef>
-              <a:buClr>
-                <a:schemeClr val="accent1"/>
-              </a:buClr>
-              <a:buSzPct val="85000"/>
-              <a:buFont typeface="Arial" pitchFamily="34" charset="0"/>
-              <a:buChar char="•"/>
-              <a:defRPr sz="2000" kern="1200">
-                <a:solidFill>
-                  <a:schemeClr val="tx1"/>
-                </a:solidFill>
-                <a:latin typeface="+mn-lt"/>
-                <a:ea typeface="+mn-ea"/>
-                <a:cs typeface="+mn-cs"/>
-              </a:defRPr>
-            </a:lvl2pPr>
-            <a:lvl3pPr marL="731520" indent="-182880" algn="l" defTabSz="914400" rtl="0" eaLnBrk="1" latinLnBrk="0" hangingPunct="1">
-              <a:spcBef>
-                <a:spcPct val="20000"/>
-              </a:spcBef>
-              <a:buClr>
-                <a:schemeClr val="accent1"/>
-              </a:buClr>
-              <a:buSzPct val="90000"/>
-              <a:buFont typeface="Arial" pitchFamily="34" charset="0"/>
-              <a:buChar char="•"/>
-              <a:defRPr sz="1800" kern="1200">
-                <a:solidFill>
-                  <a:schemeClr val="tx1"/>
-                </a:solidFill>
-                <a:latin typeface="+mn-lt"/>
-                <a:ea typeface="+mn-ea"/>
-                <a:cs typeface="+mn-cs"/>
-              </a:defRPr>
-            </a:lvl3pPr>
-            <a:lvl4pPr marL="1005840" indent="-182880" algn="l" defTabSz="914400" rtl="0" eaLnBrk="1" latinLnBrk="0" hangingPunct="1">
-              <a:spcBef>
-                <a:spcPct val="20000"/>
-              </a:spcBef>
-              <a:buClr>
-                <a:schemeClr val="accent1"/>
-              </a:buClr>
-              <a:buFont typeface="Arial" pitchFamily="34" charset="0"/>
-              <a:buChar char="•"/>
-              <a:defRPr sz="1600" kern="1200">
-                <a:solidFill>
-                  <a:schemeClr val="tx1"/>
-                </a:solidFill>
-                <a:latin typeface="+mn-lt"/>
-                <a:ea typeface="+mn-ea"/>
-                <a:cs typeface="+mn-cs"/>
-              </a:defRPr>
-            </a:lvl4pPr>
-            <a:lvl5pPr marL="1188720" indent="-137160" algn="l" defTabSz="914400" rtl="0" eaLnBrk="1" latinLnBrk="0" hangingPunct="1">
-              <a:spcBef>
-                <a:spcPct val="20000"/>
-              </a:spcBef>
-              <a:buClr>
-                <a:schemeClr val="accent1"/>
-              </a:buClr>
-              <a:buSzPct val="100000"/>
-              <a:buFont typeface="Arial" pitchFamily="34" charset="0"/>
-              <a:buChar char="•"/>
-              <a:defRPr sz="1400" kern="1200" baseline="0">
-                <a:solidFill>
-                  <a:schemeClr val="tx1"/>
-                </a:solidFill>
-                <a:latin typeface="+mn-lt"/>
-                <a:ea typeface="+mn-ea"/>
-                <a:cs typeface="+mn-cs"/>
-              </a:defRPr>
-            </a:lvl5pPr>
-            <a:lvl6pPr marL="1371600" indent="-182880" algn="l" defTabSz="914400" rtl="0" eaLnBrk="1" latinLnBrk="0" hangingPunct="1">
-              <a:spcBef>
-                <a:spcPct val="20000"/>
-              </a:spcBef>
-              <a:buClr>
-                <a:schemeClr val="accent1"/>
-              </a:buClr>
-              <a:buFont typeface="Arial" pitchFamily="34" charset="0"/>
-              <a:buChar char="•"/>
-              <a:defRPr sz="1300" kern="1200">
-                <a:solidFill>
-                  <a:schemeClr val="tx1"/>
-                </a:solidFill>
-                <a:latin typeface="+mn-lt"/>
-                <a:ea typeface="+mn-ea"/>
-                <a:cs typeface="+mn-cs"/>
-              </a:defRPr>
-            </a:lvl6pPr>
-            <a:lvl7pPr marL="1554480" indent="-182880" algn="l" defTabSz="914400" rtl="0" eaLnBrk="1" latinLnBrk="0" hangingPunct="1">
-              <a:spcBef>
-                <a:spcPct val="20000"/>
-              </a:spcBef>
-              <a:buClr>
-                <a:schemeClr val="accent1"/>
-              </a:buClr>
-              <a:buFont typeface="Arial" pitchFamily="34" charset="0"/>
-              <a:buChar char="•"/>
-              <a:defRPr sz="1300" kern="1200">
-                <a:solidFill>
-                  <a:schemeClr val="tx1"/>
-                </a:solidFill>
-                <a:latin typeface="+mn-lt"/>
-                <a:ea typeface="+mn-ea"/>
-                <a:cs typeface="+mn-cs"/>
-              </a:defRPr>
-            </a:lvl7pPr>
-            <a:lvl8pPr marL="1737360" indent="-182880" algn="l" defTabSz="914400" rtl="0" eaLnBrk="1" latinLnBrk="0" hangingPunct="1">
-              <a:spcBef>
-                <a:spcPct val="20000"/>
-              </a:spcBef>
-              <a:buClr>
-                <a:schemeClr val="accent1"/>
-              </a:buClr>
-              <a:buFont typeface="Arial" pitchFamily="34" charset="0"/>
-              <a:buChar char="•"/>
-              <a:defRPr sz="1300" kern="1200">
-                <a:solidFill>
-                  <a:schemeClr val="tx1"/>
-                </a:solidFill>
-                <a:latin typeface="+mn-lt"/>
-                <a:ea typeface="+mn-ea"/>
-                <a:cs typeface="+mn-cs"/>
-              </a:defRPr>
-            </a:lvl8pPr>
-            <a:lvl9pPr marL="1920240" indent="-182880" algn="l" defTabSz="914400" rtl="0" eaLnBrk="1" latinLnBrk="0" hangingPunct="1">
-              <a:spcBef>
-                <a:spcPct val="20000"/>
-              </a:spcBef>
-              <a:buClr>
-                <a:schemeClr val="accent1"/>
-              </a:buClr>
-              <a:buFont typeface="Arial" pitchFamily="34" charset="0"/>
-              <a:buChar char="•"/>
-              <a:defRPr sz="1300" kern="1200">
-                <a:solidFill>
-                  <a:schemeClr val="tx1"/>
-                </a:solidFill>
-                <a:latin typeface="+mn-lt"/>
-                <a:ea typeface="+mn-ea"/>
-                <a:cs typeface="+mn-cs"/>
-              </a:defRPr>
-            </a:lvl9pPr>
-          </a:lstStyle>
-          <a:p>
-            <a:r>
-              <a:rPr lang="en-GB" dirty="0"/>
-              <a:t>Run (via the simulator)</a:t>
-            </a:r>
-          </a:p>
-        </p:txBody>
-      </p:sp>
-      <p:sp>
-        <p:nvSpPr>
-          <p:cNvPr id="9" name="TextBox 8">
-            <a:extLst>
-              <a:ext uri="{FF2B5EF4-FFF2-40B4-BE49-F238E27FC236}">
-                <a16:creationId xmlns:a16="http://schemas.microsoft.com/office/drawing/2014/main" id="{9104A0D5-73F5-7501-81CC-427DBA7B12BF}"/>
-              </a:ext>
-            </a:extLst>
-          </p:cNvPr>
-          <p:cNvSpPr txBox="1"/>
-          <p:nvPr/>
-        </p:nvSpPr>
-        <p:spPr>
-          <a:xfrm>
-            <a:off x="609600" y="5460634"/>
-            <a:ext cx="10972800" cy="584775"/>
-          </a:xfrm>
-          <a:prstGeom prst="rect">
-            <a:avLst/>
-          </a:prstGeom>
-          <a:solidFill>
-            <a:schemeClr val="tx1"/>
-          </a:solidFill>
-        </p:spPr>
-        <p:txBody>
-          <a:bodyPr wrap="square" rtlCol="0">
-            <a:spAutoFit/>
-          </a:bodyPr>
-          <a:lstStyle/>
-          <a:p>
-            <a:r>
-              <a:rPr lang="en-GB" sz="1600" dirty="0">
-                <a:solidFill>
-                  <a:schemeClr val="bg1"/>
-                </a:solidFill>
-                <a:latin typeface="Courier New" panose="02070309020205020404" pitchFamily="49" charset="0"/>
-                <a:cs typeface="Courier New" panose="02070309020205020404" pitchFamily="49" charset="0"/>
-              </a:rPr>
-              <a:t>[vistor01@sdf-cs1 walk-through]$ </a:t>
-            </a:r>
-            <a:r>
-              <a:rPr lang="en-GB" sz="1600" dirty="0" err="1">
-                <a:solidFill>
-                  <a:schemeClr val="bg1"/>
-                </a:solidFill>
-                <a:latin typeface="Courier New" panose="02070309020205020404" pitchFamily="49" charset="0"/>
-                <a:cs typeface="Courier New" panose="02070309020205020404" pitchFamily="49" charset="0"/>
-              </a:rPr>
-              <a:t>cs_python</a:t>
-            </a:r>
-            <a:r>
-              <a:rPr lang="en-GB" sz="1600" dirty="0">
-                <a:solidFill>
-                  <a:schemeClr val="bg1"/>
-                </a:solidFill>
-                <a:latin typeface="Courier New" panose="02070309020205020404" pitchFamily="49" charset="0"/>
-                <a:cs typeface="Courier New" panose="02070309020205020404" pitchFamily="49" charset="0"/>
-              </a:rPr>
-              <a:t> run.py --name out</a:t>
-            </a:r>
-          </a:p>
-          <a:p>
-            <a:r>
-              <a:rPr lang="en-GB" sz="1600" dirty="0">
-                <a:solidFill>
-                  <a:schemeClr val="bg1"/>
-                </a:solidFill>
-                <a:latin typeface="Courier New" panose="02070309020205020404" pitchFamily="49" charset="0"/>
-                <a:cs typeface="Courier New" panose="02070309020205020404" pitchFamily="49" charset="0"/>
-              </a:rPr>
-              <a:t>INFO: Using SIF: /home/y26/shared/cs_sdk-1.0.0/cbcore_sdk-202311111408-10-4a54bce5.sif</a:t>
-            </a:r>
-          </a:p>
-        </p:txBody>
-      </p:sp>
-      <p:sp>
-        <p:nvSpPr>
-          <p:cNvPr id="10" name="TextBox 9">
-            <a:extLst>
-              <a:ext uri="{FF2B5EF4-FFF2-40B4-BE49-F238E27FC236}">
-                <a16:creationId xmlns:a16="http://schemas.microsoft.com/office/drawing/2014/main" id="{BC92662D-5730-DF8B-DEE2-BB2BB9866BA4}"/>
-              </a:ext>
-            </a:extLst>
-          </p:cNvPr>
-          <p:cNvSpPr txBox="1"/>
-          <p:nvPr/>
-        </p:nvSpPr>
-        <p:spPr>
-          <a:xfrm>
-            <a:off x="609600" y="6237312"/>
-            <a:ext cx="10972800" cy="369332"/>
-          </a:xfrm>
-          <a:prstGeom prst="rect">
-            <a:avLst/>
-          </a:prstGeom>
-          <a:noFill/>
-        </p:spPr>
-        <p:txBody>
-          <a:bodyPr wrap="square" rtlCol="0">
-            <a:spAutoFit/>
-          </a:bodyPr>
-          <a:lstStyle/>
-          <a:p>
-            <a:pPr algn="ctr"/>
-            <a:r>
-              <a:rPr lang="en-GB" i="1" dirty="0">
-                <a:solidFill>
-                  <a:srgbClr val="0070C0"/>
-                </a:solidFill>
-              </a:rPr>
-              <a:t>Congratulations! You have run your first CSL program (although it doesn’t do very much yet!)</a:t>
-            </a:r>
-          </a:p>
-        </p:txBody>
-      </p:sp>
-    </p:spTree>
-    <p:extLst>
-      <p:ext uri="{BB962C8B-B14F-4D97-AF65-F5344CB8AC3E}">
-        <p14:creationId xmlns:p14="http://schemas.microsoft.com/office/powerpoint/2010/main" val="635791193"/>
-      </p:ext>
-    </p:extLst>
-  </p:cSld>
-  <p:clrMapOvr>
-    <a:masterClrMapping/>
-  </p:clrMapOvr>
-</p:sld>
-</file>
-
-<file path=ppt/slides/slide4.xml><?xml version="1.0" encoding="utf-8"?>
-<p:sld xmlns:a="http://schemas.openxmlformats.org/drawingml/2006/main" xmlns:r="http://schemas.openxmlformats.org/officeDocument/2006/relationships" xmlns:p="http://schemas.openxmlformats.org/presentationml/2006/main">
-  <p:cSld>
-    <p:spTree>
-      <p:nvGrpSpPr>
-        <p:cNvPr id="1" name=""/>
-        <p:cNvGrpSpPr/>
-        <p:nvPr/>
-      </p:nvGrpSpPr>
-      <p:grpSpPr>
-        <a:xfrm>
-          <a:off x="0" y="0"/>
-          <a:ext cx="0" cy="0"/>
-          <a:chOff x="0" y="0"/>
-          <a:chExt cx="0" cy="0"/>
-        </a:xfrm>
-      </p:grpSpPr>
-      <p:sp>
-        <p:nvSpPr>
-          <p:cNvPr id="2" name="Title 1">
-            <a:extLst>
-              <a:ext uri="{FF2B5EF4-FFF2-40B4-BE49-F238E27FC236}">
-                <a16:creationId xmlns:a16="http://schemas.microsoft.com/office/drawing/2014/main" id="{5FDD1DC3-B096-CF73-A12A-9876E230BA5C}"/>
-              </a:ext>
-            </a:extLst>
-          </p:cNvPr>
-          <p:cNvSpPr>
-            <a:spLocks noGrp="1"/>
-          </p:cNvSpPr>
-          <p:nvPr>
-            <p:ph type="title"/>
-          </p:nvPr>
-        </p:nvSpPr>
-        <p:spPr/>
-        <p:txBody>
-          <a:bodyPr/>
-          <a:lstStyle/>
-          <a:p>
-            <a:r>
-              <a:rPr lang="en-GB" dirty="0"/>
-              <a:t>What are these arguments to the CSL compiler?</a:t>
-            </a:r>
-          </a:p>
-        </p:txBody>
-      </p:sp>
-      <p:sp>
-        <p:nvSpPr>
-          <p:cNvPr id="3" name="Content Placeholder 2">
-            <a:extLst>
-              <a:ext uri="{FF2B5EF4-FFF2-40B4-BE49-F238E27FC236}">
-                <a16:creationId xmlns:a16="http://schemas.microsoft.com/office/drawing/2014/main" id="{46BAEA56-9FFE-1272-EEE0-D880471E3738}"/>
-              </a:ext>
-            </a:extLst>
-          </p:cNvPr>
-          <p:cNvSpPr>
-            <a:spLocks noGrp="1"/>
-          </p:cNvSpPr>
-          <p:nvPr>
-            <p:ph idx="1"/>
-          </p:nvPr>
-        </p:nvSpPr>
-        <p:spPr>
-          <a:xfrm>
-            <a:off x="635120" y="2852936"/>
-            <a:ext cx="10972800" cy="3336032"/>
-          </a:xfrm>
-        </p:spPr>
-        <p:txBody>
-          <a:bodyPr/>
-          <a:lstStyle/>
-          <a:p>
-            <a:r>
-              <a:rPr lang="en-GB" i="1" dirty="0">
-                <a:solidFill>
-                  <a:srgbClr val="0070C0"/>
-                </a:solidFill>
-              </a:rPr>
-              <a:t>--fabric-dims=8,3</a:t>
-            </a:r>
-            <a:r>
-              <a:rPr lang="en-GB" dirty="0"/>
-              <a:t> defines the size of the simulated fabric, which is 8 x 3</a:t>
-            </a:r>
-          </a:p>
-          <a:p>
-            <a:r>
-              <a:rPr lang="en-GB" i="1" dirty="0">
-                <a:solidFill>
-                  <a:srgbClr val="0070C0"/>
-                </a:solidFill>
-              </a:rPr>
-              <a:t>--fabric-offsets=4,1</a:t>
-            </a:r>
-            <a:r>
-              <a:rPr lang="en-GB" dirty="0"/>
-              <a:t> defines where the program is placed on the fabric.</a:t>
-            </a:r>
-          </a:p>
-          <a:p>
-            <a:r>
-              <a:rPr lang="en-GB" dirty="0">
-                <a:solidFill>
-                  <a:srgbClr val="0070C0"/>
-                </a:solidFill>
-              </a:rPr>
-              <a:t>--</a:t>
-            </a:r>
-            <a:r>
-              <a:rPr lang="en-GB" dirty="0" err="1">
-                <a:solidFill>
-                  <a:srgbClr val="0070C0"/>
-                </a:solidFill>
-              </a:rPr>
-              <a:t>memcpy</a:t>
-            </a:r>
-            <a:r>
-              <a:rPr lang="en-GB" dirty="0"/>
-              <a:t> this flag is required to enable </a:t>
-            </a:r>
-            <a:r>
-              <a:rPr lang="en-GB" dirty="0" err="1"/>
-              <a:t>memcpy</a:t>
-            </a:r>
-            <a:r>
-              <a:rPr lang="en-GB" dirty="0"/>
-              <a:t> within the host program (we discussed this in the architecture slides)</a:t>
-            </a:r>
-          </a:p>
-          <a:p>
-            <a:r>
-              <a:rPr lang="en-GB" i="1" dirty="0">
-                <a:solidFill>
-                  <a:srgbClr val="0070C0"/>
-                </a:solidFill>
-              </a:rPr>
-              <a:t>--channels=1</a:t>
-            </a:r>
-            <a:r>
-              <a:rPr lang="en-GB" dirty="0"/>
-              <a:t> determines the number of ethernet links that can be used to transfer data to/from the CS-2 (maximum of 12)</a:t>
-            </a:r>
-          </a:p>
-          <a:p>
-            <a:r>
-              <a:rPr lang="en-GB" i="1" dirty="0">
-                <a:solidFill>
-                  <a:srgbClr val="0070C0"/>
-                </a:solidFill>
-              </a:rPr>
-              <a:t>-o out</a:t>
-            </a:r>
-            <a:r>
-              <a:rPr lang="en-GB" dirty="0"/>
-              <a:t> is the directory where the executables will be saved</a:t>
-            </a:r>
-          </a:p>
-        </p:txBody>
-      </p:sp>
-      <p:sp>
-        <p:nvSpPr>
-          <p:cNvPr id="4" name="TextBox 3">
-            <a:extLst>
-              <a:ext uri="{FF2B5EF4-FFF2-40B4-BE49-F238E27FC236}">
-                <a16:creationId xmlns:a16="http://schemas.microsoft.com/office/drawing/2014/main" id="{B73611ED-3EA3-C050-4373-38046ED4A021}"/>
-              </a:ext>
-            </a:extLst>
-          </p:cNvPr>
-          <p:cNvSpPr txBox="1"/>
-          <p:nvPr/>
-        </p:nvSpPr>
-        <p:spPr>
-          <a:xfrm>
-            <a:off x="609600" y="1772816"/>
-            <a:ext cx="10972800" cy="584775"/>
-          </a:xfrm>
-          <a:prstGeom prst="rect">
-            <a:avLst/>
-          </a:prstGeom>
-          <a:solidFill>
-            <a:schemeClr val="tx1"/>
-          </a:solidFill>
-        </p:spPr>
-        <p:txBody>
-          <a:bodyPr wrap="square" rtlCol="0">
-            <a:spAutoFit/>
-          </a:bodyPr>
-          <a:lstStyle/>
-          <a:p>
-            <a:r>
-              <a:rPr lang="en-GB" sz="1600" dirty="0">
-                <a:solidFill>
-                  <a:schemeClr val="bg1"/>
-                </a:solidFill>
-                <a:latin typeface="Courier New" panose="02070309020205020404" pitchFamily="49" charset="0"/>
-                <a:cs typeface="Courier New" panose="02070309020205020404" pitchFamily="49" charset="0"/>
-              </a:rPr>
-              <a:t>[vistor01@sdf-cs1 wt1-getting-started]$ </a:t>
-            </a:r>
-            <a:r>
-              <a:rPr lang="en-GB" sz="1600" dirty="0" err="1">
-                <a:solidFill>
-                  <a:schemeClr val="bg1"/>
-                </a:solidFill>
-                <a:latin typeface="Courier New" panose="02070309020205020404" pitchFamily="49" charset="0"/>
-                <a:cs typeface="Courier New" panose="02070309020205020404" pitchFamily="49" charset="0"/>
-              </a:rPr>
-              <a:t>cslc</a:t>
-            </a:r>
-            <a:r>
-              <a:rPr lang="en-GB" sz="1600" dirty="0">
-                <a:solidFill>
-                  <a:schemeClr val="bg1"/>
-                </a:solidFill>
-                <a:latin typeface="Courier New" panose="02070309020205020404" pitchFamily="49" charset="0"/>
-                <a:cs typeface="Courier New" panose="02070309020205020404" pitchFamily="49" charset="0"/>
-              </a:rPr>
-              <a:t> </a:t>
-            </a:r>
-            <a:r>
-              <a:rPr lang="en-GB" sz="1600" dirty="0" err="1">
-                <a:solidFill>
-                  <a:schemeClr val="bg1"/>
-                </a:solidFill>
-                <a:latin typeface="Courier New" panose="02070309020205020404" pitchFamily="49" charset="0"/>
-                <a:cs typeface="Courier New" panose="02070309020205020404" pitchFamily="49" charset="0"/>
-              </a:rPr>
-              <a:t>layout.csl</a:t>
-            </a:r>
-            <a:r>
-              <a:rPr lang="en-GB" sz="1600" dirty="0">
-                <a:solidFill>
-                  <a:schemeClr val="bg1"/>
-                </a:solidFill>
-                <a:latin typeface="Courier New" panose="02070309020205020404" pitchFamily="49" charset="0"/>
-                <a:cs typeface="Courier New" panose="02070309020205020404" pitchFamily="49" charset="0"/>
-              </a:rPr>
-              <a:t> --fabric-dims=8,3 --fabric-offsets=4,1 --</a:t>
-            </a:r>
-            <a:r>
-              <a:rPr lang="en-GB" sz="1600" dirty="0" err="1">
-                <a:solidFill>
-                  <a:schemeClr val="bg1"/>
-                </a:solidFill>
-                <a:latin typeface="Courier New" panose="02070309020205020404" pitchFamily="49" charset="0"/>
-                <a:cs typeface="Courier New" panose="02070309020205020404" pitchFamily="49" charset="0"/>
-              </a:rPr>
-              <a:t>memcpy</a:t>
-            </a:r>
-            <a:r>
-              <a:rPr lang="en-GB" sz="1600" dirty="0">
-                <a:solidFill>
-                  <a:schemeClr val="bg1"/>
-                </a:solidFill>
-                <a:latin typeface="Courier New" panose="02070309020205020404" pitchFamily="49" charset="0"/>
-                <a:cs typeface="Courier New" panose="02070309020205020404" pitchFamily="49" charset="0"/>
-              </a:rPr>
-              <a:t> --channels=1 -o out</a:t>
-            </a:r>
-          </a:p>
-        </p:txBody>
-      </p:sp>
-    </p:spTree>
-    <p:extLst>
-      <p:ext uri="{BB962C8B-B14F-4D97-AF65-F5344CB8AC3E}">
-        <p14:creationId xmlns:p14="http://schemas.microsoft.com/office/powerpoint/2010/main" val="3910456926"/>
-      </p:ext>
-    </p:extLst>
-  </p:cSld>
-  <p:clrMapOvr>
-    <a:masterClrMapping/>
-  </p:clrMapOvr>
-</p:sld>
-</file>
-
-<file path=ppt/slides/slide5.xml><?xml version="1.0" encoding="utf-8"?>
+<file path=ppt/slides/slide10.xml><?xml version="1.0" encoding="utf-8"?>
 <p:sld xmlns:a="http://schemas.openxmlformats.org/drawingml/2006/main" xmlns:r="http://schemas.openxmlformats.org/officeDocument/2006/relationships" xmlns:p="http://schemas.openxmlformats.org/presentationml/2006/main">
   <p:cSld>
     <p:spTree>
@@ -6821,7 +5824,7 @@
 </p:sld>
 </file>
 
-<file path=ppt/slides/slide6.xml><?xml version="1.0" encoding="utf-8"?>
+<file path=ppt/slides/slide11.xml><?xml version="1.0" encoding="utf-8"?>
 <p:sld xmlns:a="http://schemas.openxmlformats.org/drawingml/2006/main" xmlns:r="http://schemas.openxmlformats.org/officeDocument/2006/relationships" xmlns:p="http://schemas.openxmlformats.org/presentationml/2006/main">
   <p:cSld>
     <p:spTree>
@@ -7834,7 +6837,7 @@
 </p:sld>
 </file>
 
-<file path=ppt/slides/slide7.xml><?xml version="1.0" encoding="utf-8"?>
+<file path=ppt/slides/slide12.xml><?xml version="1.0" encoding="utf-8"?>
 <p:sld xmlns:a="http://schemas.openxmlformats.org/drawingml/2006/main" xmlns:r="http://schemas.openxmlformats.org/officeDocument/2006/relationships" xmlns:p="http://schemas.openxmlformats.org/presentationml/2006/main">
   <p:cSld>
     <p:spTree>
@@ -9006,7 +8009,7 @@
 </p:sld>
 </file>
 
-<file path=ppt/slides/slide8.xml><?xml version="1.0" encoding="utf-8"?>
+<file path=ppt/slides/slide13.xml><?xml version="1.0" encoding="utf-8"?>
 <p:sld xmlns:a="http://schemas.openxmlformats.org/drawingml/2006/main" xmlns:r="http://schemas.openxmlformats.org/officeDocument/2006/relationships" xmlns:p="http://schemas.openxmlformats.org/presentationml/2006/main">
   <p:cSld>
     <p:spTree>
@@ -9859,7 +8862,7 @@
 </p:sld>
 </file>
 
-<file path=ppt/slides/slide9.xml><?xml version="1.0" encoding="utf-8"?>
+<file path=ppt/slides/slide14.xml><?xml version="1.0" encoding="utf-8"?>
 <p:sld xmlns:a="http://schemas.openxmlformats.org/drawingml/2006/main" xmlns:r="http://schemas.openxmlformats.org/officeDocument/2006/relationships" xmlns:p="http://schemas.openxmlformats.org/presentationml/2006/main">
   <p:cSld>
     <p:spTree>
@@ -10915,6 +9918,3849 @@
     <p:extLst>
       <p:ext uri="{BB962C8B-B14F-4D97-AF65-F5344CB8AC3E}">
         <p14:creationId xmlns:p14="http://schemas.microsoft.com/office/powerpoint/2010/main" val="2395040256"/>
+      </p:ext>
+    </p:extLst>
+  </p:cSld>
+  <p:clrMapOvr>
+    <a:masterClrMapping/>
+  </p:clrMapOvr>
+</p:sld>
+</file>
+
+<file path=ppt/slides/slide2.xml><?xml version="1.0" encoding="utf-8"?>
+<p:sld xmlns:a="http://schemas.openxmlformats.org/drawingml/2006/main" xmlns:r="http://schemas.openxmlformats.org/officeDocument/2006/relationships" xmlns:p="http://schemas.openxmlformats.org/presentationml/2006/main">
+  <p:cSld>
+    <p:spTree>
+      <p:nvGrpSpPr>
+        <p:cNvPr id="1" name=""/>
+        <p:cNvGrpSpPr/>
+        <p:nvPr/>
+      </p:nvGrpSpPr>
+      <p:grpSpPr>
+        <a:xfrm>
+          <a:off x="0" y="0"/>
+          <a:ext cx="0" cy="0"/>
+          <a:chOff x="0" y="0"/>
+          <a:chExt cx="0" cy="0"/>
+        </a:xfrm>
+      </p:grpSpPr>
+      <p:sp>
+        <p:nvSpPr>
+          <p:cNvPr id="3" name="Content Placeholder 2">
+            <a:extLst>
+              <a:ext uri="{FF2B5EF4-FFF2-40B4-BE49-F238E27FC236}">
+                <a16:creationId xmlns:a16="http://schemas.microsoft.com/office/drawing/2014/main" id="{67061966-FAF3-F54F-95A0-AD61FD51424D}"/>
+              </a:ext>
+            </a:extLst>
+          </p:cNvPr>
+          <p:cNvSpPr>
+            <a:spLocks noGrp="1"/>
+          </p:cNvSpPr>
+          <p:nvPr>
+            <p:ph idx="1"/>
+          </p:nvPr>
+        </p:nvSpPr>
+        <p:spPr>
+          <a:xfrm>
+            <a:off x="361543" y="1556792"/>
+            <a:ext cx="10998200" cy="4824518"/>
+          </a:xfrm>
+        </p:spPr>
+        <p:txBody>
+          <a:bodyPr>
+            <a:normAutofit fontScale="92500" lnSpcReduction="10000"/>
+          </a:bodyPr>
+          <a:lstStyle/>
+          <a:p>
+            <a:r>
+              <a:rPr lang="en-US" dirty="0"/>
+              <a:t>Types</a:t>
+            </a:r>
+          </a:p>
+          <a:p>
+            <a:r>
+              <a:rPr lang="en-US" dirty="0"/>
+              <a:t>Functions</a:t>
+            </a:r>
+          </a:p>
+          <a:p>
+            <a:r>
+              <a:rPr lang="en-US" dirty="0"/>
+              <a:t>Control structures</a:t>
+            </a:r>
+          </a:p>
+          <a:p>
+            <a:r>
+              <a:rPr lang="en-US" dirty="0"/>
+              <a:t>Structs/Unions/Enums</a:t>
+            </a:r>
+          </a:p>
+          <a:p>
+            <a:r>
+              <a:rPr lang="en-US" dirty="0" err="1"/>
+              <a:t>Comptime</a:t>
+            </a:r>
+            <a:endParaRPr lang="en-US" dirty="0"/>
+          </a:p>
+          <a:p>
+            <a:endParaRPr lang="en-US" dirty="0"/>
+          </a:p>
+          <a:p>
+            <a:r>
+              <a:rPr lang="en-US" dirty="0" err="1"/>
+              <a:t>Builtins</a:t>
+            </a:r>
+            <a:endParaRPr lang="en-US" dirty="0"/>
+          </a:p>
+          <a:p>
+            <a:r>
+              <a:rPr lang="en-US" dirty="0"/>
+              <a:t>Module system</a:t>
+            </a:r>
+          </a:p>
+          <a:p>
+            <a:r>
+              <a:rPr lang="en-US" dirty="0"/>
+              <a:t>Params</a:t>
+            </a:r>
+          </a:p>
+          <a:p>
+            <a:r>
+              <a:rPr lang="en-US" dirty="0"/>
+              <a:t>Tasks</a:t>
+            </a:r>
+          </a:p>
+          <a:p>
+            <a:r>
+              <a:rPr lang="en-US" dirty="0"/>
+              <a:t>Data Structure Descriptors</a:t>
+            </a:r>
+          </a:p>
+          <a:p>
+            <a:r>
+              <a:rPr lang="en-US" dirty="0"/>
+              <a:t>Layout specification</a:t>
+            </a:r>
+          </a:p>
+          <a:p>
+            <a:endParaRPr lang="en-US" dirty="0"/>
+          </a:p>
+        </p:txBody>
+      </p:sp>
+      <p:sp>
+        <p:nvSpPr>
+          <p:cNvPr id="2" name="Title 1">
+            <a:extLst>
+              <a:ext uri="{FF2B5EF4-FFF2-40B4-BE49-F238E27FC236}">
+                <a16:creationId xmlns:a16="http://schemas.microsoft.com/office/drawing/2014/main" id="{9C32B9BB-9B28-D34A-8B6B-CA0763BA5B81}"/>
+              </a:ext>
+            </a:extLst>
+          </p:cNvPr>
+          <p:cNvSpPr>
+            <a:spLocks noGrp="1"/>
+          </p:cNvSpPr>
+          <p:nvPr>
+            <p:ph type="title"/>
+          </p:nvPr>
+        </p:nvSpPr>
+        <p:spPr>
+          <a:xfrm>
+            <a:off x="361543" y="287877"/>
+            <a:ext cx="10998200" cy="795852"/>
+          </a:xfrm>
+        </p:spPr>
+        <p:txBody>
+          <a:bodyPr/>
+          <a:lstStyle/>
+          <a:p>
+            <a:r>
+              <a:rPr lang="en-US" dirty="0"/>
+              <a:t>CSL: Language Basics</a:t>
+            </a:r>
+          </a:p>
+        </p:txBody>
+      </p:sp>
+      <p:sp>
+        <p:nvSpPr>
+          <p:cNvPr id="4" name="Right Brace 3">
+            <a:extLst>
+              <a:ext uri="{FF2B5EF4-FFF2-40B4-BE49-F238E27FC236}">
+                <a16:creationId xmlns:a16="http://schemas.microsoft.com/office/drawing/2014/main" id="{9884C0BC-1A6B-BD44-B3E1-1B94A38D9FDD}"/>
+              </a:ext>
+            </a:extLst>
+          </p:cNvPr>
+          <p:cNvSpPr/>
+          <p:nvPr/>
+        </p:nvSpPr>
+        <p:spPr>
+          <a:xfrm>
+            <a:off x="3679412" y="1625216"/>
+            <a:ext cx="756745" cy="1959397"/>
+          </a:xfrm>
+          <a:prstGeom prst="rightBrace">
+            <a:avLst>
+              <a:gd name="adj1" fmla="val 0"/>
+              <a:gd name="adj2" fmla="val 50000"/>
+            </a:avLst>
+          </a:prstGeom>
+          <a:ln w="31750">
+            <a:solidFill>
+              <a:schemeClr val="tx2"/>
+            </a:solidFill>
+          </a:ln>
+        </p:spPr>
+        <p:style>
+          <a:lnRef idx="1">
+            <a:schemeClr val="accent1"/>
+          </a:lnRef>
+          <a:fillRef idx="0">
+            <a:schemeClr val="accent1"/>
+          </a:fillRef>
+          <a:effectRef idx="0">
+            <a:schemeClr val="accent1"/>
+          </a:effectRef>
+          <a:fontRef idx="minor">
+            <a:schemeClr val="tx1"/>
+          </a:fontRef>
+        </p:style>
+        <p:txBody>
+          <a:bodyPr rtlCol="0" anchor="ctr"/>
+          <a:lstStyle/>
+          <a:p>
+            <a:pPr algn="ctr"/>
+            <a:endParaRPr lang="en-US"/>
+          </a:p>
+        </p:txBody>
+      </p:sp>
+      <p:sp>
+        <p:nvSpPr>
+          <p:cNvPr id="5" name="Right Brace 4">
+            <a:extLst>
+              <a:ext uri="{FF2B5EF4-FFF2-40B4-BE49-F238E27FC236}">
+                <a16:creationId xmlns:a16="http://schemas.microsoft.com/office/drawing/2014/main" id="{B6A9CBD9-22A2-2B4E-84FF-F6BFC2C63E3D}"/>
+              </a:ext>
+            </a:extLst>
+          </p:cNvPr>
+          <p:cNvSpPr/>
+          <p:nvPr/>
+        </p:nvSpPr>
+        <p:spPr>
+          <a:xfrm>
+            <a:off x="3679411" y="4038824"/>
+            <a:ext cx="756745" cy="2246769"/>
+          </a:xfrm>
+          <a:prstGeom prst="rightBrace">
+            <a:avLst>
+              <a:gd name="adj1" fmla="val 0"/>
+              <a:gd name="adj2" fmla="val 50000"/>
+            </a:avLst>
+          </a:prstGeom>
+          <a:ln w="31750"/>
+        </p:spPr>
+        <p:style>
+          <a:lnRef idx="1">
+            <a:schemeClr val="accent1"/>
+          </a:lnRef>
+          <a:fillRef idx="0">
+            <a:schemeClr val="accent1"/>
+          </a:fillRef>
+          <a:effectRef idx="0">
+            <a:schemeClr val="accent1"/>
+          </a:effectRef>
+          <a:fontRef idx="minor">
+            <a:schemeClr val="tx1"/>
+          </a:fontRef>
+        </p:style>
+        <p:txBody>
+          <a:bodyPr rtlCol="0" anchor="ctr"/>
+          <a:lstStyle/>
+          <a:p>
+            <a:pPr algn="ctr"/>
+            <a:endParaRPr lang="en-US"/>
+          </a:p>
+        </p:txBody>
+      </p:sp>
+      <p:sp>
+        <p:nvSpPr>
+          <p:cNvPr id="6" name="TextBox 5">
+            <a:extLst>
+              <a:ext uri="{FF2B5EF4-FFF2-40B4-BE49-F238E27FC236}">
+                <a16:creationId xmlns:a16="http://schemas.microsoft.com/office/drawing/2014/main" id="{D4861ACD-04B9-D147-B07B-E776A8E534C2}"/>
+              </a:ext>
+            </a:extLst>
+          </p:cNvPr>
+          <p:cNvSpPr txBox="1"/>
+          <p:nvPr/>
+        </p:nvSpPr>
+        <p:spPr>
+          <a:xfrm>
+            <a:off x="4436156" y="2343304"/>
+            <a:ext cx="4273534" cy="830997"/>
+          </a:xfrm>
+          <a:prstGeom prst="rect">
+            <a:avLst/>
+          </a:prstGeom>
+          <a:noFill/>
+        </p:spPr>
+        <p:txBody>
+          <a:bodyPr wrap="square" rtlCol="0">
+            <a:spAutoFit/>
+          </a:bodyPr>
+          <a:lstStyle/>
+          <a:p>
+            <a:r>
+              <a:rPr lang="en-US" sz="2800"/>
+              <a:t>Straight from C </a:t>
+            </a:r>
+          </a:p>
+          <a:p>
+            <a:r>
+              <a:rPr lang="en-US" sz="2000"/>
+              <a:t>(via </a:t>
+            </a:r>
+            <a:r>
+              <a:rPr lang="en-US" sz="2000">
+                <a:solidFill>
+                  <a:schemeClr val="accent4"/>
+                </a:solidFill>
+              </a:rPr>
+              <a:t>Zig</a:t>
+            </a:r>
+            <a:r>
+              <a:rPr lang="en-US" sz="2000"/>
+              <a:t>)</a:t>
+            </a:r>
+            <a:endParaRPr lang="en-US" sz="2800"/>
+          </a:p>
+        </p:txBody>
+      </p:sp>
+      <p:sp>
+        <p:nvSpPr>
+          <p:cNvPr id="7" name="TextBox 6">
+            <a:extLst>
+              <a:ext uri="{FF2B5EF4-FFF2-40B4-BE49-F238E27FC236}">
+                <a16:creationId xmlns:a16="http://schemas.microsoft.com/office/drawing/2014/main" id="{6D69501D-7D5E-6B41-B70C-79B08B187CAC}"/>
+              </a:ext>
+            </a:extLst>
+          </p:cNvPr>
+          <p:cNvSpPr txBox="1"/>
+          <p:nvPr/>
+        </p:nvSpPr>
+        <p:spPr>
+          <a:xfrm>
+            <a:off x="4436156" y="4900598"/>
+            <a:ext cx="3426868" cy="523220"/>
+          </a:xfrm>
+          <a:prstGeom prst="rect">
+            <a:avLst/>
+          </a:prstGeom>
+          <a:noFill/>
+        </p:spPr>
+        <p:txBody>
+          <a:bodyPr wrap="square" rtlCol="0">
+            <a:spAutoFit/>
+          </a:bodyPr>
+          <a:lstStyle/>
+          <a:p>
+            <a:r>
+              <a:rPr lang="en-US" sz="2800"/>
+              <a:t>CSL specific</a:t>
+            </a:r>
+          </a:p>
+        </p:txBody>
+      </p:sp>
+      <p:sp>
+        <p:nvSpPr>
+          <p:cNvPr id="9" name="Rectangle 8">
+            <a:extLst>
+              <a:ext uri="{FF2B5EF4-FFF2-40B4-BE49-F238E27FC236}">
+                <a16:creationId xmlns:a16="http://schemas.microsoft.com/office/drawing/2014/main" id="{80516548-0361-9445-BD2B-030CE75F0AC3}"/>
+              </a:ext>
+            </a:extLst>
+          </p:cNvPr>
+          <p:cNvSpPr/>
+          <p:nvPr/>
+        </p:nvSpPr>
+        <p:spPr>
+          <a:xfrm>
+            <a:off x="8103133" y="2353886"/>
+            <a:ext cx="3843338" cy="2677656"/>
+          </a:xfrm>
+          <a:prstGeom prst="rect">
+            <a:avLst/>
+          </a:prstGeom>
+        </p:spPr>
+        <p:txBody>
+          <a:bodyPr wrap="square">
+            <a:spAutoFit/>
+          </a:bodyPr>
+          <a:lstStyle/>
+          <a:p>
+            <a:pPr algn="ctr"/>
+            <a:r>
+              <a:rPr lang="en-US" sz="2800" b="1"/>
+              <a:t>Used for writing device kernel code</a:t>
+            </a:r>
+          </a:p>
+          <a:p>
+            <a:pPr algn="ctr"/>
+            <a:endParaRPr lang="en-US" sz="2800" b="1"/>
+          </a:p>
+          <a:p>
+            <a:pPr algn="ctr"/>
+            <a:r>
+              <a:rPr lang="en-US" sz="2800" b="1"/>
+              <a:t>Familiar to C/C++/HPC programmers</a:t>
+            </a:r>
+          </a:p>
+        </p:txBody>
+      </p:sp>
+      <p:cxnSp>
+        <p:nvCxnSpPr>
+          <p:cNvPr id="14" name="Straight Connector 13">
+            <a:extLst>
+              <a:ext uri="{FF2B5EF4-FFF2-40B4-BE49-F238E27FC236}">
+                <a16:creationId xmlns:a16="http://schemas.microsoft.com/office/drawing/2014/main" id="{EAA5A0E3-66E4-48D3-A958-734CBA992012}"/>
+              </a:ext>
+            </a:extLst>
+          </p:cNvPr>
+          <p:cNvCxnSpPr/>
+          <p:nvPr/>
+        </p:nvCxnSpPr>
+        <p:spPr>
+          <a:xfrm>
+            <a:off x="7989642" y="1848680"/>
+            <a:ext cx="0" cy="3807865"/>
+          </a:xfrm>
+          <a:prstGeom prst="line">
+            <a:avLst/>
+          </a:prstGeom>
+          <a:ln>
+            <a:solidFill>
+              <a:schemeClr val="tx2"/>
+            </a:solidFill>
+          </a:ln>
+        </p:spPr>
+        <p:style>
+          <a:lnRef idx="1">
+            <a:schemeClr val="dk1"/>
+          </a:lnRef>
+          <a:fillRef idx="0">
+            <a:schemeClr val="dk1"/>
+          </a:fillRef>
+          <a:effectRef idx="0">
+            <a:schemeClr val="dk1"/>
+          </a:effectRef>
+          <a:fontRef idx="minor">
+            <a:schemeClr val="tx1"/>
+          </a:fontRef>
+        </p:style>
+      </p:cxnSp>
+    </p:spTree>
+    <p:extLst>
+      <p:ext uri="{BB962C8B-B14F-4D97-AF65-F5344CB8AC3E}">
+        <p14:creationId xmlns:p14="http://schemas.microsoft.com/office/powerpoint/2010/main" val="904312665"/>
+      </p:ext>
+    </p:extLst>
+  </p:cSld>
+  <p:clrMapOvr>
+    <a:masterClrMapping/>
+  </p:clrMapOvr>
+</p:sld>
+</file>
+
+<file path=ppt/slides/slide3.xml><?xml version="1.0" encoding="utf-8"?>
+<p:sld xmlns:a="http://schemas.openxmlformats.org/drawingml/2006/main" xmlns:r="http://schemas.openxmlformats.org/officeDocument/2006/relationships" xmlns:p="http://schemas.openxmlformats.org/presentationml/2006/main">
+  <p:cSld>
+    <p:spTree>
+      <p:nvGrpSpPr>
+        <p:cNvPr id="1" name=""/>
+        <p:cNvGrpSpPr/>
+        <p:nvPr/>
+      </p:nvGrpSpPr>
+      <p:grpSpPr>
+        <a:xfrm>
+          <a:off x="0" y="0"/>
+          <a:ext cx="0" cy="0"/>
+          <a:chOff x="0" y="0"/>
+          <a:chExt cx="0" cy="0"/>
+        </a:xfrm>
+      </p:grpSpPr>
+      <p:sp>
+        <p:nvSpPr>
+          <p:cNvPr id="2" name="Title 1">
+            <a:extLst>
+              <a:ext uri="{FF2B5EF4-FFF2-40B4-BE49-F238E27FC236}">
+                <a16:creationId xmlns:a16="http://schemas.microsoft.com/office/drawing/2014/main" id="{0F8D2888-B0A1-6143-B45C-CA2FA7A51E07}"/>
+              </a:ext>
+            </a:extLst>
+          </p:cNvPr>
+          <p:cNvSpPr>
+            <a:spLocks noGrp="1"/>
+          </p:cNvSpPr>
+          <p:nvPr>
+            <p:ph type="title"/>
+          </p:nvPr>
+        </p:nvSpPr>
+        <p:spPr/>
+        <p:txBody>
+          <a:bodyPr/>
+          <a:lstStyle/>
+          <a:p>
+            <a:r>
+              <a:rPr lang="en-US" dirty="0"/>
+              <a:t>Familiar Features</a:t>
+            </a:r>
+          </a:p>
+        </p:txBody>
+      </p:sp>
+      <p:sp>
+        <p:nvSpPr>
+          <p:cNvPr id="9" name="TextBox 8">
+            <a:extLst>
+              <a:ext uri="{FF2B5EF4-FFF2-40B4-BE49-F238E27FC236}">
+                <a16:creationId xmlns:a16="http://schemas.microsoft.com/office/drawing/2014/main" id="{16A67CEB-F2D8-284B-806E-833B59137BFE}"/>
+              </a:ext>
+            </a:extLst>
+          </p:cNvPr>
+          <p:cNvSpPr txBox="1"/>
+          <p:nvPr/>
+        </p:nvSpPr>
+        <p:spPr>
+          <a:xfrm>
+            <a:off x="410536" y="1394015"/>
+            <a:ext cx="9069840" cy="3662541"/>
+          </a:xfrm>
+          <a:prstGeom prst="rect">
+            <a:avLst/>
+          </a:prstGeom>
+          <a:noFill/>
+        </p:spPr>
+        <p:txBody>
+          <a:bodyPr wrap="square" rtlCol="0">
+            <a:spAutoFit/>
+          </a:bodyPr>
+          <a:lstStyle/>
+          <a:p>
+            <a:r>
+              <a:rPr lang="en-US" sz="2400" b="1" dirty="0">
+                <a:solidFill>
+                  <a:srgbClr val="EA5B0C"/>
+                </a:solidFill>
+              </a:rPr>
+              <a:t>Types</a:t>
+            </a:r>
+            <a:endParaRPr lang="en-US" sz="2400" b="1" dirty="0"/>
+          </a:p>
+          <a:p>
+            <a:pPr marL="347472" indent="-347472">
+              <a:buFont typeface="Arial" panose="020B0604020202020204" pitchFamily="34" charset="0"/>
+              <a:buChar char="•"/>
+            </a:pPr>
+            <a:r>
+              <a:rPr lang="en-US" sz="2000" dirty="0"/>
+              <a:t>Syntax similar to other modern languages – Go, Swift, Scala, Rust</a:t>
+            </a:r>
+          </a:p>
+          <a:p>
+            <a:pPr marL="347472" indent="-347472">
+              <a:buFont typeface="Arial" panose="020B0604020202020204" pitchFamily="34" charset="0"/>
+              <a:buChar char="•"/>
+            </a:pPr>
+            <a:r>
+              <a:rPr lang="en-US" sz="2000" dirty="0"/>
+              <a:t>Float (</a:t>
+            </a:r>
+            <a:r>
+              <a:rPr lang="en-US" sz="2000" dirty="0">
+                <a:latin typeface="Consolas" panose="020B0609020204030204" pitchFamily="49" charset="0"/>
+              </a:rPr>
+              <a:t>f16</a:t>
+            </a:r>
+            <a:r>
+              <a:rPr lang="en-US" sz="2000" dirty="0"/>
+              <a:t>, </a:t>
+            </a:r>
+            <a:r>
+              <a:rPr lang="en-US" sz="2000" dirty="0">
+                <a:latin typeface="Consolas" panose="020B0609020204030204" pitchFamily="49" charset="0"/>
+              </a:rPr>
+              <a:t>f32</a:t>
+            </a:r>
+            <a:r>
+              <a:rPr lang="en-US" sz="2000" dirty="0"/>
+              <a:t>), signed (</a:t>
+            </a:r>
+            <a:r>
+              <a:rPr lang="en-US" sz="2000" dirty="0">
+                <a:latin typeface="Consolas" panose="020B0609020204030204" pitchFamily="49" charset="0"/>
+              </a:rPr>
+              <a:t>i16</a:t>
+            </a:r>
+            <a:r>
+              <a:rPr lang="en-US" sz="2000" dirty="0"/>
+              <a:t>, </a:t>
+            </a:r>
+            <a:r>
+              <a:rPr lang="en-US" sz="2000" dirty="0">
+                <a:latin typeface="Consolas" panose="020B0609020204030204" pitchFamily="49" charset="0"/>
+              </a:rPr>
+              <a:t>i32</a:t>
+            </a:r>
+            <a:r>
+              <a:rPr lang="en-US" sz="2000" dirty="0"/>
+              <a:t>)</a:t>
+            </a:r>
+            <a:r>
+              <a:rPr lang="en-US" sz="2000" b="1" dirty="0"/>
+              <a:t>,</a:t>
+            </a:r>
+            <a:r>
+              <a:rPr lang="en-US" sz="2000" dirty="0"/>
+              <a:t> unsigned (</a:t>
+            </a:r>
+            <a:r>
+              <a:rPr lang="en-US" sz="2000" dirty="0">
+                <a:latin typeface="Consolas" panose="020B0609020204030204" pitchFamily="49" charset="0"/>
+              </a:rPr>
+              <a:t>u16</a:t>
+            </a:r>
+            <a:r>
+              <a:rPr lang="en-US" sz="2000" dirty="0"/>
+              <a:t>, </a:t>
+            </a:r>
+            <a:r>
+              <a:rPr lang="en-US" sz="2000" dirty="0">
+                <a:latin typeface="Consolas" panose="020B0609020204030204" pitchFamily="49" charset="0"/>
+              </a:rPr>
+              <a:t>u32</a:t>
+            </a:r>
+            <a:r>
+              <a:rPr lang="en-US" sz="2000" dirty="0"/>
+              <a:t>), </a:t>
+            </a:r>
+            <a:r>
+              <a:rPr lang="en-US" sz="2000" dirty="0" err="1"/>
+              <a:t>boolean</a:t>
+            </a:r>
+            <a:r>
+              <a:rPr lang="en-US" sz="2000" dirty="0"/>
+              <a:t> (</a:t>
+            </a:r>
+            <a:r>
+              <a:rPr lang="en-US" sz="2000" dirty="0">
+                <a:latin typeface="Consolas" panose="020B0609020204030204" pitchFamily="49" charset="0"/>
+              </a:rPr>
+              <a:t>bool</a:t>
+            </a:r>
+            <a:r>
+              <a:rPr lang="en-US" sz="2000" dirty="0"/>
+              <a:t>)</a:t>
+            </a:r>
+          </a:p>
+          <a:p>
+            <a:pPr marL="347472" indent="-347472">
+              <a:buFont typeface="Arial" panose="020B0604020202020204" pitchFamily="34" charset="0"/>
+              <a:buChar char="•"/>
+            </a:pPr>
+            <a:endParaRPr lang="en-US" sz="2000" dirty="0"/>
+          </a:p>
+          <a:p>
+            <a:r>
+              <a:rPr lang="en-US" sz="2400" b="1" dirty="0">
+                <a:solidFill>
+                  <a:srgbClr val="EA5B0C"/>
+                </a:solidFill>
+              </a:rPr>
+              <a:t>Functions</a:t>
+            </a:r>
+            <a:endParaRPr lang="en-US" sz="2400" b="1" dirty="0"/>
+          </a:p>
+          <a:p>
+            <a:pPr marL="342900" indent="-342900">
+              <a:buFont typeface="Arial" panose="020B0604020202020204" pitchFamily="34" charset="0"/>
+              <a:buChar char="•"/>
+            </a:pPr>
+            <a:r>
+              <a:rPr lang="en-US" sz="2000" dirty="0"/>
+              <a:t>Zig-style syntax</a:t>
+            </a:r>
+          </a:p>
+          <a:p>
+            <a:pPr marL="342900" indent="-342900">
+              <a:buFont typeface="Arial" panose="020B0604020202020204" pitchFamily="34" charset="0"/>
+              <a:buChar char="•"/>
+            </a:pPr>
+            <a:r>
+              <a:rPr lang="en-US" sz="2000" dirty="0"/>
+              <a:t>Pass by value or reference and </a:t>
+            </a:r>
+            <a:r>
+              <a:rPr lang="en-US" sz="2000" dirty="0" err="1"/>
+              <a:t>inlining</a:t>
+            </a:r>
+            <a:r>
+              <a:rPr lang="en-US" sz="2000" dirty="0"/>
+              <a:t> automatically handled</a:t>
+            </a:r>
+          </a:p>
+          <a:p>
+            <a:pPr marL="342900" indent="-342900">
+              <a:buFont typeface="Arial" panose="020B0604020202020204" pitchFamily="34" charset="0"/>
+              <a:buChar char="•"/>
+            </a:pPr>
+            <a:endParaRPr lang="en-US" sz="2000" dirty="0"/>
+          </a:p>
+          <a:p>
+            <a:r>
+              <a:rPr lang="en-US" sz="2400" b="1" dirty="0">
+                <a:solidFill>
+                  <a:srgbClr val="EA5B0C"/>
+                </a:solidFill>
+              </a:rPr>
+              <a:t>Control Structures</a:t>
+            </a:r>
+            <a:endParaRPr lang="en-US" sz="2400" dirty="0"/>
+          </a:p>
+          <a:p>
+            <a:pPr marL="342900" indent="-342900">
+              <a:buFont typeface="Arial" panose="020B0604020202020204" pitchFamily="34" charset="0"/>
+              <a:buChar char="•"/>
+            </a:pPr>
+            <a:r>
+              <a:rPr lang="en-US" sz="2000" dirty="0"/>
+              <a:t>Traditional control flow: </a:t>
+            </a:r>
+            <a:r>
+              <a:rPr lang="en-US" sz="2000" b="1" dirty="0"/>
+              <a:t>if</a:t>
+            </a:r>
+            <a:r>
+              <a:rPr lang="en-US" sz="2000" dirty="0"/>
+              <a:t>, </a:t>
+            </a:r>
+            <a:r>
+              <a:rPr lang="en-US" sz="2000" b="1" dirty="0"/>
+              <a:t>for</a:t>
+            </a:r>
+            <a:r>
+              <a:rPr lang="en-US" sz="2000" dirty="0"/>
+              <a:t>, </a:t>
+            </a:r>
+            <a:r>
+              <a:rPr lang="en-US" sz="2000" b="1" dirty="0"/>
+              <a:t>while</a:t>
+            </a:r>
+            <a:r>
+              <a:rPr lang="en-US" sz="2000" dirty="0"/>
+              <a:t>, with zig and C style syntax</a:t>
+            </a:r>
+          </a:p>
+          <a:p>
+            <a:endParaRPr lang="en-US" sz="2000" dirty="0"/>
+          </a:p>
+        </p:txBody>
+      </p:sp>
+      <p:pic>
+        <p:nvPicPr>
+          <p:cNvPr id="10" name="Picture 9" descr="A picture containing text&#10;&#10;Description automatically generated">
+            <a:extLst>
+              <a:ext uri="{FF2B5EF4-FFF2-40B4-BE49-F238E27FC236}">
+                <a16:creationId xmlns:a16="http://schemas.microsoft.com/office/drawing/2014/main" id="{0840A59D-054C-DA41-9718-CADEBFB82931}"/>
+              </a:ext>
+            </a:extLst>
+          </p:cNvPr>
+          <p:cNvPicPr>
+            <a:picLocks noChangeAspect="1"/>
+          </p:cNvPicPr>
+          <p:nvPr/>
+        </p:nvPicPr>
+        <p:blipFill rotWithShape="1">
+          <a:blip r:embed="rId3"/>
+          <a:srcRect t="9224" b="13826"/>
+          <a:stretch/>
+        </p:blipFill>
+        <p:spPr>
+          <a:xfrm>
+            <a:off x="9480376" y="1412776"/>
+            <a:ext cx="2372361" cy="989815"/>
+          </a:xfrm>
+          <a:prstGeom prst="rect">
+            <a:avLst/>
+          </a:prstGeom>
+          <a:ln>
+            <a:solidFill>
+              <a:schemeClr val="tx1"/>
+            </a:solidFill>
+          </a:ln>
+          <a:effectLst>
+            <a:outerShdw blurRad="50800" dist="38100" dir="2700000" algn="tl" rotWithShape="0">
+              <a:prstClr val="black">
+                <a:alpha val="40000"/>
+              </a:prstClr>
+            </a:outerShdw>
+            <a:softEdge rad="0"/>
+          </a:effectLst>
+        </p:spPr>
+      </p:pic>
+      <p:pic>
+        <p:nvPicPr>
+          <p:cNvPr id="11" name="Picture 10">
+            <a:extLst>
+              <a:ext uri="{FF2B5EF4-FFF2-40B4-BE49-F238E27FC236}">
+                <a16:creationId xmlns:a16="http://schemas.microsoft.com/office/drawing/2014/main" id="{AB8F3F8F-4758-0D43-95B9-EAC441C38070}"/>
+              </a:ext>
+            </a:extLst>
+          </p:cNvPr>
+          <p:cNvPicPr>
+            <a:picLocks noChangeAspect="1"/>
+          </p:cNvPicPr>
+          <p:nvPr/>
+        </p:nvPicPr>
+        <p:blipFill>
+          <a:blip r:embed="rId4"/>
+          <a:srcRect/>
+          <a:stretch/>
+        </p:blipFill>
+        <p:spPr>
+          <a:xfrm>
+            <a:off x="8407704" y="2842997"/>
+            <a:ext cx="3445033" cy="1028833"/>
+          </a:xfrm>
+          <a:prstGeom prst="rect">
+            <a:avLst/>
+          </a:prstGeom>
+          <a:ln>
+            <a:solidFill>
+              <a:schemeClr val="tx1"/>
+            </a:solidFill>
+          </a:ln>
+          <a:effectLst>
+            <a:outerShdw blurRad="50800" dist="38100" dir="2700000" algn="tl" rotWithShape="0">
+              <a:prstClr val="black">
+                <a:alpha val="40000"/>
+              </a:prstClr>
+            </a:outerShdw>
+            <a:softEdge rad="0"/>
+          </a:effectLst>
+        </p:spPr>
+      </p:pic>
+      <p:pic>
+        <p:nvPicPr>
+          <p:cNvPr id="3" name="Picture 2">
+            <a:extLst>
+              <a:ext uri="{FF2B5EF4-FFF2-40B4-BE49-F238E27FC236}">
+                <a16:creationId xmlns:a16="http://schemas.microsoft.com/office/drawing/2014/main" id="{223CDF69-0998-148B-7D12-7FAC22A77762}"/>
+              </a:ext>
+            </a:extLst>
+          </p:cNvPr>
+          <p:cNvPicPr>
+            <a:picLocks noChangeAspect="1"/>
+          </p:cNvPicPr>
+          <p:nvPr/>
+        </p:nvPicPr>
+        <p:blipFill>
+          <a:blip r:embed="rId5"/>
+          <a:srcRect/>
+          <a:stretch/>
+        </p:blipFill>
+        <p:spPr>
+          <a:xfrm>
+            <a:off x="266845" y="4975803"/>
+            <a:ext cx="1513943" cy="1259193"/>
+          </a:xfrm>
+          <a:prstGeom prst="rect">
+            <a:avLst/>
+          </a:prstGeom>
+          <a:ln>
+            <a:solidFill>
+              <a:schemeClr val="tx1"/>
+            </a:solidFill>
+          </a:ln>
+          <a:effectLst>
+            <a:outerShdw blurRad="50800" dist="38100" dir="2700000" algn="tl" rotWithShape="0">
+              <a:prstClr val="black">
+                <a:alpha val="40000"/>
+              </a:prstClr>
+            </a:outerShdw>
+            <a:softEdge rad="0"/>
+          </a:effectLst>
+        </p:spPr>
+      </p:pic>
+      <p:pic>
+        <p:nvPicPr>
+          <p:cNvPr id="4" name="Picture 3">
+            <a:extLst>
+              <a:ext uri="{FF2B5EF4-FFF2-40B4-BE49-F238E27FC236}">
+                <a16:creationId xmlns:a16="http://schemas.microsoft.com/office/drawing/2014/main" id="{A0564F0F-6C63-1991-26F3-841169D00C04}"/>
+              </a:ext>
+            </a:extLst>
+          </p:cNvPr>
+          <p:cNvPicPr>
+            <a:picLocks noChangeAspect="1"/>
+          </p:cNvPicPr>
+          <p:nvPr/>
+        </p:nvPicPr>
+        <p:blipFill>
+          <a:blip r:embed="rId6"/>
+          <a:srcRect/>
+          <a:stretch/>
+        </p:blipFill>
+        <p:spPr>
+          <a:xfrm>
+            <a:off x="7952670" y="4974862"/>
+            <a:ext cx="3963724" cy="1131277"/>
+          </a:xfrm>
+          <a:prstGeom prst="rect">
+            <a:avLst/>
+          </a:prstGeom>
+          <a:ln>
+            <a:solidFill>
+              <a:schemeClr val="tx1"/>
+            </a:solidFill>
+          </a:ln>
+          <a:effectLst>
+            <a:outerShdw blurRad="50800" dist="38100" dir="2700000" algn="tl" rotWithShape="0">
+              <a:prstClr val="black">
+                <a:alpha val="40000"/>
+              </a:prstClr>
+            </a:outerShdw>
+            <a:softEdge rad="0"/>
+          </a:effectLst>
+        </p:spPr>
+      </p:pic>
+      <p:pic>
+        <p:nvPicPr>
+          <p:cNvPr id="6" name="Picture 5">
+            <a:extLst>
+              <a:ext uri="{FF2B5EF4-FFF2-40B4-BE49-F238E27FC236}">
+                <a16:creationId xmlns:a16="http://schemas.microsoft.com/office/drawing/2014/main" id="{4E928F5B-C054-370B-ED56-84C80B113E9D}"/>
+              </a:ext>
+            </a:extLst>
+          </p:cNvPr>
+          <p:cNvPicPr>
+            <a:picLocks noChangeAspect="1"/>
+          </p:cNvPicPr>
+          <p:nvPr/>
+        </p:nvPicPr>
+        <p:blipFill>
+          <a:blip r:embed="rId7"/>
+          <a:srcRect/>
+          <a:stretch/>
+        </p:blipFill>
+        <p:spPr>
+          <a:xfrm>
+            <a:off x="2125847" y="4975803"/>
+            <a:ext cx="1961943" cy="1110688"/>
+          </a:xfrm>
+          <a:prstGeom prst="rect">
+            <a:avLst/>
+          </a:prstGeom>
+          <a:ln>
+            <a:solidFill>
+              <a:schemeClr val="tx1"/>
+            </a:solidFill>
+          </a:ln>
+          <a:effectLst>
+            <a:outerShdw blurRad="50800" dist="38100" dir="2700000" algn="tl" rotWithShape="0">
+              <a:prstClr val="black">
+                <a:alpha val="40000"/>
+              </a:prstClr>
+            </a:outerShdw>
+            <a:softEdge rad="0"/>
+          </a:effectLst>
+        </p:spPr>
+      </p:pic>
+      <p:pic>
+        <p:nvPicPr>
+          <p:cNvPr id="8" name="Picture 7">
+            <a:extLst>
+              <a:ext uri="{FF2B5EF4-FFF2-40B4-BE49-F238E27FC236}">
+                <a16:creationId xmlns:a16="http://schemas.microsoft.com/office/drawing/2014/main" id="{AB515228-F67D-FFC1-C322-3CC9BC2B64BE}"/>
+              </a:ext>
+            </a:extLst>
+          </p:cNvPr>
+          <p:cNvPicPr>
+            <a:picLocks noChangeAspect="1"/>
+          </p:cNvPicPr>
+          <p:nvPr/>
+        </p:nvPicPr>
+        <p:blipFill>
+          <a:blip r:embed="rId8"/>
+          <a:srcRect/>
+          <a:stretch/>
+        </p:blipFill>
+        <p:spPr>
+          <a:xfrm>
+            <a:off x="4382319" y="4989166"/>
+            <a:ext cx="3254398" cy="1110689"/>
+          </a:xfrm>
+          <a:prstGeom prst="rect">
+            <a:avLst/>
+          </a:prstGeom>
+          <a:ln>
+            <a:solidFill>
+              <a:schemeClr val="tx1"/>
+            </a:solidFill>
+          </a:ln>
+          <a:effectLst>
+            <a:outerShdw blurRad="50800" dist="38100" dir="2700000" algn="tl" rotWithShape="0">
+              <a:prstClr val="black">
+                <a:alpha val="40000"/>
+              </a:prstClr>
+            </a:outerShdw>
+            <a:softEdge rad="0"/>
+          </a:effectLst>
+        </p:spPr>
+      </p:pic>
+      <p:sp>
+        <p:nvSpPr>
+          <p:cNvPr id="13" name="TextBox 12">
+            <a:extLst>
+              <a:ext uri="{FF2B5EF4-FFF2-40B4-BE49-F238E27FC236}">
+                <a16:creationId xmlns:a16="http://schemas.microsoft.com/office/drawing/2014/main" id="{1A1FE080-9193-35E9-F244-CBA541D4219E}"/>
+              </a:ext>
+            </a:extLst>
+          </p:cNvPr>
+          <p:cNvSpPr txBox="1"/>
+          <p:nvPr/>
+        </p:nvSpPr>
+        <p:spPr>
+          <a:xfrm>
+            <a:off x="360974" y="6247898"/>
+            <a:ext cx="1325684" cy="369332"/>
+          </a:xfrm>
+          <a:prstGeom prst="rect">
+            <a:avLst/>
+          </a:prstGeom>
+          <a:noFill/>
+        </p:spPr>
+        <p:txBody>
+          <a:bodyPr wrap="none" rtlCol="0">
+            <a:spAutoFit/>
+          </a:bodyPr>
+          <a:lstStyle/>
+          <a:p>
+            <a:r>
+              <a:rPr lang="en-US"/>
+              <a:t>conditionals</a:t>
+            </a:r>
+          </a:p>
+        </p:txBody>
+      </p:sp>
+      <p:sp>
+        <p:nvSpPr>
+          <p:cNvPr id="14" name="TextBox 13">
+            <a:extLst>
+              <a:ext uri="{FF2B5EF4-FFF2-40B4-BE49-F238E27FC236}">
+                <a16:creationId xmlns:a16="http://schemas.microsoft.com/office/drawing/2014/main" id="{E78D717E-2E79-F868-A68F-4F55B8C1477B}"/>
+              </a:ext>
+            </a:extLst>
+          </p:cNvPr>
+          <p:cNvSpPr txBox="1"/>
+          <p:nvPr/>
+        </p:nvSpPr>
+        <p:spPr>
+          <a:xfrm>
+            <a:off x="2475876" y="6083240"/>
+            <a:ext cx="1261884" cy="369332"/>
+          </a:xfrm>
+          <a:prstGeom prst="rect">
+            <a:avLst/>
+          </a:prstGeom>
+          <a:noFill/>
+        </p:spPr>
+        <p:txBody>
+          <a:bodyPr wrap="none" rtlCol="0">
+            <a:spAutoFit/>
+          </a:bodyPr>
+          <a:lstStyle/>
+          <a:p>
+            <a:r>
+              <a:rPr lang="en-US" b="1"/>
+              <a:t>while </a:t>
+            </a:r>
+            <a:r>
+              <a:rPr lang="en-US"/>
+              <a:t>loop</a:t>
+            </a:r>
+          </a:p>
+        </p:txBody>
+      </p:sp>
+      <p:sp>
+        <p:nvSpPr>
+          <p:cNvPr id="15" name="TextBox 14">
+            <a:extLst>
+              <a:ext uri="{FF2B5EF4-FFF2-40B4-BE49-F238E27FC236}">
+                <a16:creationId xmlns:a16="http://schemas.microsoft.com/office/drawing/2014/main" id="{B9DA8E1D-38E5-8E1E-05E3-88ECCD59FF17}"/>
+              </a:ext>
+            </a:extLst>
+          </p:cNvPr>
+          <p:cNvSpPr txBox="1"/>
+          <p:nvPr/>
+        </p:nvSpPr>
+        <p:spPr>
+          <a:xfrm>
+            <a:off x="4724551" y="6106800"/>
+            <a:ext cx="2569934" cy="369332"/>
+          </a:xfrm>
+          <a:prstGeom prst="rect">
+            <a:avLst/>
+          </a:prstGeom>
+          <a:noFill/>
+        </p:spPr>
+        <p:txBody>
+          <a:bodyPr wrap="none" rtlCol="0">
+            <a:spAutoFit/>
+          </a:bodyPr>
+          <a:lstStyle/>
+          <a:p>
+            <a:r>
+              <a:rPr lang="en-US" b="1"/>
+              <a:t>while </a:t>
+            </a:r>
+            <a:r>
+              <a:rPr lang="en-US"/>
+              <a:t>loop with iterator</a:t>
+            </a:r>
+          </a:p>
+        </p:txBody>
+      </p:sp>
+      <p:sp>
+        <p:nvSpPr>
+          <p:cNvPr id="16" name="TextBox 15">
+            <a:extLst>
+              <a:ext uri="{FF2B5EF4-FFF2-40B4-BE49-F238E27FC236}">
+                <a16:creationId xmlns:a16="http://schemas.microsoft.com/office/drawing/2014/main" id="{4558D771-743A-E6CD-12F2-361B8F69F68F}"/>
+              </a:ext>
+            </a:extLst>
+          </p:cNvPr>
+          <p:cNvSpPr txBox="1"/>
+          <p:nvPr/>
+        </p:nvSpPr>
+        <p:spPr>
+          <a:xfrm>
+            <a:off x="8552228" y="6099855"/>
+            <a:ext cx="3206695" cy="646331"/>
+          </a:xfrm>
+          <a:prstGeom prst="rect">
+            <a:avLst/>
+          </a:prstGeom>
+          <a:noFill/>
+        </p:spPr>
+        <p:txBody>
+          <a:bodyPr wrap="square" rtlCol="0">
+            <a:spAutoFit/>
+          </a:bodyPr>
+          <a:lstStyle/>
+          <a:p>
+            <a:r>
+              <a:rPr lang="en-US"/>
+              <a:t>range </a:t>
+            </a:r>
+            <a:r>
+              <a:rPr lang="en-US" b="1"/>
+              <a:t>for</a:t>
+            </a:r>
+            <a:r>
+              <a:rPr lang="en-US"/>
+              <a:t> loop</a:t>
+            </a:r>
+          </a:p>
+          <a:p>
+            <a:r>
+              <a:rPr lang="en-US"/>
+              <a:t>(also provides C-style </a:t>
+            </a:r>
+            <a:r>
+              <a:rPr lang="en-US" b="1"/>
+              <a:t>for</a:t>
+            </a:r>
+            <a:r>
+              <a:rPr lang="en-US"/>
+              <a:t>) </a:t>
+            </a:r>
+          </a:p>
+        </p:txBody>
+      </p:sp>
+    </p:spTree>
+    <p:extLst>
+      <p:ext uri="{BB962C8B-B14F-4D97-AF65-F5344CB8AC3E}">
+        <p14:creationId xmlns:p14="http://schemas.microsoft.com/office/powerpoint/2010/main" val="1835914062"/>
+      </p:ext>
+    </p:extLst>
+  </p:cSld>
+  <p:clrMapOvr>
+    <a:masterClrMapping/>
+  </p:clrMapOvr>
+</p:sld>
+</file>
+
+<file path=ppt/slides/slide4.xml><?xml version="1.0" encoding="utf-8"?>
+<p:sld xmlns:a="http://schemas.openxmlformats.org/drawingml/2006/main" xmlns:r="http://schemas.openxmlformats.org/officeDocument/2006/relationships" xmlns:p="http://schemas.openxmlformats.org/presentationml/2006/main">
+  <p:cSld>
+    <p:spTree>
+      <p:nvGrpSpPr>
+        <p:cNvPr id="1" name=""/>
+        <p:cNvGrpSpPr/>
+        <p:nvPr/>
+      </p:nvGrpSpPr>
+      <p:grpSpPr>
+        <a:xfrm>
+          <a:off x="0" y="0"/>
+          <a:ext cx="0" cy="0"/>
+          <a:chOff x="0" y="0"/>
+          <a:chExt cx="0" cy="0"/>
+        </a:xfrm>
+      </p:grpSpPr>
+      <p:sp>
+        <p:nvSpPr>
+          <p:cNvPr id="4" name="TextBox 3">
+            <a:extLst>
+              <a:ext uri="{FF2B5EF4-FFF2-40B4-BE49-F238E27FC236}">
+                <a16:creationId xmlns:a16="http://schemas.microsoft.com/office/drawing/2014/main" id="{088ECCC8-5516-6737-3392-B505AF68501F}"/>
+              </a:ext>
+            </a:extLst>
+          </p:cNvPr>
+          <p:cNvSpPr txBox="1"/>
+          <p:nvPr/>
+        </p:nvSpPr>
+        <p:spPr>
+          <a:xfrm>
+            <a:off x="360434" y="1296416"/>
+            <a:ext cx="9069840" cy="3970318"/>
+          </a:xfrm>
+          <a:prstGeom prst="rect">
+            <a:avLst/>
+          </a:prstGeom>
+          <a:noFill/>
+        </p:spPr>
+        <p:txBody>
+          <a:bodyPr wrap="square" rtlCol="0">
+            <a:spAutoFit/>
+          </a:bodyPr>
+          <a:lstStyle/>
+          <a:p>
+            <a:r>
+              <a:rPr lang="en-US" sz="2400" b="1" dirty="0" err="1">
+                <a:solidFill>
+                  <a:srgbClr val="EA5B0C"/>
+                </a:solidFill>
+              </a:rPr>
+              <a:t>Comptime</a:t>
+            </a:r>
+            <a:r>
+              <a:rPr lang="en-US" sz="2400" b="1" dirty="0">
+                <a:solidFill>
+                  <a:srgbClr val="EA5B0C"/>
+                </a:solidFill>
+              </a:rPr>
+              <a:t> </a:t>
+            </a:r>
+            <a:endParaRPr lang="en-US" sz="2400" b="1" dirty="0"/>
+          </a:p>
+          <a:p>
+            <a:pPr marL="347472" indent="-347472">
+              <a:buFont typeface="Arial" panose="020B0604020202020204" pitchFamily="34" charset="0"/>
+              <a:buChar char="•"/>
+            </a:pPr>
+            <a:r>
+              <a:rPr lang="en-US" sz="2000" dirty="0"/>
+              <a:t>From Zig, block of code where all evaluation occurs at compile time</a:t>
+            </a:r>
+          </a:p>
+          <a:p>
+            <a:pPr marL="347472" indent="-347472">
+              <a:buFont typeface="Arial" panose="020B0604020202020204" pitchFamily="34" charset="0"/>
+              <a:buChar char="•"/>
+            </a:pPr>
+            <a:r>
+              <a:rPr lang="en-US" sz="2000" dirty="0"/>
+              <a:t>Useful for frontloading computation to avoid runtime overhead</a:t>
+            </a:r>
+          </a:p>
+          <a:p>
+            <a:pPr marL="457200" indent="-457200">
+              <a:buFont typeface="Arial" panose="020B0604020202020204" pitchFamily="34" charset="0"/>
+              <a:buChar char="•"/>
+            </a:pPr>
+            <a:endParaRPr lang="en-US" sz="2000" dirty="0"/>
+          </a:p>
+          <a:p>
+            <a:r>
+              <a:rPr lang="en-US" sz="2400" b="1" dirty="0">
+                <a:solidFill>
+                  <a:srgbClr val="EA5B0C"/>
+                </a:solidFill>
+              </a:rPr>
+              <a:t>Params</a:t>
+            </a:r>
+          </a:p>
+          <a:p>
+            <a:pPr marL="342900" indent="-342900">
+              <a:buFont typeface="Arial" panose="020B0604020202020204" pitchFamily="34" charset="0"/>
+              <a:buChar char="•"/>
+            </a:pPr>
+            <a:r>
+              <a:rPr lang="en-US" sz="2000" dirty="0"/>
+              <a:t>Like </a:t>
+            </a:r>
+            <a:r>
+              <a:rPr lang="en-US" sz="2000" dirty="0">
+                <a:latin typeface="Consolas" panose="020B0609020204030204" pitchFamily="49" charset="0"/>
+                <a:cs typeface="Consolas" panose="020B0609020204030204" pitchFamily="49" charset="0"/>
+              </a:rPr>
+              <a:t>#define</a:t>
+            </a:r>
+            <a:r>
+              <a:rPr lang="en-US" sz="2000" dirty="0"/>
+              <a:t>, but strongly typed</a:t>
+            </a:r>
+          </a:p>
+          <a:p>
+            <a:pPr marL="342900" indent="-342900">
+              <a:buFont typeface="Arial" panose="020B0604020202020204" pitchFamily="34" charset="0"/>
+              <a:buChar char="•"/>
+            </a:pPr>
+            <a:r>
+              <a:rPr lang="en-US" sz="2000" dirty="0"/>
+              <a:t>Have to be “bound” completely during compilation</a:t>
+            </a:r>
+          </a:p>
+          <a:p>
+            <a:pPr marL="457200" indent="-457200">
+              <a:buFont typeface="Arial" panose="020B0604020202020204" pitchFamily="34" charset="0"/>
+              <a:buChar char="•"/>
+            </a:pPr>
+            <a:endParaRPr lang="en-US" sz="2000" dirty="0"/>
+          </a:p>
+          <a:p>
+            <a:r>
+              <a:rPr lang="en-US" sz="2400" b="1" dirty="0">
+                <a:solidFill>
+                  <a:srgbClr val="EA5B0C"/>
+                </a:solidFill>
+              </a:rPr>
+              <a:t>Modules</a:t>
+            </a:r>
+            <a:endParaRPr lang="en-US" sz="2400" b="1" dirty="0"/>
+          </a:p>
+          <a:p>
+            <a:pPr marL="342900" indent="-342900">
+              <a:buFont typeface="Arial" panose="020B0604020202020204" pitchFamily="34" charset="0"/>
+              <a:buChar char="•"/>
+            </a:pPr>
+            <a:r>
+              <a:rPr lang="en-US" sz="2000" dirty="0"/>
+              <a:t>Any CSL source code file is a “Module,” importable into other modules</a:t>
+            </a:r>
+          </a:p>
+          <a:p>
+            <a:pPr marL="342900" indent="-342900">
+              <a:buFont typeface="Arial" panose="020B0604020202020204" pitchFamily="34" charset="0"/>
+              <a:buChar char="•"/>
+            </a:pPr>
+            <a:r>
+              <a:rPr lang="en-US" sz="2000" dirty="0"/>
+              <a:t>Imported modules acts as an </a:t>
+            </a:r>
+            <a:r>
+              <a:rPr lang="en-US" sz="2000" i="1" dirty="0"/>
+              <a:t>instance</a:t>
+            </a:r>
+            <a:r>
+              <a:rPr lang="en-US" sz="2000" dirty="0"/>
+              <a:t> of a unique struct type</a:t>
+            </a:r>
+          </a:p>
+          <a:p>
+            <a:pPr marL="342900" indent="-342900">
+              <a:buFont typeface="Arial" panose="020B0604020202020204" pitchFamily="34" charset="0"/>
+              <a:buChar char="•"/>
+            </a:pPr>
+            <a:r>
+              <a:rPr lang="en-US" sz="2000" dirty="0"/>
+              <a:t>Multiple imports of the same module allowed</a:t>
+            </a:r>
+          </a:p>
+        </p:txBody>
+      </p:sp>
+      <p:sp>
+        <p:nvSpPr>
+          <p:cNvPr id="2" name="Title 1">
+            <a:extLst>
+              <a:ext uri="{FF2B5EF4-FFF2-40B4-BE49-F238E27FC236}">
+                <a16:creationId xmlns:a16="http://schemas.microsoft.com/office/drawing/2014/main" id="{C7E31FCA-F66E-AA4C-83DD-74D32224C614}"/>
+              </a:ext>
+            </a:extLst>
+          </p:cNvPr>
+          <p:cNvSpPr>
+            <a:spLocks noGrp="1"/>
+          </p:cNvSpPr>
+          <p:nvPr>
+            <p:ph type="title"/>
+          </p:nvPr>
+        </p:nvSpPr>
+        <p:spPr/>
+        <p:txBody>
+          <a:bodyPr/>
+          <a:lstStyle/>
+          <a:p>
+            <a:r>
+              <a:rPr lang="en-US" dirty="0"/>
+              <a:t>Quality of Life Features</a:t>
+            </a:r>
+          </a:p>
+        </p:txBody>
+      </p:sp>
+      <p:pic>
+        <p:nvPicPr>
+          <p:cNvPr id="7" name="Picture 6">
+            <a:extLst>
+              <a:ext uri="{FF2B5EF4-FFF2-40B4-BE49-F238E27FC236}">
+                <a16:creationId xmlns:a16="http://schemas.microsoft.com/office/drawing/2014/main" id="{B76FE805-2828-2A4D-9FA3-32EB7A86907B}"/>
+              </a:ext>
+            </a:extLst>
+          </p:cNvPr>
+          <p:cNvPicPr>
+            <a:picLocks noChangeAspect="1"/>
+          </p:cNvPicPr>
+          <p:nvPr/>
+        </p:nvPicPr>
+        <p:blipFill rotWithShape="1">
+          <a:blip r:embed="rId3"/>
+          <a:srcRect b="8918"/>
+          <a:stretch/>
+        </p:blipFill>
+        <p:spPr>
+          <a:xfrm>
+            <a:off x="8760296" y="1481800"/>
+            <a:ext cx="3069052" cy="1049137"/>
+          </a:xfrm>
+          <a:prstGeom prst="rect">
+            <a:avLst/>
+          </a:prstGeom>
+          <a:ln>
+            <a:solidFill>
+              <a:schemeClr val="tx1"/>
+            </a:solidFill>
+          </a:ln>
+          <a:effectLst>
+            <a:outerShdw blurRad="50800" dist="38100" dir="2700000" algn="tl" rotWithShape="0">
+              <a:prstClr val="black">
+                <a:alpha val="40000"/>
+              </a:prstClr>
+            </a:outerShdw>
+            <a:softEdge rad="0"/>
+          </a:effectLst>
+        </p:spPr>
+      </p:pic>
+      <p:pic>
+        <p:nvPicPr>
+          <p:cNvPr id="9" name="Picture 8">
+            <a:extLst>
+              <a:ext uri="{FF2B5EF4-FFF2-40B4-BE49-F238E27FC236}">
+                <a16:creationId xmlns:a16="http://schemas.microsoft.com/office/drawing/2014/main" id="{ED18392E-5583-1888-7643-7B326B5F27E6}"/>
+              </a:ext>
+            </a:extLst>
+          </p:cNvPr>
+          <p:cNvPicPr>
+            <a:picLocks noChangeAspect="1"/>
+          </p:cNvPicPr>
+          <p:nvPr/>
+        </p:nvPicPr>
+        <p:blipFill>
+          <a:blip r:embed="rId4"/>
+          <a:srcRect/>
+          <a:stretch/>
+        </p:blipFill>
+        <p:spPr>
+          <a:xfrm>
+            <a:off x="3922774" y="5450470"/>
+            <a:ext cx="1716728" cy="1118038"/>
+          </a:xfrm>
+          <a:prstGeom prst="rect">
+            <a:avLst/>
+          </a:prstGeom>
+          <a:ln>
+            <a:solidFill>
+              <a:schemeClr val="tx1"/>
+            </a:solidFill>
+          </a:ln>
+          <a:effectLst>
+            <a:outerShdw blurRad="50800" dist="38100" dir="2700000" algn="tl" rotWithShape="0">
+              <a:prstClr val="black">
+                <a:alpha val="40000"/>
+              </a:prstClr>
+            </a:outerShdw>
+            <a:softEdge rad="0"/>
+          </a:effectLst>
+        </p:spPr>
+      </p:pic>
+      <p:pic>
+        <p:nvPicPr>
+          <p:cNvPr id="10" name="Picture 9">
+            <a:extLst>
+              <a:ext uri="{FF2B5EF4-FFF2-40B4-BE49-F238E27FC236}">
+                <a16:creationId xmlns:a16="http://schemas.microsoft.com/office/drawing/2014/main" id="{5DE9F7BB-ED8E-6ACD-818D-0FFE321597F5}"/>
+              </a:ext>
+            </a:extLst>
+          </p:cNvPr>
+          <p:cNvPicPr>
+            <a:picLocks noChangeAspect="1"/>
+          </p:cNvPicPr>
+          <p:nvPr/>
+        </p:nvPicPr>
+        <p:blipFill>
+          <a:blip r:embed="rId5"/>
+          <a:srcRect/>
+          <a:stretch/>
+        </p:blipFill>
+        <p:spPr>
+          <a:xfrm>
+            <a:off x="7429429" y="5041908"/>
+            <a:ext cx="3482817" cy="1692255"/>
+          </a:xfrm>
+          <a:prstGeom prst="rect">
+            <a:avLst/>
+          </a:prstGeom>
+          <a:ln>
+            <a:solidFill>
+              <a:schemeClr val="tx1"/>
+            </a:solidFill>
+          </a:ln>
+          <a:effectLst>
+            <a:outerShdw blurRad="50800" dist="38100" dir="2700000" algn="tl" rotWithShape="0">
+              <a:prstClr val="black">
+                <a:alpha val="40000"/>
+              </a:prstClr>
+            </a:outerShdw>
+            <a:softEdge rad="0"/>
+          </a:effectLst>
+        </p:spPr>
+      </p:pic>
+      <p:sp>
+        <p:nvSpPr>
+          <p:cNvPr id="11" name="Rounded Rectangle 10">
+            <a:extLst>
+              <a:ext uri="{FF2B5EF4-FFF2-40B4-BE49-F238E27FC236}">
+                <a16:creationId xmlns:a16="http://schemas.microsoft.com/office/drawing/2014/main" id="{164873B9-35EB-15E4-57C1-274BCC04B99F}"/>
+              </a:ext>
+            </a:extLst>
+          </p:cNvPr>
+          <p:cNvSpPr/>
+          <p:nvPr/>
+        </p:nvSpPr>
+        <p:spPr>
+          <a:xfrm>
+            <a:off x="5529843" y="5284568"/>
+            <a:ext cx="1085917" cy="331804"/>
+          </a:xfrm>
+          <a:prstGeom prst="roundRect">
+            <a:avLst>
+              <a:gd name="adj" fmla="val 0"/>
+            </a:avLst>
+          </a:prstGeom>
+          <a:ln>
+            <a:solidFill>
+              <a:schemeClr val="bg1">
+                <a:lumMod val="85000"/>
+              </a:schemeClr>
+            </a:solidFill>
+          </a:ln>
+        </p:spPr>
+        <p:style>
+          <a:lnRef idx="2">
+            <a:schemeClr val="accent1">
+              <a:shade val="50000"/>
+            </a:schemeClr>
+          </a:lnRef>
+          <a:fillRef idx="1">
+            <a:schemeClr val="accent1"/>
+          </a:fillRef>
+          <a:effectRef idx="0">
+            <a:schemeClr val="accent1"/>
+          </a:effectRef>
+          <a:fontRef idx="minor">
+            <a:schemeClr val="lt1"/>
+          </a:fontRef>
+        </p:style>
+        <p:txBody>
+          <a:bodyPr rtlCol="0" anchor="ctr"/>
+          <a:lstStyle/>
+          <a:p>
+            <a:pPr algn="ctr"/>
+            <a:r>
+              <a:rPr lang="en-US">
+                <a:solidFill>
+                  <a:schemeClr val="bg1"/>
+                </a:solidFill>
+              </a:rPr>
+              <a:t>m1.csl</a:t>
+            </a:r>
+          </a:p>
+        </p:txBody>
+      </p:sp>
+      <p:sp>
+        <p:nvSpPr>
+          <p:cNvPr id="12" name="Rounded Rectangle 11">
+            <a:extLst>
+              <a:ext uri="{FF2B5EF4-FFF2-40B4-BE49-F238E27FC236}">
+                <a16:creationId xmlns:a16="http://schemas.microsoft.com/office/drawing/2014/main" id="{B5928962-3360-8CA8-4ADE-2B35263E4949}"/>
+              </a:ext>
+            </a:extLst>
+          </p:cNvPr>
+          <p:cNvSpPr/>
+          <p:nvPr/>
+        </p:nvSpPr>
+        <p:spPr>
+          <a:xfrm>
+            <a:off x="10836468" y="4876006"/>
+            <a:ext cx="1085917" cy="331804"/>
+          </a:xfrm>
+          <a:prstGeom prst="roundRect">
+            <a:avLst>
+              <a:gd name="adj" fmla="val 0"/>
+            </a:avLst>
+          </a:prstGeom>
+          <a:ln>
+            <a:solidFill>
+              <a:schemeClr val="bg1">
+                <a:lumMod val="85000"/>
+              </a:schemeClr>
+            </a:solidFill>
+          </a:ln>
+        </p:spPr>
+        <p:style>
+          <a:lnRef idx="2">
+            <a:schemeClr val="accent1">
+              <a:shade val="50000"/>
+            </a:schemeClr>
+          </a:lnRef>
+          <a:fillRef idx="1">
+            <a:schemeClr val="accent1"/>
+          </a:fillRef>
+          <a:effectRef idx="0">
+            <a:schemeClr val="accent1"/>
+          </a:effectRef>
+          <a:fontRef idx="minor">
+            <a:schemeClr val="lt1"/>
+          </a:fontRef>
+        </p:style>
+        <p:txBody>
+          <a:bodyPr rtlCol="0" anchor="ctr"/>
+          <a:lstStyle/>
+          <a:p>
+            <a:pPr algn="ctr"/>
+            <a:r>
+              <a:rPr lang="en-US">
+                <a:solidFill>
+                  <a:schemeClr val="bg1"/>
+                </a:solidFill>
+              </a:rPr>
+              <a:t>p1.csl</a:t>
+            </a:r>
+          </a:p>
+        </p:txBody>
+      </p:sp>
+      <p:pic>
+        <p:nvPicPr>
+          <p:cNvPr id="13" name="Picture 12">
+            <a:extLst>
+              <a:ext uri="{FF2B5EF4-FFF2-40B4-BE49-F238E27FC236}">
+                <a16:creationId xmlns:a16="http://schemas.microsoft.com/office/drawing/2014/main" id="{6FCE532F-0E81-9A8E-CE00-A9A212394104}"/>
+              </a:ext>
+            </a:extLst>
+          </p:cNvPr>
+          <p:cNvPicPr>
+            <a:picLocks noChangeAspect="1"/>
+          </p:cNvPicPr>
+          <p:nvPr/>
+        </p:nvPicPr>
+        <p:blipFill rotWithShape="1">
+          <a:blip r:embed="rId6"/>
+          <a:srcRect b="71967"/>
+          <a:stretch/>
+        </p:blipFill>
+        <p:spPr>
+          <a:xfrm>
+            <a:off x="6814097" y="2903327"/>
+            <a:ext cx="3091405" cy="807680"/>
+          </a:xfrm>
+          <a:prstGeom prst="rect">
+            <a:avLst/>
+          </a:prstGeom>
+          <a:ln>
+            <a:solidFill>
+              <a:schemeClr val="tx1"/>
+            </a:solidFill>
+          </a:ln>
+          <a:effectLst>
+            <a:outerShdw blurRad="50800" dist="38100" dir="2700000" algn="tl" rotWithShape="0">
+              <a:prstClr val="black">
+                <a:alpha val="40000"/>
+              </a:prstClr>
+            </a:outerShdw>
+            <a:softEdge rad="0"/>
+          </a:effectLst>
+        </p:spPr>
+      </p:pic>
+    </p:spTree>
+    <p:extLst>
+      <p:ext uri="{BB962C8B-B14F-4D97-AF65-F5344CB8AC3E}">
+        <p14:creationId xmlns:p14="http://schemas.microsoft.com/office/powerpoint/2010/main" val="483550373"/>
+      </p:ext>
+    </p:extLst>
+  </p:cSld>
+  <p:clrMapOvr>
+    <a:masterClrMapping/>
+  </p:clrMapOvr>
+</p:sld>
+</file>
+
+<file path=ppt/slides/slide5.xml><?xml version="1.0" encoding="utf-8"?>
+<p:sld xmlns:a="http://schemas.openxmlformats.org/drawingml/2006/main" xmlns:r="http://schemas.openxmlformats.org/officeDocument/2006/relationships" xmlns:p="http://schemas.openxmlformats.org/presentationml/2006/main">
+  <p:cSld>
+    <p:spTree>
+      <p:nvGrpSpPr>
+        <p:cNvPr id="1" name=""/>
+        <p:cNvGrpSpPr/>
+        <p:nvPr/>
+      </p:nvGrpSpPr>
+      <p:grpSpPr>
+        <a:xfrm>
+          <a:off x="0" y="0"/>
+          <a:ext cx="0" cy="0"/>
+          <a:chOff x="0" y="0"/>
+          <a:chExt cx="0" cy="0"/>
+        </a:xfrm>
+      </p:grpSpPr>
+      <p:sp>
+        <p:nvSpPr>
+          <p:cNvPr id="4" name="TextBox 3">
+            <a:extLst>
+              <a:ext uri="{FF2B5EF4-FFF2-40B4-BE49-F238E27FC236}">
+                <a16:creationId xmlns:a16="http://schemas.microsoft.com/office/drawing/2014/main" id="{088ECCC8-5516-6737-3392-B505AF68501F}"/>
+              </a:ext>
+            </a:extLst>
+          </p:cNvPr>
+          <p:cNvSpPr txBox="1"/>
+          <p:nvPr/>
+        </p:nvSpPr>
+        <p:spPr>
+          <a:xfrm>
+            <a:off x="358415" y="1581447"/>
+            <a:ext cx="9069840" cy="3293209"/>
+          </a:xfrm>
+          <a:prstGeom prst="rect">
+            <a:avLst/>
+          </a:prstGeom>
+          <a:noFill/>
+        </p:spPr>
+        <p:txBody>
+          <a:bodyPr wrap="square" rtlCol="0">
+            <a:spAutoFit/>
+          </a:bodyPr>
+          <a:lstStyle/>
+          <a:p>
+            <a:r>
+              <a:rPr lang="en-US" sz="2400" b="1" dirty="0" err="1">
+                <a:solidFill>
+                  <a:srgbClr val="EA5B0C"/>
+                </a:solidFill>
+              </a:rPr>
+              <a:t>Builtins</a:t>
+            </a:r>
+            <a:r>
+              <a:rPr lang="en-US" sz="2400" b="1" dirty="0">
+                <a:solidFill>
+                  <a:srgbClr val="EA5B0C"/>
+                </a:solidFill>
+              </a:rPr>
+              <a:t> </a:t>
+            </a:r>
+            <a:endParaRPr lang="en-US" sz="2400" b="1" dirty="0"/>
+          </a:p>
+          <a:p>
+            <a:pPr marL="342900" indent="-342900">
+              <a:buFont typeface="Arial" panose="020B0604020202020204" pitchFamily="34" charset="0"/>
+              <a:buChar char="•"/>
+            </a:pPr>
+            <a:r>
+              <a:rPr lang="en-US" sz="2000" dirty="0"/>
+              <a:t>Similar to function calls with @ in front of function name</a:t>
+            </a:r>
+          </a:p>
+          <a:p>
+            <a:pPr marL="342900" indent="-342900">
+              <a:buFont typeface="Arial" panose="020B0604020202020204" pitchFamily="34" charset="0"/>
+              <a:buChar char="•"/>
+            </a:pPr>
+            <a:r>
+              <a:rPr lang="en-US" sz="2000" dirty="0"/>
+              <a:t>Language extensions without special syntax</a:t>
+            </a:r>
+          </a:p>
+          <a:p>
+            <a:pPr marL="342900" indent="-342900">
+              <a:buFont typeface="Arial" panose="020B0604020202020204" pitchFamily="34" charset="0"/>
+              <a:buChar char="•"/>
+            </a:pPr>
+            <a:r>
+              <a:rPr lang="en-US" sz="2000" dirty="0"/>
+              <a:t>Used for invoking special compiler functionality</a:t>
+            </a:r>
+          </a:p>
+          <a:p>
+            <a:pPr marL="342900" indent="-342900">
+              <a:buFont typeface="Arial" panose="020B0604020202020204" pitchFamily="34" charset="0"/>
+              <a:buChar char="•"/>
+            </a:pPr>
+            <a:endParaRPr lang="en-US" sz="2000" dirty="0"/>
+          </a:p>
+          <a:p>
+            <a:r>
+              <a:rPr lang="en-US" sz="2400" b="1" dirty="0">
+                <a:solidFill>
+                  <a:srgbClr val="EA5B0C"/>
+                </a:solidFill>
+              </a:rPr>
+              <a:t>Tasks</a:t>
+            </a:r>
+          </a:p>
+          <a:p>
+            <a:pPr marL="347472" indent="-347472">
+              <a:buFont typeface="Arial" panose="020B0604020202020204" pitchFamily="34" charset="0"/>
+              <a:buChar char="•"/>
+            </a:pPr>
+            <a:r>
+              <a:rPr lang="en-US" sz="2000" dirty="0"/>
+              <a:t>Core building blocks of CSL</a:t>
+            </a:r>
+          </a:p>
+          <a:p>
+            <a:pPr marL="347472" indent="-347472">
+              <a:buFont typeface="Arial" panose="020B0604020202020204" pitchFamily="34" charset="0"/>
+              <a:buChar char="•"/>
+            </a:pPr>
+            <a:r>
+              <a:rPr lang="en-US" sz="2000" dirty="0"/>
+              <a:t>Special functions used to implement dataflow programs</a:t>
+            </a:r>
+          </a:p>
+          <a:p>
+            <a:pPr marL="347472" indent="-347472">
+              <a:buFont typeface="Arial" panose="020B0604020202020204" pitchFamily="34" charset="0"/>
+              <a:buChar char="•"/>
+            </a:pPr>
+            <a:r>
+              <a:rPr lang="en-US" sz="2000" dirty="0"/>
+              <a:t>Triggered by incoming wavelets on a specific color</a:t>
+            </a:r>
+          </a:p>
+          <a:p>
+            <a:pPr marL="457200" indent="-457200">
+              <a:buFont typeface="Arial" panose="020B0604020202020204" pitchFamily="34" charset="0"/>
+              <a:buChar char="•"/>
+            </a:pPr>
+            <a:endParaRPr lang="en-US" sz="2000" dirty="0"/>
+          </a:p>
+        </p:txBody>
+      </p:sp>
+      <p:sp>
+        <p:nvSpPr>
+          <p:cNvPr id="2" name="Title 1">
+            <a:extLst>
+              <a:ext uri="{FF2B5EF4-FFF2-40B4-BE49-F238E27FC236}">
+                <a16:creationId xmlns:a16="http://schemas.microsoft.com/office/drawing/2014/main" id="{C7E31FCA-F66E-AA4C-83DD-74D32224C614}"/>
+              </a:ext>
+            </a:extLst>
+          </p:cNvPr>
+          <p:cNvSpPr>
+            <a:spLocks noGrp="1"/>
+          </p:cNvSpPr>
+          <p:nvPr>
+            <p:ph type="title"/>
+          </p:nvPr>
+        </p:nvSpPr>
+        <p:spPr/>
+        <p:txBody>
+          <a:bodyPr/>
+          <a:lstStyle/>
+          <a:p>
+            <a:r>
+              <a:rPr lang="en-US" dirty="0"/>
+              <a:t>Performance Features</a:t>
+            </a:r>
+          </a:p>
+        </p:txBody>
+      </p:sp>
+      <p:pic>
+        <p:nvPicPr>
+          <p:cNvPr id="3" name="Picture 2">
+            <a:extLst>
+              <a:ext uri="{FF2B5EF4-FFF2-40B4-BE49-F238E27FC236}">
+                <a16:creationId xmlns:a16="http://schemas.microsoft.com/office/drawing/2014/main" id="{7A89E8DB-06E5-2AFE-39ED-C4C079D4BF7C}"/>
+              </a:ext>
+            </a:extLst>
+          </p:cNvPr>
+          <p:cNvPicPr>
+            <a:picLocks noChangeAspect="1"/>
+          </p:cNvPicPr>
+          <p:nvPr/>
+        </p:nvPicPr>
+        <p:blipFill>
+          <a:blip r:embed="rId3"/>
+          <a:srcRect/>
+          <a:stretch/>
+        </p:blipFill>
+        <p:spPr>
+          <a:xfrm>
+            <a:off x="7672563" y="1916832"/>
+            <a:ext cx="3909837" cy="1043693"/>
+          </a:xfrm>
+          <a:prstGeom prst="rect">
+            <a:avLst/>
+          </a:prstGeom>
+          <a:ln>
+            <a:solidFill>
+              <a:schemeClr val="tx1"/>
+            </a:solidFill>
+          </a:ln>
+          <a:effectLst>
+            <a:outerShdw blurRad="50800" dist="38100" dir="2700000" algn="tl" rotWithShape="0">
+              <a:prstClr val="black">
+                <a:alpha val="40000"/>
+              </a:prstClr>
+            </a:outerShdw>
+            <a:softEdge rad="0"/>
+          </a:effectLst>
+        </p:spPr>
+      </p:pic>
+      <p:pic>
+        <p:nvPicPr>
+          <p:cNvPr id="5" name="Picture 4">
+            <a:extLst>
+              <a:ext uri="{FF2B5EF4-FFF2-40B4-BE49-F238E27FC236}">
+                <a16:creationId xmlns:a16="http://schemas.microsoft.com/office/drawing/2014/main" id="{E2B6C7F1-5F49-9A32-F876-75C0908C4A90}"/>
+              </a:ext>
+            </a:extLst>
+          </p:cNvPr>
+          <p:cNvPicPr>
+            <a:picLocks noChangeAspect="1"/>
+          </p:cNvPicPr>
+          <p:nvPr/>
+        </p:nvPicPr>
+        <p:blipFill>
+          <a:blip r:embed="rId4"/>
+          <a:srcRect/>
+          <a:stretch/>
+        </p:blipFill>
+        <p:spPr>
+          <a:xfrm>
+            <a:off x="7327041" y="3488650"/>
+            <a:ext cx="4600879" cy="3122305"/>
+          </a:xfrm>
+          <a:prstGeom prst="rect">
+            <a:avLst/>
+          </a:prstGeom>
+          <a:ln>
+            <a:solidFill>
+              <a:schemeClr val="tx1"/>
+            </a:solidFill>
+          </a:ln>
+          <a:effectLst>
+            <a:outerShdw blurRad="50800" dist="38100" dir="2700000" algn="tl" rotWithShape="0">
+              <a:prstClr val="black">
+                <a:alpha val="40000"/>
+              </a:prstClr>
+            </a:outerShdw>
+            <a:softEdge rad="0"/>
+          </a:effectLst>
+        </p:spPr>
+      </p:pic>
+      <p:sp>
+        <p:nvSpPr>
+          <p:cNvPr id="6" name="TextBox 5">
+            <a:extLst>
+              <a:ext uri="{FF2B5EF4-FFF2-40B4-BE49-F238E27FC236}">
+                <a16:creationId xmlns:a16="http://schemas.microsoft.com/office/drawing/2014/main" id="{57EA8A99-0C45-8464-BAF1-8B9E14B3A1E1}"/>
+              </a:ext>
+            </a:extLst>
+          </p:cNvPr>
+          <p:cNvSpPr txBox="1"/>
+          <p:nvPr/>
+        </p:nvSpPr>
+        <p:spPr>
+          <a:xfrm>
+            <a:off x="7672564" y="2424823"/>
+            <a:ext cx="673424" cy="338554"/>
+          </a:xfrm>
+          <a:prstGeom prst="rect">
+            <a:avLst/>
+          </a:prstGeom>
+          <a:solidFill>
+            <a:schemeClr val="bg1"/>
+          </a:solidFill>
+        </p:spPr>
+        <p:txBody>
+          <a:bodyPr wrap="square" rtlCol="0">
+            <a:spAutoFit/>
+          </a:bodyPr>
+          <a:lstStyle/>
+          <a:p>
+            <a:pPr algn="r"/>
+            <a:r>
+              <a:rPr lang="en-US" sz="1600" dirty="0">
+                <a:solidFill>
+                  <a:srgbClr val="0070C0"/>
+                </a:solidFill>
+                <a:latin typeface="Consolas" panose="020B0609020204030204" pitchFamily="49" charset="0"/>
+                <a:cs typeface="Consolas" panose="020B0609020204030204" pitchFamily="49" charset="0"/>
+              </a:rPr>
+              <a:t>var</a:t>
+            </a:r>
+          </a:p>
+        </p:txBody>
+      </p:sp>
+    </p:spTree>
+    <p:extLst>
+      <p:ext uri="{BB962C8B-B14F-4D97-AF65-F5344CB8AC3E}">
+        <p14:creationId xmlns:p14="http://schemas.microsoft.com/office/powerpoint/2010/main" val="1044280534"/>
+      </p:ext>
+    </p:extLst>
+  </p:cSld>
+  <p:clrMapOvr>
+    <a:masterClrMapping/>
+  </p:clrMapOvr>
+</p:sld>
+</file>
+
+<file path=ppt/slides/slide6.xml><?xml version="1.0" encoding="utf-8"?>
+<p:sld xmlns:a="http://schemas.openxmlformats.org/drawingml/2006/main" xmlns:r="http://schemas.openxmlformats.org/officeDocument/2006/relationships" xmlns:p="http://schemas.openxmlformats.org/presentationml/2006/main">
+  <p:cSld>
+    <p:spTree>
+      <p:nvGrpSpPr>
+        <p:cNvPr id="1" name=""/>
+        <p:cNvGrpSpPr/>
+        <p:nvPr/>
+      </p:nvGrpSpPr>
+      <p:grpSpPr>
+        <a:xfrm>
+          <a:off x="0" y="0"/>
+          <a:ext cx="0" cy="0"/>
+          <a:chOff x="0" y="0"/>
+          <a:chExt cx="0" cy="0"/>
+        </a:xfrm>
+      </p:grpSpPr>
+      <p:sp>
+        <p:nvSpPr>
+          <p:cNvPr id="4" name="TextBox 3">
+            <a:extLst>
+              <a:ext uri="{FF2B5EF4-FFF2-40B4-BE49-F238E27FC236}">
+                <a16:creationId xmlns:a16="http://schemas.microsoft.com/office/drawing/2014/main" id="{088ECCC8-5516-6737-3392-B505AF68501F}"/>
+              </a:ext>
+            </a:extLst>
+          </p:cNvPr>
+          <p:cNvSpPr txBox="1"/>
+          <p:nvPr/>
+        </p:nvSpPr>
+        <p:spPr>
+          <a:xfrm>
+            <a:off x="479376" y="1340768"/>
+            <a:ext cx="10807200" cy="2000548"/>
+          </a:xfrm>
+          <a:prstGeom prst="rect">
+            <a:avLst/>
+          </a:prstGeom>
+          <a:noFill/>
+        </p:spPr>
+        <p:txBody>
+          <a:bodyPr wrap="square" rtlCol="0">
+            <a:spAutoFit/>
+          </a:bodyPr>
+          <a:lstStyle/>
+          <a:p>
+            <a:r>
+              <a:rPr lang="en-US" sz="2400" b="1" dirty="0">
+                <a:solidFill>
+                  <a:srgbClr val="EA5B0C"/>
+                </a:solidFill>
+              </a:rPr>
+              <a:t>Data Structure Descriptors (DSDs)</a:t>
+            </a:r>
+            <a:endParaRPr lang="en-US" sz="2000" dirty="0"/>
+          </a:p>
+          <a:p>
+            <a:pPr marL="347472" indent="-347472">
+              <a:buFont typeface="Arial" panose="020B0604020202020204" pitchFamily="34" charset="0"/>
+              <a:buChar char="•"/>
+            </a:pPr>
+            <a:r>
+              <a:rPr lang="en-US" sz="2000" dirty="0"/>
+              <a:t>Provide a mechanism to consider an array, and an access pattern, as a complete unit</a:t>
+            </a:r>
+          </a:p>
+          <a:p>
+            <a:pPr marL="342900" indent="-342900">
+              <a:buFont typeface="Arial" panose="020B0604020202020204" pitchFamily="34" charset="0"/>
+              <a:buChar char="•"/>
+            </a:pPr>
+            <a:r>
+              <a:rPr lang="en-US" sz="2000" dirty="0"/>
+              <a:t>Operations using DSDs run for multiple cycles to complete an instruction on all data referenced by the DSD</a:t>
+            </a:r>
+          </a:p>
+          <a:p>
+            <a:pPr marL="342900" indent="-342900">
+              <a:buFont typeface="Arial" panose="020B0604020202020204" pitchFamily="34" charset="0"/>
+              <a:buChar char="•"/>
+            </a:pPr>
+            <a:r>
+              <a:rPr lang="en-US" sz="2000" dirty="0"/>
+              <a:t>Performance </a:t>
+            </a:r>
+            <a:r>
+              <a:rPr lang="en-US" sz="2000" i="1" dirty="0"/>
+              <a:t>and</a:t>
+            </a:r>
+            <a:r>
+              <a:rPr lang="en-US" sz="2000" dirty="0"/>
+              <a:t> ease of use: lifts level of program to talking about whole structures, while lowering cost of computing indexing into hardware</a:t>
+            </a:r>
+          </a:p>
+        </p:txBody>
+      </p:sp>
+      <p:sp>
+        <p:nvSpPr>
+          <p:cNvPr id="2" name="Title 1">
+            <a:extLst>
+              <a:ext uri="{FF2B5EF4-FFF2-40B4-BE49-F238E27FC236}">
+                <a16:creationId xmlns:a16="http://schemas.microsoft.com/office/drawing/2014/main" id="{C7E31FCA-F66E-AA4C-83DD-74D32224C614}"/>
+              </a:ext>
+            </a:extLst>
+          </p:cNvPr>
+          <p:cNvSpPr>
+            <a:spLocks noGrp="1"/>
+          </p:cNvSpPr>
+          <p:nvPr>
+            <p:ph type="title"/>
+          </p:nvPr>
+        </p:nvSpPr>
+        <p:spPr/>
+        <p:txBody>
+          <a:bodyPr/>
+          <a:lstStyle/>
+          <a:p>
+            <a:r>
+              <a:rPr lang="en-US" dirty="0"/>
+              <a:t>Performance Features</a:t>
+            </a:r>
+          </a:p>
+        </p:txBody>
+      </p:sp>
+      <p:pic>
+        <p:nvPicPr>
+          <p:cNvPr id="6" name="Picture 5">
+            <a:extLst>
+              <a:ext uri="{FF2B5EF4-FFF2-40B4-BE49-F238E27FC236}">
+                <a16:creationId xmlns:a16="http://schemas.microsoft.com/office/drawing/2014/main" id="{BAC3AA06-61F7-3985-822F-33594E5F9FB6}"/>
+              </a:ext>
+            </a:extLst>
+          </p:cNvPr>
+          <p:cNvPicPr>
+            <a:picLocks noChangeAspect="1"/>
+          </p:cNvPicPr>
+          <p:nvPr/>
+        </p:nvPicPr>
+        <p:blipFill>
+          <a:blip r:embed="rId3"/>
+          <a:srcRect/>
+          <a:stretch/>
+        </p:blipFill>
+        <p:spPr>
+          <a:xfrm>
+            <a:off x="1997408" y="3454320"/>
+            <a:ext cx="7771136" cy="2445951"/>
+          </a:xfrm>
+          <a:prstGeom prst="rect">
+            <a:avLst/>
+          </a:prstGeom>
+          <a:ln>
+            <a:solidFill>
+              <a:schemeClr val="tx1"/>
+            </a:solidFill>
+          </a:ln>
+          <a:effectLst>
+            <a:outerShdw blurRad="50800" dist="38100" dir="2700000" algn="tl" rotWithShape="0">
+              <a:prstClr val="black">
+                <a:alpha val="40000"/>
+              </a:prstClr>
+            </a:outerShdw>
+            <a:softEdge rad="0"/>
+          </a:effectLst>
+        </p:spPr>
+      </p:pic>
+      <p:sp>
+        <p:nvSpPr>
+          <p:cNvPr id="7" name="Content Placeholder 2">
+            <a:extLst>
+              <a:ext uri="{FF2B5EF4-FFF2-40B4-BE49-F238E27FC236}">
+                <a16:creationId xmlns:a16="http://schemas.microsoft.com/office/drawing/2014/main" id="{90433DC0-3229-8187-8CCA-BA76E6AA7874}"/>
+              </a:ext>
+            </a:extLst>
+          </p:cNvPr>
+          <p:cNvSpPr txBox="1">
+            <a:spLocks/>
+          </p:cNvSpPr>
+          <p:nvPr/>
+        </p:nvSpPr>
+        <p:spPr>
+          <a:xfrm>
+            <a:off x="770976" y="6045934"/>
+            <a:ext cx="10515600" cy="648683"/>
+          </a:xfrm>
+          <a:prstGeom prst="rect">
+            <a:avLst/>
+          </a:prstGeom>
+        </p:spPr>
+        <p:txBody>
+          <a:bodyPr vert="horz" lIns="91440" tIns="45720" rIns="91440" bIns="45720" rtlCol="0" anchor="t">
+            <a:noAutofit/>
+          </a:bodyPr>
+          <a:lstStyle>
+            <a:lvl1pPr marL="228600" indent="-228600" algn="l" defTabSz="914400" rtl="0" eaLnBrk="1" latinLnBrk="0" hangingPunct="1">
+              <a:lnSpc>
+                <a:spcPct val="90000"/>
+              </a:lnSpc>
+              <a:spcBef>
+                <a:spcPts val="1000"/>
+              </a:spcBef>
+              <a:buFont typeface="Arial" panose="020B0604020202020204" pitchFamily="34" charset="0"/>
+              <a:buChar char="•"/>
+              <a:defRPr sz="2000" b="0" i="0" kern="1200">
+                <a:solidFill>
+                  <a:schemeClr val="tx1"/>
+                </a:solidFill>
+                <a:latin typeface="Arial" panose="020B0604020202020204" pitchFamily="34" charset="0"/>
+                <a:ea typeface="+mn-ea"/>
+                <a:cs typeface="Arial" panose="020B0604020202020204" pitchFamily="34" charset="0"/>
+              </a:defRPr>
+            </a:lvl1pPr>
+            <a:lvl2pPr marL="685800" indent="-228600" algn="l" defTabSz="914400" rtl="0" eaLnBrk="1" latinLnBrk="0" hangingPunct="1">
+              <a:lnSpc>
+                <a:spcPct val="90000"/>
+              </a:lnSpc>
+              <a:spcBef>
+                <a:spcPts val="500"/>
+              </a:spcBef>
+              <a:buFont typeface="Arial" panose="020B0604020202020204" pitchFamily="34" charset="0"/>
+              <a:buChar char="•"/>
+              <a:defRPr sz="1800" b="0" i="0" kern="1200">
+                <a:solidFill>
+                  <a:schemeClr val="tx1"/>
+                </a:solidFill>
+                <a:latin typeface="Arial" panose="020B0604020202020204" pitchFamily="34" charset="0"/>
+                <a:ea typeface="+mn-ea"/>
+                <a:cs typeface="Arial" panose="020B0604020202020204" pitchFamily="34" charset="0"/>
+              </a:defRPr>
+            </a:lvl2pPr>
+            <a:lvl3pPr marL="1143000" indent="-228600" algn="l" defTabSz="914400" rtl="0" eaLnBrk="1" latinLnBrk="0" hangingPunct="1">
+              <a:lnSpc>
+                <a:spcPct val="90000"/>
+              </a:lnSpc>
+              <a:spcBef>
+                <a:spcPts val="500"/>
+              </a:spcBef>
+              <a:buFont typeface="Arial" panose="020B0604020202020204" pitchFamily="34" charset="0"/>
+              <a:buChar char="•"/>
+              <a:defRPr sz="1600" b="0" i="0" kern="1200">
+                <a:solidFill>
+                  <a:schemeClr val="tx1"/>
+                </a:solidFill>
+                <a:latin typeface="Arial" panose="020B0604020202020204" pitchFamily="34" charset="0"/>
+                <a:ea typeface="+mn-ea"/>
+                <a:cs typeface="Arial" panose="020B0604020202020204" pitchFamily="34" charset="0"/>
+              </a:defRPr>
+            </a:lvl3pPr>
+            <a:lvl4pPr marL="1600200" indent="-228600" algn="l" defTabSz="914400" rtl="0" eaLnBrk="1" latinLnBrk="0" hangingPunct="1">
+              <a:lnSpc>
+                <a:spcPct val="90000"/>
+              </a:lnSpc>
+              <a:spcBef>
+                <a:spcPts val="500"/>
+              </a:spcBef>
+              <a:buFont typeface="Arial" panose="020B0604020202020204" pitchFamily="34" charset="0"/>
+              <a:buChar char="•"/>
+              <a:defRPr sz="1400" b="0" i="0" kern="1200">
+                <a:solidFill>
+                  <a:schemeClr val="tx1"/>
+                </a:solidFill>
+                <a:latin typeface="Arial" panose="020B0604020202020204" pitchFamily="34" charset="0"/>
+                <a:ea typeface="+mn-ea"/>
+                <a:cs typeface="Arial" panose="020B0604020202020204" pitchFamily="34" charset="0"/>
+              </a:defRPr>
+            </a:lvl4pPr>
+            <a:lvl5pPr marL="2057400" indent="-228600" algn="l" defTabSz="914400" rtl="0" eaLnBrk="1" latinLnBrk="0" hangingPunct="1">
+              <a:lnSpc>
+                <a:spcPct val="90000"/>
+              </a:lnSpc>
+              <a:spcBef>
+                <a:spcPts val="500"/>
+              </a:spcBef>
+              <a:buFont typeface="Arial" panose="020B0604020202020204" pitchFamily="34" charset="0"/>
+              <a:buChar char="•"/>
+              <a:defRPr sz="1200" b="0" i="0" kern="1200">
+                <a:solidFill>
+                  <a:schemeClr val="tx1"/>
+                </a:solidFill>
+                <a:latin typeface="Arial" panose="020B0604020202020204" pitchFamily="34" charset="0"/>
+                <a:ea typeface="+mn-ea"/>
+                <a:cs typeface="Arial" panose="020B0604020202020204" pitchFamily="34" charset="0"/>
+              </a:defRPr>
+            </a:lvl5pPr>
+            <a:lvl6pPr marL="2514600" indent="-228600" algn="l" defTabSz="914400" rtl="0" eaLnBrk="1" latinLnBrk="0" hangingPunct="1">
+              <a:lnSpc>
+                <a:spcPct val="90000"/>
+              </a:lnSpc>
+              <a:spcBef>
+                <a:spcPts val="500"/>
+              </a:spcBef>
+              <a:buFont typeface="Arial" panose="020B0604020202020204" pitchFamily="34" charset="0"/>
+              <a:buChar char="•"/>
+              <a:defRPr sz="1800" kern="1200">
+                <a:solidFill>
+                  <a:schemeClr val="tx1"/>
+                </a:solidFill>
+                <a:latin typeface="+mn-lt"/>
+                <a:ea typeface="+mn-ea"/>
+                <a:cs typeface="+mn-cs"/>
+              </a:defRPr>
+            </a:lvl6pPr>
+            <a:lvl7pPr marL="2971800" indent="-228600" algn="l" defTabSz="914400" rtl="0" eaLnBrk="1" latinLnBrk="0" hangingPunct="1">
+              <a:lnSpc>
+                <a:spcPct val="90000"/>
+              </a:lnSpc>
+              <a:spcBef>
+                <a:spcPts val="500"/>
+              </a:spcBef>
+              <a:buFont typeface="Arial" panose="020B0604020202020204" pitchFamily="34" charset="0"/>
+              <a:buChar char="•"/>
+              <a:defRPr sz="1800" kern="1200">
+                <a:solidFill>
+                  <a:schemeClr val="tx1"/>
+                </a:solidFill>
+                <a:latin typeface="+mn-lt"/>
+                <a:ea typeface="+mn-ea"/>
+                <a:cs typeface="+mn-cs"/>
+              </a:defRPr>
+            </a:lvl7pPr>
+            <a:lvl8pPr marL="3429000" indent="-228600" algn="l" defTabSz="914400" rtl="0" eaLnBrk="1" latinLnBrk="0" hangingPunct="1">
+              <a:lnSpc>
+                <a:spcPct val="90000"/>
+              </a:lnSpc>
+              <a:spcBef>
+                <a:spcPts val="500"/>
+              </a:spcBef>
+              <a:buFont typeface="Arial" panose="020B0604020202020204" pitchFamily="34" charset="0"/>
+              <a:buChar char="•"/>
+              <a:defRPr sz="1800" kern="1200">
+                <a:solidFill>
+                  <a:schemeClr val="tx1"/>
+                </a:solidFill>
+                <a:latin typeface="+mn-lt"/>
+                <a:ea typeface="+mn-ea"/>
+                <a:cs typeface="+mn-cs"/>
+              </a:defRPr>
+            </a:lvl8pPr>
+            <a:lvl9pPr marL="3886200" indent="-228600" algn="l" defTabSz="914400" rtl="0" eaLnBrk="1" latinLnBrk="0" hangingPunct="1">
+              <a:lnSpc>
+                <a:spcPct val="90000"/>
+              </a:lnSpc>
+              <a:spcBef>
+                <a:spcPts val="500"/>
+              </a:spcBef>
+              <a:buFont typeface="Arial" panose="020B0604020202020204" pitchFamily="34" charset="0"/>
+              <a:buChar char="•"/>
+              <a:defRPr sz="1800" kern="1200">
+                <a:solidFill>
+                  <a:schemeClr val="tx1"/>
+                </a:solidFill>
+                <a:latin typeface="+mn-lt"/>
+                <a:ea typeface="+mn-ea"/>
+                <a:cs typeface="+mn-cs"/>
+              </a:defRPr>
+            </a:lvl9pPr>
+          </a:lstStyle>
+          <a:p>
+            <a:pPr marL="0" indent="0">
+              <a:buFont typeface="Arial" panose="020B0604020202020204" pitchFamily="34" charset="0"/>
+              <a:buNone/>
+            </a:pPr>
+            <a:r>
+              <a:rPr lang="en-US"/>
+              <a:t>DSDs are a </a:t>
+            </a:r>
+            <a:r>
+              <a:rPr lang="en-US" b="1" i="1"/>
+              <a:t>unifying concept</a:t>
+            </a:r>
+            <a:r>
+              <a:rPr lang="en-US"/>
+              <a:t> that provides for complex memory reads and writes and fabric reads and writes</a:t>
+            </a:r>
+          </a:p>
+          <a:p>
+            <a:endParaRPr lang="en-US"/>
+          </a:p>
+        </p:txBody>
+      </p:sp>
+    </p:spTree>
+    <p:extLst>
+      <p:ext uri="{BB962C8B-B14F-4D97-AF65-F5344CB8AC3E}">
+        <p14:creationId xmlns:p14="http://schemas.microsoft.com/office/powerpoint/2010/main" val="2547759674"/>
+      </p:ext>
+    </p:extLst>
+  </p:cSld>
+  <p:clrMapOvr>
+    <a:masterClrMapping/>
+  </p:clrMapOvr>
+</p:sld>
+</file>
+
+<file path=ppt/slides/slide7.xml><?xml version="1.0" encoding="utf-8"?>
+<p:sld xmlns:a="http://schemas.openxmlformats.org/drawingml/2006/main" xmlns:r="http://schemas.openxmlformats.org/officeDocument/2006/relationships" xmlns:p="http://schemas.openxmlformats.org/presentationml/2006/main">
+  <p:cSld>
+    <p:spTree>
+      <p:nvGrpSpPr>
+        <p:cNvPr id="1" name=""/>
+        <p:cNvGrpSpPr/>
+        <p:nvPr/>
+      </p:nvGrpSpPr>
+      <p:grpSpPr>
+        <a:xfrm>
+          <a:off x="0" y="0"/>
+          <a:ext cx="0" cy="0"/>
+          <a:chOff x="0" y="0"/>
+          <a:chExt cx="0" cy="0"/>
+        </a:xfrm>
+      </p:grpSpPr>
+      <p:sp>
+        <p:nvSpPr>
+          <p:cNvPr id="2" name="Title 1">
+            <a:extLst>
+              <a:ext uri="{FF2B5EF4-FFF2-40B4-BE49-F238E27FC236}">
+                <a16:creationId xmlns:a16="http://schemas.microsoft.com/office/drawing/2014/main" id="{049770CC-295A-8645-5D1F-9DD564BF9CC7}"/>
+              </a:ext>
+            </a:extLst>
+          </p:cNvPr>
+          <p:cNvSpPr>
+            <a:spLocks noGrp="1"/>
+          </p:cNvSpPr>
+          <p:nvPr>
+            <p:ph type="title"/>
+          </p:nvPr>
+        </p:nvSpPr>
+        <p:spPr/>
+        <p:txBody>
+          <a:bodyPr/>
+          <a:lstStyle/>
+          <a:p>
+            <a:r>
+              <a:rPr lang="en-GB" dirty="0"/>
+              <a:t>Let’s get to programming the machine….</a:t>
+            </a:r>
+          </a:p>
+        </p:txBody>
+      </p:sp>
+      <p:sp>
+        <p:nvSpPr>
+          <p:cNvPr id="3" name="Content Placeholder 2">
+            <a:extLst>
+              <a:ext uri="{FF2B5EF4-FFF2-40B4-BE49-F238E27FC236}">
+                <a16:creationId xmlns:a16="http://schemas.microsoft.com/office/drawing/2014/main" id="{B0D4D97A-D25F-5DDB-7DFB-9A6AD6A7AF07}"/>
+              </a:ext>
+            </a:extLst>
+          </p:cNvPr>
+          <p:cNvSpPr>
+            <a:spLocks noGrp="1"/>
+          </p:cNvSpPr>
+          <p:nvPr>
+            <p:ph idx="1"/>
+          </p:nvPr>
+        </p:nvSpPr>
+        <p:spPr>
+          <a:xfrm>
+            <a:off x="609600" y="1600200"/>
+            <a:ext cx="10972800" cy="846304"/>
+          </a:xfrm>
+        </p:spPr>
+        <p:txBody>
+          <a:bodyPr/>
+          <a:lstStyle/>
+          <a:p>
+            <a:r>
+              <a:rPr lang="en-GB" dirty="0"/>
+              <a:t>Step one – using the visitor account assigned to you, login to our CS-2 host machine</a:t>
+            </a:r>
+          </a:p>
+        </p:txBody>
+      </p:sp>
+      <p:sp>
+        <p:nvSpPr>
+          <p:cNvPr id="4" name="TextBox 3">
+            <a:extLst>
+              <a:ext uri="{FF2B5EF4-FFF2-40B4-BE49-F238E27FC236}">
+                <a16:creationId xmlns:a16="http://schemas.microsoft.com/office/drawing/2014/main" id="{72F8C03D-ED7A-5ACD-65A5-FABE3A3E9FEF}"/>
+              </a:ext>
+            </a:extLst>
+          </p:cNvPr>
+          <p:cNvSpPr txBox="1"/>
+          <p:nvPr/>
+        </p:nvSpPr>
+        <p:spPr>
+          <a:xfrm>
+            <a:off x="609600" y="2564904"/>
+            <a:ext cx="10972800" cy="338554"/>
+          </a:xfrm>
+          <a:prstGeom prst="rect">
+            <a:avLst/>
+          </a:prstGeom>
+          <a:solidFill>
+            <a:schemeClr val="tx1"/>
+          </a:solidFill>
+        </p:spPr>
+        <p:txBody>
+          <a:bodyPr wrap="square" rtlCol="0">
+            <a:spAutoFit/>
+          </a:bodyPr>
+          <a:lstStyle/>
+          <a:p>
+            <a:r>
+              <a:rPr lang="en-GB" sz="1600" dirty="0" err="1">
+                <a:solidFill>
+                  <a:schemeClr val="bg1"/>
+                </a:solidFill>
+                <a:latin typeface="Courier New" panose="02070309020205020404" pitchFamily="49" charset="0"/>
+                <a:cs typeface="Courier New" panose="02070309020205020404" pitchFamily="49" charset="0"/>
+              </a:rPr>
+              <a:t>ssh</a:t>
+            </a:r>
+            <a:r>
+              <a:rPr lang="en-GB" sz="1600" dirty="0">
+                <a:solidFill>
+                  <a:schemeClr val="bg1"/>
+                </a:solidFill>
+                <a:latin typeface="Courier New" panose="02070309020205020404" pitchFamily="49" charset="0"/>
+                <a:cs typeface="Courier New" panose="02070309020205020404" pitchFamily="49" charset="0"/>
+              </a:rPr>
+              <a:t> vistor01@sdf-cs1.epcc.ed.ac.uk</a:t>
+            </a:r>
+          </a:p>
+        </p:txBody>
+      </p:sp>
+      <p:sp>
+        <p:nvSpPr>
+          <p:cNvPr id="5" name="Content Placeholder 2">
+            <a:extLst>
+              <a:ext uri="{FF2B5EF4-FFF2-40B4-BE49-F238E27FC236}">
+                <a16:creationId xmlns:a16="http://schemas.microsoft.com/office/drawing/2014/main" id="{32EF770B-1839-AC38-FB6E-38AF13500129}"/>
+              </a:ext>
+            </a:extLst>
+          </p:cNvPr>
+          <p:cNvSpPr txBox="1">
+            <a:spLocks/>
+          </p:cNvSpPr>
+          <p:nvPr/>
+        </p:nvSpPr>
+        <p:spPr>
+          <a:xfrm>
+            <a:off x="609600" y="3240869"/>
+            <a:ext cx="10972800" cy="1302998"/>
+          </a:xfrm>
+          <a:prstGeom prst="rect">
+            <a:avLst/>
+          </a:prstGeom>
+        </p:spPr>
+        <p:txBody>
+          <a:bodyPr vert="horz" lIns="91440" tIns="45720" rIns="91440" bIns="45720" rtlCol="0">
+            <a:normAutofit/>
+          </a:bodyPr>
+          <a:lstStyle>
+            <a:lvl1pPr marL="182880" indent="-182880" algn="l" defTabSz="914400" rtl="0" eaLnBrk="1" latinLnBrk="0" hangingPunct="1">
+              <a:spcBef>
+                <a:spcPct val="20000"/>
+              </a:spcBef>
+              <a:buClr>
+                <a:schemeClr val="accent1"/>
+              </a:buClr>
+              <a:buSzPct val="85000"/>
+              <a:buFont typeface="Arial" pitchFamily="34" charset="0"/>
+              <a:buChar char="•"/>
+              <a:defRPr sz="2400" kern="1200">
+                <a:solidFill>
+                  <a:schemeClr val="tx1"/>
+                </a:solidFill>
+                <a:latin typeface="+mn-lt"/>
+                <a:ea typeface="+mn-ea"/>
+                <a:cs typeface="+mn-cs"/>
+              </a:defRPr>
+            </a:lvl1pPr>
+            <a:lvl2pPr marL="457200" indent="-182880" algn="l" defTabSz="914400" rtl="0" eaLnBrk="1" latinLnBrk="0" hangingPunct="1">
+              <a:spcBef>
+                <a:spcPct val="20000"/>
+              </a:spcBef>
+              <a:buClr>
+                <a:schemeClr val="accent1"/>
+              </a:buClr>
+              <a:buSzPct val="85000"/>
+              <a:buFont typeface="Arial" pitchFamily="34" charset="0"/>
+              <a:buChar char="•"/>
+              <a:defRPr sz="2000" kern="1200">
+                <a:solidFill>
+                  <a:schemeClr val="tx1"/>
+                </a:solidFill>
+                <a:latin typeface="+mn-lt"/>
+                <a:ea typeface="+mn-ea"/>
+                <a:cs typeface="+mn-cs"/>
+              </a:defRPr>
+            </a:lvl2pPr>
+            <a:lvl3pPr marL="731520" indent="-182880" algn="l" defTabSz="914400" rtl="0" eaLnBrk="1" latinLnBrk="0" hangingPunct="1">
+              <a:spcBef>
+                <a:spcPct val="20000"/>
+              </a:spcBef>
+              <a:buClr>
+                <a:schemeClr val="accent1"/>
+              </a:buClr>
+              <a:buSzPct val="90000"/>
+              <a:buFont typeface="Arial" pitchFamily="34" charset="0"/>
+              <a:buChar char="•"/>
+              <a:defRPr sz="1800" kern="1200">
+                <a:solidFill>
+                  <a:schemeClr val="tx1"/>
+                </a:solidFill>
+                <a:latin typeface="+mn-lt"/>
+                <a:ea typeface="+mn-ea"/>
+                <a:cs typeface="+mn-cs"/>
+              </a:defRPr>
+            </a:lvl3pPr>
+            <a:lvl4pPr marL="1005840" indent="-182880" algn="l" defTabSz="914400" rtl="0" eaLnBrk="1" latinLnBrk="0" hangingPunct="1">
+              <a:spcBef>
+                <a:spcPct val="20000"/>
+              </a:spcBef>
+              <a:buClr>
+                <a:schemeClr val="accent1"/>
+              </a:buClr>
+              <a:buFont typeface="Arial" pitchFamily="34" charset="0"/>
+              <a:buChar char="•"/>
+              <a:defRPr sz="1600" kern="1200">
+                <a:solidFill>
+                  <a:schemeClr val="tx1"/>
+                </a:solidFill>
+                <a:latin typeface="+mn-lt"/>
+                <a:ea typeface="+mn-ea"/>
+                <a:cs typeface="+mn-cs"/>
+              </a:defRPr>
+            </a:lvl4pPr>
+            <a:lvl5pPr marL="1188720" indent="-137160" algn="l" defTabSz="914400" rtl="0" eaLnBrk="1" latinLnBrk="0" hangingPunct="1">
+              <a:spcBef>
+                <a:spcPct val="20000"/>
+              </a:spcBef>
+              <a:buClr>
+                <a:schemeClr val="accent1"/>
+              </a:buClr>
+              <a:buSzPct val="100000"/>
+              <a:buFont typeface="Arial" pitchFamily="34" charset="0"/>
+              <a:buChar char="•"/>
+              <a:defRPr sz="1400" kern="1200" baseline="0">
+                <a:solidFill>
+                  <a:schemeClr val="tx1"/>
+                </a:solidFill>
+                <a:latin typeface="+mn-lt"/>
+                <a:ea typeface="+mn-ea"/>
+                <a:cs typeface="+mn-cs"/>
+              </a:defRPr>
+            </a:lvl5pPr>
+            <a:lvl6pPr marL="1371600" indent="-182880" algn="l" defTabSz="914400" rtl="0" eaLnBrk="1" latinLnBrk="0" hangingPunct="1">
+              <a:spcBef>
+                <a:spcPct val="20000"/>
+              </a:spcBef>
+              <a:buClr>
+                <a:schemeClr val="accent1"/>
+              </a:buClr>
+              <a:buFont typeface="Arial" pitchFamily="34" charset="0"/>
+              <a:buChar char="•"/>
+              <a:defRPr sz="1300" kern="1200">
+                <a:solidFill>
+                  <a:schemeClr val="tx1"/>
+                </a:solidFill>
+                <a:latin typeface="+mn-lt"/>
+                <a:ea typeface="+mn-ea"/>
+                <a:cs typeface="+mn-cs"/>
+              </a:defRPr>
+            </a:lvl6pPr>
+            <a:lvl7pPr marL="1554480" indent="-182880" algn="l" defTabSz="914400" rtl="0" eaLnBrk="1" latinLnBrk="0" hangingPunct="1">
+              <a:spcBef>
+                <a:spcPct val="20000"/>
+              </a:spcBef>
+              <a:buClr>
+                <a:schemeClr val="accent1"/>
+              </a:buClr>
+              <a:buFont typeface="Arial" pitchFamily="34" charset="0"/>
+              <a:buChar char="•"/>
+              <a:defRPr sz="1300" kern="1200">
+                <a:solidFill>
+                  <a:schemeClr val="tx1"/>
+                </a:solidFill>
+                <a:latin typeface="+mn-lt"/>
+                <a:ea typeface="+mn-ea"/>
+                <a:cs typeface="+mn-cs"/>
+              </a:defRPr>
+            </a:lvl7pPr>
+            <a:lvl8pPr marL="1737360" indent="-182880" algn="l" defTabSz="914400" rtl="0" eaLnBrk="1" latinLnBrk="0" hangingPunct="1">
+              <a:spcBef>
+                <a:spcPct val="20000"/>
+              </a:spcBef>
+              <a:buClr>
+                <a:schemeClr val="accent1"/>
+              </a:buClr>
+              <a:buFont typeface="Arial" pitchFamily="34" charset="0"/>
+              <a:buChar char="•"/>
+              <a:defRPr sz="1300" kern="1200">
+                <a:solidFill>
+                  <a:schemeClr val="tx1"/>
+                </a:solidFill>
+                <a:latin typeface="+mn-lt"/>
+                <a:ea typeface="+mn-ea"/>
+                <a:cs typeface="+mn-cs"/>
+              </a:defRPr>
+            </a:lvl8pPr>
+            <a:lvl9pPr marL="1920240" indent="-182880" algn="l" defTabSz="914400" rtl="0" eaLnBrk="1" latinLnBrk="0" hangingPunct="1">
+              <a:spcBef>
+                <a:spcPct val="20000"/>
+              </a:spcBef>
+              <a:buClr>
+                <a:schemeClr val="accent1"/>
+              </a:buClr>
+              <a:buFont typeface="Arial" pitchFamily="34" charset="0"/>
+              <a:buChar char="•"/>
+              <a:defRPr sz="1300" kern="1200">
+                <a:solidFill>
+                  <a:schemeClr val="tx1"/>
+                </a:solidFill>
+                <a:latin typeface="+mn-lt"/>
+                <a:ea typeface="+mn-ea"/>
+                <a:cs typeface="+mn-cs"/>
+              </a:defRPr>
+            </a:lvl9pPr>
+          </a:lstStyle>
+          <a:p>
+            <a:r>
+              <a:rPr lang="en-GB" dirty="0"/>
+              <a:t>We are now logged into the host machine that connects to the CS-2</a:t>
+            </a:r>
+          </a:p>
+          <a:p>
+            <a:r>
+              <a:rPr lang="en-GB" dirty="0"/>
+              <a:t>Step two – cd into the </a:t>
+            </a:r>
+            <a:r>
+              <a:rPr lang="en-GB" i="1" dirty="0"/>
+              <a:t>cs2-sdk-training/</a:t>
+            </a:r>
+            <a:r>
+              <a:rPr lang="en-GB" i="1" dirty="0" err="1"/>
+              <a:t>practicals</a:t>
+            </a:r>
+            <a:r>
+              <a:rPr lang="en-GB" i="1" dirty="0"/>
+              <a:t>/walk-through </a:t>
+            </a:r>
+            <a:r>
+              <a:rPr lang="en-GB" dirty="0"/>
+              <a:t>which we will be working in for this part of the tutorial</a:t>
+            </a:r>
+            <a:endParaRPr lang="en-GB" i="1" dirty="0"/>
+          </a:p>
+        </p:txBody>
+      </p:sp>
+      <p:sp>
+        <p:nvSpPr>
+          <p:cNvPr id="6" name="TextBox 5">
+            <a:extLst>
+              <a:ext uri="{FF2B5EF4-FFF2-40B4-BE49-F238E27FC236}">
+                <a16:creationId xmlns:a16="http://schemas.microsoft.com/office/drawing/2014/main" id="{8B3B549C-4FAC-A1D1-CBB7-5B1A93F94F62}"/>
+              </a:ext>
+            </a:extLst>
+          </p:cNvPr>
+          <p:cNvSpPr txBox="1"/>
+          <p:nvPr/>
+        </p:nvSpPr>
+        <p:spPr>
+          <a:xfrm>
+            <a:off x="609600" y="4662527"/>
+            <a:ext cx="10972800" cy="1077218"/>
+          </a:xfrm>
+          <a:prstGeom prst="rect">
+            <a:avLst/>
+          </a:prstGeom>
+          <a:solidFill>
+            <a:schemeClr val="tx1"/>
+          </a:solidFill>
+        </p:spPr>
+        <p:txBody>
+          <a:bodyPr wrap="square" rtlCol="0">
+            <a:spAutoFit/>
+          </a:bodyPr>
+          <a:lstStyle/>
+          <a:p>
+            <a:r>
+              <a:rPr lang="en-GB" sz="1600" dirty="0">
+                <a:solidFill>
+                  <a:schemeClr val="bg1"/>
+                </a:solidFill>
+                <a:latin typeface="Courier New" panose="02070309020205020404" pitchFamily="49" charset="0"/>
+                <a:cs typeface="Courier New" panose="02070309020205020404" pitchFamily="49" charset="0"/>
+              </a:rPr>
+              <a:t>[vistor01@sdf-cs1 ~]$ cd cs2-sdk-training/</a:t>
+            </a:r>
+            <a:r>
+              <a:rPr lang="en-GB" sz="1600" dirty="0" err="1">
+                <a:solidFill>
+                  <a:schemeClr val="bg1"/>
+                </a:solidFill>
+                <a:latin typeface="Courier New" panose="02070309020205020404" pitchFamily="49" charset="0"/>
+                <a:cs typeface="Courier New" panose="02070309020205020404" pitchFamily="49" charset="0"/>
+              </a:rPr>
+              <a:t>practicals</a:t>
+            </a:r>
+            <a:r>
+              <a:rPr lang="en-GB" sz="1600" dirty="0">
+                <a:solidFill>
+                  <a:schemeClr val="bg1"/>
+                </a:solidFill>
+                <a:latin typeface="Courier New" panose="02070309020205020404" pitchFamily="49" charset="0"/>
+                <a:cs typeface="Courier New" panose="02070309020205020404" pitchFamily="49" charset="0"/>
+              </a:rPr>
+              <a:t>/walk-through</a:t>
+            </a:r>
+          </a:p>
+          <a:p>
+            <a:r>
+              <a:rPr lang="en-GB" sz="1600" dirty="0">
+                <a:solidFill>
+                  <a:schemeClr val="bg1"/>
+                </a:solidFill>
+                <a:latin typeface="Courier New" panose="02070309020205020404" pitchFamily="49" charset="0"/>
+                <a:cs typeface="Courier New" panose="02070309020205020404" pitchFamily="49" charset="0"/>
+              </a:rPr>
+              <a:t>[vistor01@sdf-cs1 walk-through]$ ls</a:t>
+            </a:r>
+          </a:p>
+          <a:p>
+            <a:r>
+              <a:rPr lang="en-GB" sz="1600" dirty="0">
+                <a:solidFill>
+                  <a:schemeClr val="bg1"/>
+                </a:solidFill>
+                <a:latin typeface="Courier New" panose="02070309020205020404" pitchFamily="49" charset="0"/>
+                <a:cs typeface="Courier New" panose="02070309020205020404" pitchFamily="49" charset="0"/>
+              </a:rPr>
+              <a:t>wt1-getting-started  wt2-basic-syntax  wt3-memcpy  wt4-memoryDSDs  </a:t>
+            </a:r>
+          </a:p>
+          <a:p>
+            <a:r>
+              <a:rPr lang="en-GB" sz="1600" dirty="0">
+                <a:solidFill>
+                  <a:schemeClr val="bg1"/>
+                </a:solidFill>
+                <a:latin typeface="Courier New" panose="02070309020205020404" pitchFamily="49" charset="0"/>
+                <a:cs typeface="Courier New" panose="02070309020205020404" pitchFamily="49" charset="0"/>
+              </a:rPr>
+              <a:t>wt5-multiple-PEs  wt6-routes-fabricDSDs  wt7-optimisation  wt8-debugging</a:t>
+            </a:r>
+          </a:p>
+        </p:txBody>
+      </p:sp>
+      <p:sp>
+        <p:nvSpPr>
+          <p:cNvPr id="7" name="TextBox 6">
+            <a:extLst>
+              <a:ext uri="{FF2B5EF4-FFF2-40B4-BE49-F238E27FC236}">
+                <a16:creationId xmlns:a16="http://schemas.microsoft.com/office/drawing/2014/main" id="{AF9533DE-19DF-DA0D-DA79-923A27AC4573}"/>
+              </a:ext>
+            </a:extLst>
+          </p:cNvPr>
+          <p:cNvSpPr txBox="1"/>
+          <p:nvPr/>
+        </p:nvSpPr>
+        <p:spPr>
+          <a:xfrm>
+            <a:off x="695400" y="5965525"/>
+            <a:ext cx="10225136" cy="369332"/>
+          </a:xfrm>
+          <a:prstGeom prst="rect">
+            <a:avLst/>
+          </a:prstGeom>
+          <a:noFill/>
+        </p:spPr>
+        <p:txBody>
+          <a:bodyPr wrap="square" rtlCol="0">
+            <a:spAutoFit/>
+          </a:bodyPr>
+          <a:lstStyle/>
+          <a:p>
+            <a:pPr algn="ctr"/>
+            <a:r>
+              <a:rPr lang="en-GB" i="1" dirty="0">
+                <a:solidFill>
+                  <a:srgbClr val="FF0000"/>
+                </a:solidFill>
+              </a:rPr>
+              <a:t>Let one of the tutors know if you are struggling with this</a:t>
+            </a:r>
+          </a:p>
+        </p:txBody>
+      </p:sp>
+    </p:spTree>
+    <p:extLst>
+      <p:ext uri="{BB962C8B-B14F-4D97-AF65-F5344CB8AC3E}">
+        <p14:creationId xmlns:p14="http://schemas.microsoft.com/office/powerpoint/2010/main" val="965051851"/>
+      </p:ext>
+    </p:extLst>
+  </p:cSld>
+  <p:clrMapOvr>
+    <a:masterClrMapping/>
+  </p:clrMapOvr>
+</p:sld>
+</file>
+
+<file path=ppt/slides/slide8.xml><?xml version="1.0" encoding="utf-8"?>
+<p:sld xmlns:a="http://schemas.openxmlformats.org/drawingml/2006/main" xmlns:r="http://schemas.openxmlformats.org/officeDocument/2006/relationships" xmlns:p="http://schemas.openxmlformats.org/presentationml/2006/main">
+  <p:cSld>
+    <p:spTree>
+      <p:nvGrpSpPr>
+        <p:cNvPr id="1" name=""/>
+        <p:cNvGrpSpPr/>
+        <p:nvPr/>
+      </p:nvGrpSpPr>
+      <p:grpSpPr>
+        <a:xfrm>
+          <a:off x="0" y="0"/>
+          <a:ext cx="0" cy="0"/>
+          <a:chOff x="0" y="0"/>
+          <a:chExt cx="0" cy="0"/>
+        </a:xfrm>
+      </p:grpSpPr>
+      <p:sp>
+        <p:nvSpPr>
+          <p:cNvPr id="2" name="Title 1">
+            <a:extLst>
+              <a:ext uri="{FF2B5EF4-FFF2-40B4-BE49-F238E27FC236}">
+                <a16:creationId xmlns:a16="http://schemas.microsoft.com/office/drawing/2014/main" id="{D334002C-9726-255F-B908-BB704A79B83C}"/>
+              </a:ext>
+            </a:extLst>
+          </p:cNvPr>
+          <p:cNvSpPr>
+            <a:spLocks noGrp="1"/>
+          </p:cNvSpPr>
+          <p:nvPr>
+            <p:ph type="title"/>
+          </p:nvPr>
+        </p:nvSpPr>
+        <p:spPr/>
+        <p:txBody>
+          <a:bodyPr/>
+          <a:lstStyle/>
+          <a:p>
+            <a:r>
+              <a:rPr lang="en-GB" dirty="0"/>
+              <a:t>Running my first CSL program</a:t>
+            </a:r>
+          </a:p>
+        </p:txBody>
+      </p:sp>
+      <p:sp>
+        <p:nvSpPr>
+          <p:cNvPr id="3" name="Content Placeholder 2">
+            <a:extLst>
+              <a:ext uri="{FF2B5EF4-FFF2-40B4-BE49-F238E27FC236}">
+                <a16:creationId xmlns:a16="http://schemas.microsoft.com/office/drawing/2014/main" id="{AA23FFD8-57EF-751D-3222-A3860630DD71}"/>
+              </a:ext>
+            </a:extLst>
+          </p:cNvPr>
+          <p:cNvSpPr>
+            <a:spLocks noGrp="1"/>
+          </p:cNvSpPr>
+          <p:nvPr>
+            <p:ph idx="1"/>
+          </p:nvPr>
+        </p:nvSpPr>
+        <p:spPr>
+          <a:xfrm>
+            <a:off x="609600" y="1481800"/>
+            <a:ext cx="10972800" cy="948401"/>
+          </a:xfrm>
+        </p:spPr>
+        <p:txBody>
+          <a:bodyPr/>
+          <a:lstStyle/>
+          <a:p>
+            <a:r>
+              <a:rPr lang="en-GB" dirty="0"/>
+              <a:t>Change into the </a:t>
+            </a:r>
+            <a:r>
+              <a:rPr lang="en-GB" i="1" dirty="0"/>
+              <a:t>wt1-getting-started </a:t>
+            </a:r>
+            <a:r>
+              <a:rPr lang="en-GB" dirty="0"/>
+              <a:t>directory</a:t>
+            </a:r>
+          </a:p>
+          <a:p>
+            <a:r>
+              <a:rPr lang="en-GB" dirty="0"/>
+              <a:t>Compile the code using the </a:t>
+            </a:r>
+            <a:r>
+              <a:rPr lang="en-GB" i="1" dirty="0" err="1"/>
+              <a:t>cslc</a:t>
+            </a:r>
+            <a:r>
+              <a:rPr lang="en-GB" i="1" dirty="0"/>
+              <a:t> </a:t>
+            </a:r>
+            <a:r>
+              <a:rPr lang="en-GB" dirty="0"/>
+              <a:t>command </a:t>
+            </a:r>
+          </a:p>
+        </p:txBody>
+      </p:sp>
+      <p:sp>
+        <p:nvSpPr>
+          <p:cNvPr id="5" name="TextBox 4">
+            <a:extLst>
+              <a:ext uri="{FF2B5EF4-FFF2-40B4-BE49-F238E27FC236}">
+                <a16:creationId xmlns:a16="http://schemas.microsoft.com/office/drawing/2014/main" id="{52C65D66-B875-E723-BD5B-F05B9025BD72}"/>
+              </a:ext>
+            </a:extLst>
+          </p:cNvPr>
+          <p:cNvSpPr txBox="1"/>
+          <p:nvPr/>
+        </p:nvSpPr>
+        <p:spPr>
+          <a:xfrm>
+            <a:off x="609600" y="2430201"/>
+            <a:ext cx="10972800" cy="2308324"/>
+          </a:xfrm>
+          <a:prstGeom prst="rect">
+            <a:avLst/>
+          </a:prstGeom>
+          <a:solidFill>
+            <a:schemeClr val="tx1"/>
+          </a:solidFill>
+        </p:spPr>
+        <p:txBody>
+          <a:bodyPr wrap="square" rtlCol="0">
+            <a:spAutoFit/>
+          </a:bodyPr>
+          <a:lstStyle/>
+          <a:p>
+            <a:r>
+              <a:rPr lang="en-GB" sz="1600" dirty="0">
+                <a:solidFill>
+                  <a:schemeClr val="bg1"/>
+                </a:solidFill>
+                <a:latin typeface="Courier New" panose="02070309020205020404" pitchFamily="49" charset="0"/>
+                <a:cs typeface="Courier New" panose="02070309020205020404" pitchFamily="49" charset="0"/>
+              </a:rPr>
+              <a:t>[vistor01@sdf-cs1 walk-through]$ cd wt1-getting-started</a:t>
+            </a:r>
+          </a:p>
+          <a:p>
+            <a:r>
+              <a:rPr lang="en-GB" sz="1600" dirty="0">
+                <a:solidFill>
+                  <a:schemeClr val="bg1"/>
+                </a:solidFill>
+                <a:latin typeface="Courier New" panose="02070309020205020404" pitchFamily="49" charset="0"/>
+                <a:cs typeface="Courier New" panose="02070309020205020404" pitchFamily="49" charset="0"/>
+              </a:rPr>
+              <a:t>[vistor01@sdf-cs1 wt1-getting-started]$ </a:t>
+            </a:r>
+            <a:r>
+              <a:rPr lang="en-GB" sz="1600" dirty="0" err="1">
+                <a:solidFill>
+                  <a:schemeClr val="bg1"/>
+                </a:solidFill>
+                <a:latin typeface="Courier New" panose="02070309020205020404" pitchFamily="49" charset="0"/>
+                <a:cs typeface="Courier New" panose="02070309020205020404" pitchFamily="49" charset="0"/>
+              </a:rPr>
+              <a:t>cslc</a:t>
+            </a:r>
+            <a:r>
+              <a:rPr lang="en-GB" sz="1600" dirty="0">
+                <a:solidFill>
+                  <a:schemeClr val="bg1"/>
+                </a:solidFill>
+                <a:latin typeface="Courier New" panose="02070309020205020404" pitchFamily="49" charset="0"/>
+                <a:cs typeface="Courier New" panose="02070309020205020404" pitchFamily="49" charset="0"/>
+              </a:rPr>
+              <a:t> </a:t>
+            </a:r>
+            <a:r>
+              <a:rPr lang="en-GB" sz="1600" dirty="0" err="1">
+                <a:solidFill>
+                  <a:schemeClr val="bg1"/>
+                </a:solidFill>
+                <a:latin typeface="Courier New" panose="02070309020205020404" pitchFamily="49" charset="0"/>
+                <a:cs typeface="Courier New" panose="02070309020205020404" pitchFamily="49" charset="0"/>
+              </a:rPr>
+              <a:t>layout.csl</a:t>
+            </a:r>
+            <a:r>
+              <a:rPr lang="en-GB" sz="1600" dirty="0">
+                <a:solidFill>
+                  <a:schemeClr val="bg1"/>
+                </a:solidFill>
+                <a:latin typeface="Courier New" panose="02070309020205020404" pitchFamily="49" charset="0"/>
+                <a:cs typeface="Courier New" panose="02070309020205020404" pitchFamily="49" charset="0"/>
+              </a:rPr>
+              <a:t> --fabric-dims=8,3 --fabric-offsets=4,1 --</a:t>
+            </a:r>
+            <a:r>
+              <a:rPr lang="en-GB" sz="1600" dirty="0" err="1">
+                <a:solidFill>
+                  <a:schemeClr val="bg1"/>
+                </a:solidFill>
+                <a:latin typeface="Courier New" panose="02070309020205020404" pitchFamily="49" charset="0"/>
+                <a:cs typeface="Courier New" panose="02070309020205020404" pitchFamily="49" charset="0"/>
+              </a:rPr>
+              <a:t>memcpy</a:t>
+            </a:r>
+            <a:r>
+              <a:rPr lang="en-GB" sz="1600" dirty="0">
+                <a:solidFill>
+                  <a:schemeClr val="bg1"/>
+                </a:solidFill>
+                <a:latin typeface="Courier New" panose="02070309020205020404" pitchFamily="49" charset="0"/>
+                <a:cs typeface="Courier New" panose="02070309020205020404" pitchFamily="49" charset="0"/>
+              </a:rPr>
+              <a:t> --channels=1 -o out</a:t>
+            </a:r>
+          </a:p>
+          <a:p>
+            <a:r>
+              <a:rPr lang="en-GB" sz="1600" dirty="0">
+                <a:solidFill>
+                  <a:schemeClr val="bg1"/>
+                </a:solidFill>
+                <a:latin typeface="Courier New" panose="02070309020205020404" pitchFamily="49" charset="0"/>
+                <a:cs typeface="Courier New" panose="02070309020205020404" pitchFamily="49" charset="0"/>
+              </a:rPr>
+              <a:t>INFO: Using SIF: /home/y26/shared/cs_sdk-1.0.0/cbcore_sdk-202311111408-10-4a54bce5.sif</a:t>
+            </a:r>
+          </a:p>
+          <a:p>
+            <a:r>
+              <a:rPr lang="en-GB" sz="1600" dirty="0">
+                <a:solidFill>
+                  <a:schemeClr val="bg1"/>
+                </a:solidFill>
+                <a:latin typeface="Courier New" panose="02070309020205020404" pitchFamily="49" charset="0"/>
+                <a:cs typeface="Courier New" panose="02070309020205020404" pitchFamily="49" charset="0"/>
+              </a:rPr>
+              <a:t>compile successful</a:t>
+            </a:r>
+          </a:p>
+          <a:p>
+            <a:r>
+              <a:rPr lang="en-GB" sz="1600" dirty="0">
+                <a:solidFill>
+                  <a:schemeClr val="bg1"/>
+                </a:solidFill>
+                <a:latin typeface="Courier New" panose="02070309020205020404" pitchFamily="49" charset="0"/>
+                <a:cs typeface="Courier New" panose="02070309020205020404" pitchFamily="49" charset="0"/>
+              </a:rPr>
+              <a:t>[nebcs1@sdf-cs1 wt1-getting-started]$ ls out/</a:t>
+            </a:r>
+          </a:p>
+          <a:p>
+            <a:r>
+              <a:rPr lang="en-GB" sz="1600" dirty="0">
+                <a:solidFill>
+                  <a:schemeClr val="bg1"/>
+                </a:solidFill>
+                <a:latin typeface="Courier New" panose="02070309020205020404" pitchFamily="49" charset="0"/>
+                <a:cs typeface="Courier New" panose="02070309020205020404" pitchFamily="49" charset="0"/>
+              </a:rPr>
+              <a:t>bin  east  </a:t>
+            </a:r>
+            <a:r>
+              <a:rPr lang="en-GB" sz="1600" dirty="0" err="1">
+                <a:solidFill>
+                  <a:schemeClr val="bg1"/>
+                </a:solidFill>
+                <a:latin typeface="Courier New" panose="02070309020205020404" pitchFamily="49" charset="0"/>
+                <a:cs typeface="Courier New" panose="02070309020205020404" pitchFamily="49" charset="0"/>
+              </a:rPr>
+              <a:t>out.json</a:t>
+            </a:r>
+            <a:r>
+              <a:rPr lang="en-GB" sz="1600" dirty="0">
+                <a:solidFill>
+                  <a:schemeClr val="bg1"/>
+                </a:solidFill>
+                <a:latin typeface="Courier New" panose="02070309020205020404" pitchFamily="49" charset="0"/>
+                <a:cs typeface="Courier New" panose="02070309020205020404" pitchFamily="49" charset="0"/>
+              </a:rPr>
+              <a:t>  west</a:t>
+            </a:r>
+          </a:p>
+          <a:p>
+            <a:r>
+              <a:rPr lang="en-GB" sz="1600" dirty="0">
+                <a:solidFill>
+                  <a:schemeClr val="bg1"/>
+                </a:solidFill>
+                <a:latin typeface="Courier New" panose="02070309020205020404" pitchFamily="49" charset="0"/>
+                <a:cs typeface="Courier New" panose="02070309020205020404" pitchFamily="49" charset="0"/>
+              </a:rPr>
+              <a:t>[nebcs1@sdf-cs1 wt1-getting-started]$ ls out/bin/</a:t>
+            </a:r>
+          </a:p>
+          <a:p>
+            <a:r>
+              <a:rPr lang="en-GB" sz="1600" dirty="0">
+                <a:solidFill>
+                  <a:schemeClr val="bg1"/>
+                </a:solidFill>
+                <a:latin typeface="Courier New" panose="02070309020205020404" pitchFamily="49" charset="0"/>
+                <a:cs typeface="Courier New" panose="02070309020205020404" pitchFamily="49" charset="0"/>
+              </a:rPr>
+              <a:t>out_0_0.elf  </a:t>
+            </a:r>
+            <a:r>
+              <a:rPr lang="en-GB" sz="1600" dirty="0" err="1">
+                <a:solidFill>
+                  <a:schemeClr val="bg1"/>
+                </a:solidFill>
+                <a:latin typeface="Courier New" panose="02070309020205020404" pitchFamily="49" charset="0"/>
+                <a:cs typeface="Courier New" panose="02070309020205020404" pitchFamily="49" charset="0"/>
+              </a:rPr>
+              <a:t>out_rpc.json</a:t>
+            </a:r>
+            <a:endParaRPr lang="en-GB" sz="1600" dirty="0">
+              <a:solidFill>
+                <a:schemeClr val="bg1"/>
+              </a:solidFill>
+              <a:latin typeface="Courier New" panose="02070309020205020404" pitchFamily="49" charset="0"/>
+              <a:cs typeface="Courier New" panose="02070309020205020404" pitchFamily="49" charset="0"/>
+            </a:endParaRPr>
+          </a:p>
+        </p:txBody>
+      </p:sp>
+      <p:sp>
+        <p:nvSpPr>
+          <p:cNvPr id="6" name="Content Placeholder 2">
+            <a:extLst>
+              <a:ext uri="{FF2B5EF4-FFF2-40B4-BE49-F238E27FC236}">
+                <a16:creationId xmlns:a16="http://schemas.microsoft.com/office/drawing/2014/main" id="{F93E213F-EA3A-0917-DC67-2FB7376D71EE}"/>
+              </a:ext>
+            </a:extLst>
+          </p:cNvPr>
+          <p:cNvSpPr txBox="1">
+            <a:spLocks/>
+          </p:cNvSpPr>
+          <p:nvPr/>
+        </p:nvSpPr>
+        <p:spPr>
+          <a:xfrm>
+            <a:off x="609600" y="4901999"/>
+            <a:ext cx="10972800" cy="948401"/>
+          </a:xfrm>
+          <a:prstGeom prst="rect">
+            <a:avLst/>
+          </a:prstGeom>
+        </p:spPr>
+        <p:txBody>
+          <a:bodyPr vert="horz" lIns="91440" tIns="45720" rIns="91440" bIns="45720" rtlCol="0">
+            <a:normAutofit/>
+          </a:bodyPr>
+          <a:lstStyle>
+            <a:lvl1pPr marL="182880" indent="-182880" algn="l" defTabSz="914400" rtl="0" eaLnBrk="1" latinLnBrk="0" hangingPunct="1">
+              <a:spcBef>
+                <a:spcPct val="20000"/>
+              </a:spcBef>
+              <a:buClr>
+                <a:schemeClr val="accent1"/>
+              </a:buClr>
+              <a:buSzPct val="85000"/>
+              <a:buFont typeface="Arial" pitchFamily="34" charset="0"/>
+              <a:buChar char="•"/>
+              <a:defRPr sz="2400" kern="1200">
+                <a:solidFill>
+                  <a:schemeClr val="tx1"/>
+                </a:solidFill>
+                <a:latin typeface="+mn-lt"/>
+                <a:ea typeface="+mn-ea"/>
+                <a:cs typeface="+mn-cs"/>
+              </a:defRPr>
+            </a:lvl1pPr>
+            <a:lvl2pPr marL="457200" indent="-182880" algn="l" defTabSz="914400" rtl="0" eaLnBrk="1" latinLnBrk="0" hangingPunct="1">
+              <a:spcBef>
+                <a:spcPct val="20000"/>
+              </a:spcBef>
+              <a:buClr>
+                <a:schemeClr val="accent1"/>
+              </a:buClr>
+              <a:buSzPct val="85000"/>
+              <a:buFont typeface="Arial" pitchFamily="34" charset="0"/>
+              <a:buChar char="•"/>
+              <a:defRPr sz="2000" kern="1200">
+                <a:solidFill>
+                  <a:schemeClr val="tx1"/>
+                </a:solidFill>
+                <a:latin typeface="+mn-lt"/>
+                <a:ea typeface="+mn-ea"/>
+                <a:cs typeface="+mn-cs"/>
+              </a:defRPr>
+            </a:lvl2pPr>
+            <a:lvl3pPr marL="731520" indent="-182880" algn="l" defTabSz="914400" rtl="0" eaLnBrk="1" latinLnBrk="0" hangingPunct="1">
+              <a:spcBef>
+                <a:spcPct val="20000"/>
+              </a:spcBef>
+              <a:buClr>
+                <a:schemeClr val="accent1"/>
+              </a:buClr>
+              <a:buSzPct val="90000"/>
+              <a:buFont typeface="Arial" pitchFamily="34" charset="0"/>
+              <a:buChar char="•"/>
+              <a:defRPr sz="1800" kern="1200">
+                <a:solidFill>
+                  <a:schemeClr val="tx1"/>
+                </a:solidFill>
+                <a:latin typeface="+mn-lt"/>
+                <a:ea typeface="+mn-ea"/>
+                <a:cs typeface="+mn-cs"/>
+              </a:defRPr>
+            </a:lvl3pPr>
+            <a:lvl4pPr marL="1005840" indent="-182880" algn="l" defTabSz="914400" rtl="0" eaLnBrk="1" latinLnBrk="0" hangingPunct="1">
+              <a:spcBef>
+                <a:spcPct val="20000"/>
+              </a:spcBef>
+              <a:buClr>
+                <a:schemeClr val="accent1"/>
+              </a:buClr>
+              <a:buFont typeface="Arial" pitchFamily="34" charset="0"/>
+              <a:buChar char="•"/>
+              <a:defRPr sz="1600" kern="1200">
+                <a:solidFill>
+                  <a:schemeClr val="tx1"/>
+                </a:solidFill>
+                <a:latin typeface="+mn-lt"/>
+                <a:ea typeface="+mn-ea"/>
+                <a:cs typeface="+mn-cs"/>
+              </a:defRPr>
+            </a:lvl4pPr>
+            <a:lvl5pPr marL="1188720" indent="-137160" algn="l" defTabSz="914400" rtl="0" eaLnBrk="1" latinLnBrk="0" hangingPunct="1">
+              <a:spcBef>
+                <a:spcPct val="20000"/>
+              </a:spcBef>
+              <a:buClr>
+                <a:schemeClr val="accent1"/>
+              </a:buClr>
+              <a:buSzPct val="100000"/>
+              <a:buFont typeface="Arial" pitchFamily="34" charset="0"/>
+              <a:buChar char="•"/>
+              <a:defRPr sz="1400" kern="1200" baseline="0">
+                <a:solidFill>
+                  <a:schemeClr val="tx1"/>
+                </a:solidFill>
+                <a:latin typeface="+mn-lt"/>
+                <a:ea typeface="+mn-ea"/>
+                <a:cs typeface="+mn-cs"/>
+              </a:defRPr>
+            </a:lvl5pPr>
+            <a:lvl6pPr marL="1371600" indent="-182880" algn="l" defTabSz="914400" rtl="0" eaLnBrk="1" latinLnBrk="0" hangingPunct="1">
+              <a:spcBef>
+                <a:spcPct val="20000"/>
+              </a:spcBef>
+              <a:buClr>
+                <a:schemeClr val="accent1"/>
+              </a:buClr>
+              <a:buFont typeface="Arial" pitchFamily="34" charset="0"/>
+              <a:buChar char="•"/>
+              <a:defRPr sz="1300" kern="1200">
+                <a:solidFill>
+                  <a:schemeClr val="tx1"/>
+                </a:solidFill>
+                <a:latin typeface="+mn-lt"/>
+                <a:ea typeface="+mn-ea"/>
+                <a:cs typeface="+mn-cs"/>
+              </a:defRPr>
+            </a:lvl6pPr>
+            <a:lvl7pPr marL="1554480" indent="-182880" algn="l" defTabSz="914400" rtl="0" eaLnBrk="1" latinLnBrk="0" hangingPunct="1">
+              <a:spcBef>
+                <a:spcPct val="20000"/>
+              </a:spcBef>
+              <a:buClr>
+                <a:schemeClr val="accent1"/>
+              </a:buClr>
+              <a:buFont typeface="Arial" pitchFamily="34" charset="0"/>
+              <a:buChar char="•"/>
+              <a:defRPr sz="1300" kern="1200">
+                <a:solidFill>
+                  <a:schemeClr val="tx1"/>
+                </a:solidFill>
+                <a:latin typeface="+mn-lt"/>
+                <a:ea typeface="+mn-ea"/>
+                <a:cs typeface="+mn-cs"/>
+              </a:defRPr>
+            </a:lvl7pPr>
+            <a:lvl8pPr marL="1737360" indent="-182880" algn="l" defTabSz="914400" rtl="0" eaLnBrk="1" latinLnBrk="0" hangingPunct="1">
+              <a:spcBef>
+                <a:spcPct val="20000"/>
+              </a:spcBef>
+              <a:buClr>
+                <a:schemeClr val="accent1"/>
+              </a:buClr>
+              <a:buFont typeface="Arial" pitchFamily="34" charset="0"/>
+              <a:buChar char="•"/>
+              <a:defRPr sz="1300" kern="1200">
+                <a:solidFill>
+                  <a:schemeClr val="tx1"/>
+                </a:solidFill>
+                <a:latin typeface="+mn-lt"/>
+                <a:ea typeface="+mn-ea"/>
+                <a:cs typeface="+mn-cs"/>
+              </a:defRPr>
+            </a:lvl8pPr>
+            <a:lvl9pPr marL="1920240" indent="-182880" algn="l" defTabSz="914400" rtl="0" eaLnBrk="1" latinLnBrk="0" hangingPunct="1">
+              <a:spcBef>
+                <a:spcPct val="20000"/>
+              </a:spcBef>
+              <a:buClr>
+                <a:schemeClr val="accent1"/>
+              </a:buClr>
+              <a:buFont typeface="Arial" pitchFamily="34" charset="0"/>
+              <a:buChar char="•"/>
+              <a:defRPr sz="1300" kern="1200">
+                <a:solidFill>
+                  <a:schemeClr val="tx1"/>
+                </a:solidFill>
+                <a:latin typeface="+mn-lt"/>
+                <a:ea typeface="+mn-ea"/>
+                <a:cs typeface="+mn-cs"/>
+              </a:defRPr>
+            </a:lvl9pPr>
+          </a:lstStyle>
+          <a:p>
+            <a:r>
+              <a:rPr lang="en-GB" dirty="0"/>
+              <a:t>Run (via the simulator)</a:t>
+            </a:r>
+          </a:p>
+        </p:txBody>
+      </p:sp>
+      <p:sp>
+        <p:nvSpPr>
+          <p:cNvPr id="9" name="TextBox 8">
+            <a:extLst>
+              <a:ext uri="{FF2B5EF4-FFF2-40B4-BE49-F238E27FC236}">
+                <a16:creationId xmlns:a16="http://schemas.microsoft.com/office/drawing/2014/main" id="{9104A0D5-73F5-7501-81CC-427DBA7B12BF}"/>
+              </a:ext>
+            </a:extLst>
+          </p:cNvPr>
+          <p:cNvSpPr txBox="1"/>
+          <p:nvPr/>
+        </p:nvSpPr>
+        <p:spPr>
+          <a:xfrm>
+            <a:off x="609600" y="5460634"/>
+            <a:ext cx="10972800" cy="584775"/>
+          </a:xfrm>
+          <a:prstGeom prst="rect">
+            <a:avLst/>
+          </a:prstGeom>
+          <a:solidFill>
+            <a:schemeClr val="tx1"/>
+          </a:solidFill>
+        </p:spPr>
+        <p:txBody>
+          <a:bodyPr wrap="square" rtlCol="0">
+            <a:spAutoFit/>
+          </a:bodyPr>
+          <a:lstStyle/>
+          <a:p>
+            <a:r>
+              <a:rPr lang="en-GB" sz="1600" dirty="0">
+                <a:solidFill>
+                  <a:schemeClr val="bg1"/>
+                </a:solidFill>
+                <a:latin typeface="Courier New" panose="02070309020205020404" pitchFamily="49" charset="0"/>
+                <a:cs typeface="Courier New" panose="02070309020205020404" pitchFamily="49" charset="0"/>
+              </a:rPr>
+              <a:t>[vistor01@sdf-cs1 walk-through]$ </a:t>
+            </a:r>
+            <a:r>
+              <a:rPr lang="en-GB" sz="1600" dirty="0" err="1">
+                <a:solidFill>
+                  <a:schemeClr val="bg1"/>
+                </a:solidFill>
+                <a:latin typeface="Courier New" panose="02070309020205020404" pitchFamily="49" charset="0"/>
+                <a:cs typeface="Courier New" panose="02070309020205020404" pitchFamily="49" charset="0"/>
+              </a:rPr>
+              <a:t>cs_python</a:t>
+            </a:r>
+            <a:r>
+              <a:rPr lang="en-GB" sz="1600" dirty="0">
+                <a:solidFill>
+                  <a:schemeClr val="bg1"/>
+                </a:solidFill>
+                <a:latin typeface="Courier New" panose="02070309020205020404" pitchFamily="49" charset="0"/>
+                <a:cs typeface="Courier New" panose="02070309020205020404" pitchFamily="49" charset="0"/>
+              </a:rPr>
+              <a:t> run.py --name out</a:t>
+            </a:r>
+          </a:p>
+          <a:p>
+            <a:r>
+              <a:rPr lang="en-GB" sz="1600" dirty="0">
+                <a:solidFill>
+                  <a:schemeClr val="bg1"/>
+                </a:solidFill>
+                <a:latin typeface="Courier New" panose="02070309020205020404" pitchFamily="49" charset="0"/>
+                <a:cs typeface="Courier New" panose="02070309020205020404" pitchFamily="49" charset="0"/>
+              </a:rPr>
+              <a:t>INFO: Using SIF: /home/y26/shared/cs_sdk-1.0.0/cbcore_sdk-202311111408-10-4a54bce5.sif</a:t>
+            </a:r>
+          </a:p>
+        </p:txBody>
+      </p:sp>
+      <p:sp>
+        <p:nvSpPr>
+          <p:cNvPr id="10" name="TextBox 9">
+            <a:extLst>
+              <a:ext uri="{FF2B5EF4-FFF2-40B4-BE49-F238E27FC236}">
+                <a16:creationId xmlns:a16="http://schemas.microsoft.com/office/drawing/2014/main" id="{BC92662D-5730-DF8B-DEE2-BB2BB9866BA4}"/>
+              </a:ext>
+            </a:extLst>
+          </p:cNvPr>
+          <p:cNvSpPr txBox="1"/>
+          <p:nvPr/>
+        </p:nvSpPr>
+        <p:spPr>
+          <a:xfrm>
+            <a:off x="609600" y="6237312"/>
+            <a:ext cx="10972800" cy="369332"/>
+          </a:xfrm>
+          <a:prstGeom prst="rect">
+            <a:avLst/>
+          </a:prstGeom>
+          <a:noFill/>
+        </p:spPr>
+        <p:txBody>
+          <a:bodyPr wrap="square" rtlCol="0">
+            <a:spAutoFit/>
+          </a:bodyPr>
+          <a:lstStyle/>
+          <a:p>
+            <a:pPr algn="ctr"/>
+            <a:r>
+              <a:rPr lang="en-GB" i="1" dirty="0">
+                <a:solidFill>
+                  <a:srgbClr val="0070C0"/>
+                </a:solidFill>
+              </a:rPr>
+              <a:t>Congratulations! You have run your first CSL program (although it doesn’t do very much yet!)</a:t>
+            </a:r>
+          </a:p>
+        </p:txBody>
+      </p:sp>
+    </p:spTree>
+    <p:extLst>
+      <p:ext uri="{BB962C8B-B14F-4D97-AF65-F5344CB8AC3E}">
+        <p14:creationId xmlns:p14="http://schemas.microsoft.com/office/powerpoint/2010/main" val="635791193"/>
+      </p:ext>
+    </p:extLst>
+  </p:cSld>
+  <p:clrMapOvr>
+    <a:masterClrMapping/>
+  </p:clrMapOvr>
+</p:sld>
+</file>
+
+<file path=ppt/slides/slide9.xml><?xml version="1.0" encoding="utf-8"?>
+<p:sld xmlns:a="http://schemas.openxmlformats.org/drawingml/2006/main" xmlns:r="http://schemas.openxmlformats.org/officeDocument/2006/relationships" xmlns:p="http://schemas.openxmlformats.org/presentationml/2006/main">
+  <p:cSld>
+    <p:spTree>
+      <p:nvGrpSpPr>
+        <p:cNvPr id="1" name=""/>
+        <p:cNvGrpSpPr/>
+        <p:nvPr/>
+      </p:nvGrpSpPr>
+      <p:grpSpPr>
+        <a:xfrm>
+          <a:off x="0" y="0"/>
+          <a:ext cx="0" cy="0"/>
+          <a:chOff x="0" y="0"/>
+          <a:chExt cx="0" cy="0"/>
+        </a:xfrm>
+      </p:grpSpPr>
+      <p:sp>
+        <p:nvSpPr>
+          <p:cNvPr id="2" name="Title 1">
+            <a:extLst>
+              <a:ext uri="{FF2B5EF4-FFF2-40B4-BE49-F238E27FC236}">
+                <a16:creationId xmlns:a16="http://schemas.microsoft.com/office/drawing/2014/main" id="{5FDD1DC3-B096-CF73-A12A-9876E230BA5C}"/>
+              </a:ext>
+            </a:extLst>
+          </p:cNvPr>
+          <p:cNvSpPr>
+            <a:spLocks noGrp="1"/>
+          </p:cNvSpPr>
+          <p:nvPr>
+            <p:ph type="title"/>
+          </p:nvPr>
+        </p:nvSpPr>
+        <p:spPr/>
+        <p:txBody>
+          <a:bodyPr/>
+          <a:lstStyle/>
+          <a:p>
+            <a:r>
+              <a:rPr lang="en-GB" dirty="0"/>
+              <a:t>What are these arguments to the CSL compiler?</a:t>
+            </a:r>
+          </a:p>
+        </p:txBody>
+      </p:sp>
+      <p:sp>
+        <p:nvSpPr>
+          <p:cNvPr id="3" name="Content Placeholder 2">
+            <a:extLst>
+              <a:ext uri="{FF2B5EF4-FFF2-40B4-BE49-F238E27FC236}">
+                <a16:creationId xmlns:a16="http://schemas.microsoft.com/office/drawing/2014/main" id="{46BAEA56-9FFE-1272-EEE0-D880471E3738}"/>
+              </a:ext>
+            </a:extLst>
+          </p:cNvPr>
+          <p:cNvSpPr>
+            <a:spLocks noGrp="1"/>
+          </p:cNvSpPr>
+          <p:nvPr>
+            <p:ph idx="1"/>
+          </p:nvPr>
+        </p:nvSpPr>
+        <p:spPr>
+          <a:xfrm>
+            <a:off x="635120" y="2852936"/>
+            <a:ext cx="10972800" cy="3336032"/>
+          </a:xfrm>
+        </p:spPr>
+        <p:txBody>
+          <a:bodyPr/>
+          <a:lstStyle/>
+          <a:p>
+            <a:r>
+              <a:rPr lang="en-GB" i="1" dirty="0">
+                <a:solidFill>
+                  <a:srgbClr val="0070C0"/>
+                </a:solidFill>
+              </a:rPr>
+              <a:t>--fabric-dims=8,3</a:t>
+            </a:r>
+            <a:r>
+              <a:rPr lang="en-GB" dirty="0"/>
+              <a:t> defines the size of the simulated fabric, which is 8 x 3</a:t>
+            </a:r>
+          </a:p>
+          <a:p>
+            <a:r>
+              <a:rPr lang="en-GB" i="1" dirty="0">
+                <a:solidFill>
+                  <a:srgbClr val="0070C0"/>
+                </a:solidFill>
+              </a:rPr>
+              <a:t>--fabric-offsets=4,1</a:t>
+            </a:r>
+            <a:r>
+              <a:rPr lang="en-GB" dirty="0"/>
+              <a:t> defines where the program is placed on the fabric.</a:t>
+            </a:r>
+          </a:p>
+          <a:p>
+            <a:r>
+              <a:rPr lang="en-GB" dirty="0">
+                <a:solidFill>
+                  <a:srgbClr val="0070C0"/>
+                </a:solidFill>
+              </a:rPr>
+              <a:t>--</a:t>
+            </a:r>
+            <a:r>
+              <a:rPr lang="en-GB" dirty="0" err="1">
+                <a:solidFill>
+                  <a:srgbClr val="0070C0"/>
+                </a:solidFill>
+              </a:rPr>
+              <a:t>memcpy</a:t>
+            </a:r>
+            <a:r>
+              <a:rPr lang="en-GB" dirty="0"/>
+              <a:t> this flag is required to enable </a:t>
+            </a:r>
+            <a:r>
+              <a:rPr lang="en-GB" dirty="0" err="1"/>
+              <a:t>memcpy</a:t>
+            </a:r>
+            <a:r>
+              <a:rPr lang="en-GB" dirty="0"/>
+              <a:t> within the host program (we discussed this in the architecture slides)</a:t>
+            </a:r>
+          </a:p>
+          <a:p>
+            <a:r>
+              <a:rPr lang="en-GB" i="1" dirty="0">
+                <a:solidFill>
+                  <a:srgbClr val="0070C0"/>
+                </a:solidFill>
+              </a:rPr>
+              <a:t>--channels=1</a:t>
+            </a:r>
+            <a:r>
+              <a:rPr lang="en-GB" dirty="0"/>
+              <a:t> determines the number of ethernet links that can be used to transfer data to/from the CS-2 (maximum of 12)</a:t>
+            </a:r>
+          </a:p>
+          <a:p>
+            <a:r>
+              <a:rPr lang="en-GB" i="1" dirty="0">
+                <a:solidFill>
+                  <a:srgbClr val="0070C0"/>
+                </a:solidFill>
+              </a:rPr>
+              <a:t>-o out</a:t>
+            </a:r>
+            <a:r>
+              <a:rPr lang="en-GB" dirty="0"/>
+              <a:t> is the directory where the executables will be saved</a:t>
+            </a:r>
+          </a:p>
+        </p:txBody>
+      </p:sp>
+      <p:sp>
+        <p:nvSpPr>
+          <p:cNvPr id="4" name="TextBox 3">
+            <a:extLst>
+              <a:ext uri="{FF2B5EF4-FFF2-40B4-BE49-F238E27FC236}">
+                <a16:creationId xmlns:a16="http://schemas.microsoft.com/office/drawing/2014/main" id="{B73611ED-3EA3-C050-4373-38046ED4A021}"/>
+              </a:ext>
+            </a:extLst>
+          </p:cNvPr>
+          <p:cNvSpPr txBox="1"/>
+          <p:nvPr/>
+        </p:nvSpPr>
+        <p:spPr>
+          <a:xfrm>
+            <a:off x="609600" y="1772816"/>
+            <a:ext cx="10972800" cy="584775"/>
+          </a:xfrm>
+          <a:prstGeom prst="rect">
+            <a:avLst/>
+          </a:prstGeom>
+          <a:solidFill>
+            <a:schemeClr val="tx1"/>
+          </a:solidFill>
+        </p:spPr>
+        <p:txBody>
+          <a:bodyPr wrap="square" rtlCol="0">
+            <a:spAutoFit/>
+          </a:bodyPr>
+          <a:lstStyle/>
+          <a:p>
+            <a:r>
+              <a:rPr lang="en-GB" sz="1600" dirty="0">
+                <a:solidFill>
+                  <a:schemeClr val="bg1"/>
+                </a:solidFill>
+                <a:latin typeface="Courier New" panose="02070309020205020404" pitchFamily="49" charset="0"/>
+                <a:cs typeface="Courier New" panose="02070309020205020404" pitchFamily="49" charset="0"/>
+              </a:rPr>
+              <a:t>[vistor01@sdf-cs1 wt1-getting-started]$ </a:t>
+            </a:r>
+            <a:r>
+              <a:rPr lang="en-GB" sz="1600" dirty="0" err="1">
+                <a:solidFill>
+                  <a:schemeClr val="bg1"/>
+                </a:solidFill>
+                <a:latin typeface="Courier New" panose="02070309020205020404" pitchFamily="49" charset="0"/>
+                <a:cs typeface="Courier New" panose="02070309020205020404" pitchFamily="49" charset="0"/>
+              </a:rPr>
+              <a:t>cslc</a:t>
+            </a:r>
+            <a:r>
+              <a:rPr lang="en-GB" sz="1600" dirty="0">
+                <a:solidFill>
+                  <a:schemeClr val="bg1"/>
+                </a:solidFill>
+                <a:latin typeface="Courier New" panose="02070309020205020404" pitchFamily="49" charset="0"/>
+                <a:cs typeface="Courier New" panose="02070309020205020404" pitchFamily="49" charset="0"/>
+              </a:rPr>
+              <a:t> </a:t>
+            </a:r>
+            <a:r>
+              <a:rPr lang="en-GB" sz="1600" dirty="0" err="1">
+                <a:solidFill>
+                  <a:schemeClr val="bg1"/>
+                </a:solidFill>
+                <a:latin typeface="Courier New" panose="02070309020205020404" pitchFamily="49" charset="0"/>
+                <a:cs typeface="Courier New" panose="02070309020205020404" pitchFamily="49" charset="0"/>
+              </a:rPr>
+              <a:t>layout.csl</a:t>
+            </a:r>
+            <a:r>
+              <a:rPr lang="en-GB" sz="1600" dirty="0">
+                <a:solidFill>
+                  <a:schemeClr val="bg1"/>
+                </a:solidFill>
+                <a:latin typeface="Courier New" panose="02070309020205020404" pitchFamily="49" charset="0"/>
+                <a:cs typeface="Courier New" panose="02070309020205020404" pitchFamily="49" charset="0"/>
+              </a:rPr>
+              <a:t> --fabric-dims=8,3 --fabric-offsets=4,1 --</a:t>
+            </a:r>
+            <a:r>
+              <a:rPr lang="en-GB" sz="1600" dirty="0" err="1">
+                <a:solidFill>
+                  <a:schemeClr val="bg1"/>
+                </a:solidFill>
+                <a:latin typeface="Courier New" panose="02070309020205020404" pitchFamily="49" charset="0"/>
+                <a:cs typeface="Courier New" panose="02070309020205020404" pitchFamily="49" charset="0"/>
+              </a:rPr>
+              <a:t>memcpy</a:t>
+            </a:r>
+            <a:r>
+              <a:rPr lang="en-GB" sz="1600" dirty="0">
+                <a:solidFill>
+                  <a:schemeClr val="bg1"/>
+                </a:solidFill>
+                <a:latin typeface="Courier New" panose="02070309020205020404" pitchFamily="49" charset="0"/>
+                <a:cs typeface="Courier New" panose="02070309020205020404" pitchFamily="49" charset="0"/>
+              </a:rPr>
+              <a:t> --channels=1 -o out</a:t>
+            </a:r>
+          </a:p>
+        </p:txBody>
+      </p:sp>
+    </p:spTree>
+    <p:extLst>
+      <p:ext uri="{BB962C8B-B14F-4D97-AF65-F5344CB8AC3E}">
+        <p14:creationId xmlns:p14="http://schemas.microsoft.com/office/powerpoint/2010/main" val="3910456926"/>
       </p:ext>
     </p:extLst>
   </p:cSld>
